--- a/For Report/Presentation.pptx
+++ b/For Report/Presentation.pptx
@@ -2888,7 +2888,7 @@
 </file>
 
 <file path=ppt/diagrams/colors4.xml><?xml version="1.0" encoding="utf-8"?>
-<dgm:colorsDef xmlns:dgm="http://schemas.openxmlformats.org/drawingml/2006/diagram" xmlns:a="http://schemas.openxmlformats.org/drawingml/2006/main" uniqueId="urn:microsoft.com/office/officeart/2005/8/colors/colorful1">
+<dgm:colorsDef xmlns:dgm="http://schemas.openxmlformats.org/drawingml/2006/diagram" xmlns:a="http://schemas.openxmlformats.org/drawingml/2006/main" uniqueId="urn:microsoft.com/office/officeart/2018/5/colors/Iconchunking_neutralicontext_colorful1">
   <dgm:title val=""/>
   <dgm:desc val=""/>
   <dgm:catLst>
@@ -2908,18 +2908,18 @@
   </dgm:styleLbl>
   <dgm:styleLbl name="node1">
     <dgm:fillClrLst meth="repeat">
-      <a:schemeClr val="accent2"/>
-      <a:schemeClr val="accent3"/>
-      <a:schemeClr val="accent4"/>
-      <a:schemeClr val="accent5"/>
-      <a:schemeClr val="accent6"/>
+      <a:schemeClr val="bg1"/>
     </dgm:fillClrLst>
     <dgm:linClrLst meth="repeat">
-      <a:schemeClr val="lt1"/>
-    </dgm:linClrLst>
-    <dgm:effectClrLst/>
-    <dgm:txLinClrLst/>
-    <dgm:txFillClrLst/>
+      <a:schemeClr val="lt1">
+        <a:alpha val="0"/>
+      </a:schemeClr>
+    </dgm:linClrLst>
+    <dgm:effectClrLst/>
+    <dgm:txLinClrLst/>
+    <dgm:txFillClrLst meth="repeat">
+      <a:schemeClr val="dk1"/>
+    </dgm:txFillClrLst>
     <dgm:txEffectClrLst/>
   </dgm:styleLbl>
   <dgm:styleLbl name="alignNode1">
@@ -3722,18 +3722,20 @@
   </dgm:styleLbl>
   <dgm:styleLbl name="bgShp">
     <dgm:fillClrLst meth="repeat">
-      <a:schemeClr val="accent2">
-        <a:tint val="40000"/>
-      </a:schemeClr>
+      <a:schemeClr val="accent2"/>
+      <a:schemeClr val="accent3"/>
+      <a:schemeClr val="accent4"/>
+      <a:schemeClr val="accent5"/>
+      <a:schemeClr val="accent6"/>
     </dgm:fillClrLst>
     <dgm:linClrLst meth="repeat">
-      <a:schemeClr val="dk1"/>
-    </dgm:linClrLst>
-    <dgm:effectClrLst/>
-    <dgm:txLinClrLst/>
-    <dgm:txFillClrLst meth="repeat">
-      <a:schemeClr val="dk1"/>
-    </dgm:txFillClrLst>
+      <a:schemeClr val="lt1">
+        <a:alpha val="0"/>
+      </a:schemeClr>
+    </dgm:linClrLst>
+    <dgm:effectClrLst/>
+    <dgm:txLinClrLst/>
+    <dgm:txFillClrLst/>
     <dgm:txEffectClrLst/>
   </dgm:styleLbl>
   <dgm:styleLbl name="dkBgShp">
@@ -3799,7 +3801,7 @@
     <dgm:effectClrLst/>
     <dgm:txLinClrLst/>
     <dgm:txFillClrLst meth="repeat">
-      <a:schemeClr val="tx1"/>
+      <a:schemeClr val="bg1"/>
     </dgm:txFillClrLst>
     <dgm:txEffectClrLst/>
   </dgm:styleLbl>
@@ -4726,6 +4728,925 @@
 </file>
 
 <file path=ppt/diagrams/colors6.xml><?xml version="1.0" encoding="utf-8"?>
+<dgm:colorsDef xmlns:dgm="http://schemas.openxmlformats.org/drawingml/2006/diagram" xmlns:a="http://schemas.openxmlformats.org/drawingml/2006/main" uniqueId="urn:microsoft.com/office/officeart/2005/8/colors/colorful1">
+  <dgm:title val=""/>
+  <dgm:desc val=""/>
+  <dgm:catLst>
+    <dgm:cat type="colorful" pri="10100"/>
+  </dgm:catLst>
+  <dgm:styleLbl name="node0">
+    <dgm:fillClrLst meth="repeat">
+      <a:schemeClr val="accent1"/>
+    </dgm:fillClrLst>
+    <dgm:linClrLst meth="repeat">
+      <a:schemeClr val="lt1"/>
+    </dgm:linClrLst>
+    <dgm:effectClrLst/>
+    <dgm:txLinClrLst/>
+    <dgm:txFillClrLst/>
+    <dgm:txEffectClrLst/>
+  </dgm:styleLbl>
+  <dgm:styleLbl name="node1">
+    <dgm:fillClrLst meth="repeat">
+      <a:schemeClr val="accent2"/>
+      <a:schemeClr val="accent3"/>
+      <a:schemeClr val="accent4"/>
+      <a:schemeClr val="accent5"/>
+      <a:schemeClr val="accent6"/>
+    </dgm:fillClrLst>
+    <dgm:linClrLst meth="repeat">
+      <a:schemeClr val="lt1"/>
+    </dgm:linClrLst>
+    <dgm:effectClrLst/>
+    <dgm:txLinClrLst/>
+    <dgm:txFillClrLst/>
+    <dgm:txEffectClrLst/>
+  </dgm:styleLbl>
+  <dgm:styleLbl name="alignNode1">
+    <dgm:fillClrLst meth="repeat">
+      <a:schemeClr val="accent2"/>
+      <a:schemeClr val="accent3"/>
+      <a:schemeClr val="accent4"/>
+      <a:schemeClr val="accent5"/>
+      <a:schemeClr val="accent6"/>
+    </dgm:fillClrLst>
+    <dgm:linClrLst meth="repeat">
+      <a:schemeClr val="accent2"/>
+      <a:schemeClr val="accent3"/>
+      <a:schemeClr val="accent4"/>
+      <a:schemeClr val="accent5"/>
+      <a:schemeClr val="accent6"/>
+    </dgm:linClrLst>
+    <dgm:effectClrLst/>
+    <dgm:txLinClrLst/>
+    <dgm:txFillClrLst/>
+    <dgm:txEffectClrLst/>
+  </dgm:styleLbl>
+  <dgm:styleLbl name="lnNode1">
+    <dgm:fillClrLst meth="repeat">
+      <a:schemeClr val="accent2"/>
+      <a:schemeClr val="accent3"/>
+      <a:schemeClr val="accent4"/>
+      <a:schemeClr val="accent5"/>
+      <a:schemeClr val="accent6"/>
+    </dgm:fillClrLst>
+    <dgm:linClrLst meth="repeat">
+      <a:schemeClr val="lt1"/>
+    </dgm:linClrLst>
+    <dgm:effectClrLst/>
+    <dgm:txLinClrLst/>
+    <dgm:txFillClrLst/>
+    <dgm:txEffectClrLst/>
+  </dgm:styleLbl>
+  <dgm:styleLbl name="vennNode1">
+    <dgm:fillClrLst meth="repeat">
+      <a:schemeClr val="accent2">
+        <a:alpha val="50000"/>
+      </a:schemeClr>
+      <a:schemeClr val="accent3">
+        <a:alpha val="50000"/>
+      </a:schemeClr>
+      <a:schemeClr val="accent4">
+        <a:alpha val="50000"/>
+      </a:schemeClr>
+      <a:schemeClr val="accent5">
+        <a:alpha val="50000"/>
+      </a:schemeClr>
+      <a:schemeClr val="accent6">
+        <a:alpha val="50000"/>
+      </a:schemeClr>
+    </dgm:fillClrLst>
+    <dgm:linClrLst meth="repeat">
+      <a:schemeClr val="lt1"/>
+    </dgm:linClrLst>
+    <dgm:effectClrLst/>
+    <dgm:txLinClrLst/>
+    <dgm:txFillClrLst/>
+    <dgm:txEffectClrLst/>
+  </dgm:styleLbl>
+  <dgm:styleLbl name="node2">
+    <dgm:fillClrLst>
+      <a:schemeClr val="accent2"/>
+    </dgm:fillClrLst>
+    <dgm:linClrLst meth="repeat">
+      <a:schemeClr val="lt1"/>
+    </dgm:linClrLst>
+    <dgm:effectClrLst/>
+    <dgm:txLinClrLst/>
+    <dgm:txFillClrLst/>
+    <dgm:txEffectClrLst/>
+  </dgm:styleLbl>
+  <dgm:styleLbl name="node3">
+    <dgm:fillClrLst>
+      <a:schemeClr val="accent3"/>
+    </dgm:fillClrLst>
+    <dgm:linClrLst meth="repeat">
+      <a:schemeClr val="lt1"/>
+    </dgm:linClrLst>
+    <dgm:effectClrLst/>
+    <dgm:txLinClrLst/>
+    <dgm:txFillClrLst/>
+    <dgm:txEffectClrLst/>
+  </dgm:styleLbl>
+  <dgm:styleLbl name="node4">
+    <dgm:fillClrLst>
+      <a:schemeClr val="accent4"/>
+    </dgm:fillClrLst>
+    <dgm:linClrLst meth="repeat">
+      <a:schemeClr val="lt1"/>
+    </dgm:linClrLst>
+    <dgm:effectClrLst/>
+    <dgm:txLinClrLst/>
+    <dgm:txFillClrLst/>
+    <dgm:txEffectClrLst/>
+  </dgm:styleLbl>
+  <dgm:styleLbl name="fgImgPlace1">
+    <dgm:fillClrLst meth="repeat">
+      <a:schemeClr val="accent2">
+        <a:tint val="50000"/>
+      </a:schemeClr>
+      <a:schemeClr val="accent3">
+        <a:tint val="50000"/>
+      </a:schemeClr>
+      <a:schemeClr val="accent4">
+        <a:tint val="50000"/>
+      </a:schemeClr>
+      <a:schemeClr val="accent5">
+        <a:tint val="50000"/>
+      </a:schemeClr>
+      <a:schemeClr val="accent6">
+        <a:tint val="50000"/>
+      </a:schemeClr>
+    </dgm:fillClrLst>
+    <dgm:linClrLst meth="repeat">
+      <a:schemeClr val="lt1"/>
+    </dgm:linClrLst>
+    <dgm:effectClrLst/>
+    <dgm:txLinClrLst/>
+    <dgm:txFillClrLst meth="repeat">
+      <a:schemeClr val="lt1"/>
+    </dgm:txFillClrLst>
+    <dgm:txEffectClrLst/>
+  </dgm:styleLbl>
+  <dgm:styleLbl name="alignImgPlace1">
+    <dgm:fillClrLst>
+      <a:schemeClr val="accent1">
+        <a:tint val="50000"/>
+      </a:schemeClr>
+      <a:schemeClr val="accent2">
+        <a:tint val="20000"/>
+      </a:schemeClr>
+    </dgm:fillClrLst>
+    <dgm:linClrLst meth="repeat">
+      <a:schemeClr val="lt1"/>
+    </dgm:linClrLst>
+    <dgm:effectClrLst/>
+    <dgm:txLinClrLst/>
+    <dgm:txFillClrLst meth="repeat">
+      <a:schemeClr val="lt1"/>
+    </dgm:txFillClrLst>
+    <dgm:txEffectClrLst/>
+  </dgm:styleLbl>
+  <dgm:styleLbl name="bgImgPlace1">
+    <dgm:fillClrLst>
+      <a:schemeClr val="accent1">
+        <a:tint val="50000"/>
+      </a:schemeClr>
+      <a:schemeClr val="accent2">
+        <a:tint val="20000"/>
+      </a:schemeClr>
+    </dgm:fillClrLst>
+    <dgm:linClrLst meth="repeat">
+      <a:schemeClr val="lt1"/>
+    </dgm:linClrLst>
+    <dgm:effectClrLst/>
+    <dgm:txLinClrLst/>
+    <dgm:txFillClrLst meth="repeat">
+      <a:schemeClr val="lt1"/>
+    </dgm:txFillClrLst>
+    <dgm:txEffectClrLst/>
+  </dgm:styleLbl>
+  <dgm:styleLbl name="sibTrans2D1">
+    <dgm:fillClrLst meth="repeat">
+      <a:schemeClr val="accent2"/>
+      <a:schemeClr val="accent3"/>
+      <a:schemeClr val="accent4"/>
+      <a:schemeClr val="accent5"/>
+      <a:schemeClr val="accent6"/>
+    </dgm:fillClrLst>
+    <dgm:linClrLst meth="cycle">
+      <a:schemeClr val="lt1"/>
+    </dgm:linClrLst>
+    <dgm:effectClrLst/>
+    <dgm:txLinClrLst/>
+    <dgm:txFillClrLst/>
+    <dgm:txEffectClrLst/>
+  </dgm:styleLbl>
+  <dgm:styleLbl name="fgSibTrans2D1">
+    <dgm:fillClrLst meth="repeat">
+      <a:schemeClr val="accent2"/>
+      <a:schemeClr val="accent3"/>
+      <a:schemeClr val="accent4"/>
+      <a:schemeClr val="accent5"/>
+      <a:schemeClr val="accent6"/>
+    </dgm:fillClrLst>
+    <dgm:linClrLst meth="cycle">
+      <a:schemeClr val="lt1"/>
+    </dgm:linClrLst>
+    <dgm:effectClrLst/>
+    <dgm:txLinClrLst/>
+    <dgm:txFillClrLst meth="repeat">
+      <a:schemeClr val="lt1"/>
+    </dgm:txFillClrLst>
+    <dgm:txEffectClrLst/>
+  </dgm:styleLbl>
+  <dgm:styleLbl name="bgSibTrans2D1">
+    <dgm:fillClrLst meth="repeat">
+      <a:schemeClr val="accent2"/>
+      <a:schemeClr val="accent3"/>
+      <a:schemeClr val="accent4"/>
+      <a:schemeClr val="accent5"/>
+      <a:schemeClr val="accent6"/>
+    </dgm:fillClrLst>
+    <dgm:linClrLst meth="cycle">
+      <a:schemeClr val="lt1"/>
+    </dgm:linClrLst>
+    <dgm:effectClrLst/>
+    <dgm:txLinClrLst/>
+    <dgm:txFillClrLst meth="repeat">
+      <a:schemeClr val="lt1"/>
+    </dgm:txFillClrLst>
+    <dgm:txEffectClrLst/>
+  </dgm:styleLbl>
+  <dgm:styleLbl name="sibTrans1D1">
+    <dgm:fillClrLst meth="repeat">
+      <a:schemeClr val="accent2"/>
+      <a:schemeClr val="accent3"/>
+      <a:schemeClr val="accent4"/>
+      <a:schemeClr val="accent5"/>
+      <a:schemeClr val="accent6"/>
+    </dgm:fillClrLst>
+    <dgm:linClrLst meth="repeat">
+      <a:schemeClr val="accent2"/>
+      <a:schemeClr val="accent3"/>
+      <a:schemeClr val="accent4"/>
+      <a:schemeClr val="accent5"/>
+      <a:schemeClr val="accent6"/>
+    </dgm:linClrLst>
+    <dgm:effectClrLst/>
+    <dgm:txLinClrLst/>
+    <dgm:txFillClrLst meth="repeat">
+      <a:schemeClr val="tx1"/>
+    </dgm:txFillClrLst>
+    <dgm:txEffectClrLst/>
+  </dgm:styleLbl>
+  <dgm:styleLbl name="callout">
+    <dgm:fillClrLst meth="repeat">
+      <a:schemeClr val="accent2"/>
+    </dgm:fillClrLst>
+    <dgm:linClrLst meth="repeat">
+      <a:schemeClr val="accent2">
+        <a:tint val="50000"/>
+      </a:schemeClr>
+    </dgm:linClrLst>
+    <dgm:effectClrLst/>
+    <dgm:txLinClrLst/>
+    <dgm:txFillClrLst meth="repeat">
+      <a:schemeClr val="tx1"/>
+    </dgm:txFillClrLst>
+    <dgm:txEffectClrLst/>
+  </dgm:styleLbl>
+  <dgm:styleLbl name="asst0">
+    <dgm:fillClrLst meth="repeat">
+      <a:schemeClr val="accent1"/>
+    </dgm:fillClrLst>
+    <dgm:linClrLst meth="repeat">
+      <a:schemeClr val="lt1"/>
+    </dgm:linClrLst>
+    <dgm:effectClrLst/>
+    <dgm:txLinClrLst/>
+    <dgm:txFillClrLst/>
+    <dgm:txEffectClrLst/>
+  </dgm:styleLbl>
+  <dgm:styleLbl name="asst1">
+    <dgm:fillClrLst meth="repeat">
+      <a:schemeClr val="accent2"/>
+    </dgm:fillClrLst>
+    <dgm:linClrLst meth="repeat">
+      <a:schemeClr val="lt1"/>
+    </dgm:linClrLst>
+    <dgm:effectClrLst/>
+    <dgm:txLinClrLst/>
+    <dgm:txFillClrLst/>
+    <dgm:txEffectClrLst/>
+  </dgm:styleLbl>
+  <dgm:styleLbl name="asst2">
+    <dgm:fillClrLst>
+      <a:schemeClr val="accent3"/>
+    </dgm:fillClrLst>
+    <dgm:linClrLst meth="repeat">
+      <a:schemeClr val="lt1"/>
+    </dgm:linClrLst>
+    <dgm:effectClrLst/>
+    <dgm:txLinClrLst/>
+    <dgm:txFillClrLst/>
+    <dgm:txEffectClrLst/>
+  </dgm:styleLbl>
+  <dgm:styleLbl name="asst3">
+    <dgm:fillClrLst>
+      <a:schemeClr val="accent4"/>
+    </dgm:fillClrLst>
+    <dgm:linClrLst meth="repeat">
+      <a:schemeClr val="lt1"/>
+    </dgm:linClrLst>
+    <dgm:effectClrLst/>
+    <dgm:txLinClrLst/>
+    <dgm:txFillClrLst/>
+    <dgm:txEffectClrLst/>
+  </dgm:styleLbl>
+  <dgm:styleLbl name="asst4">
+    <dgm:fillClrLst>
+      <a:schemeClr val="accent5"/>
+    </dgm:fillClrLst>
+    <dgm:linClrLst meth="repeat">
+      <a:schemeClr val="lt1"/>
+    </dgm:linClrLst>
+    <dgm:effectClrLst/>
+    <dgm:txLinClrLst/>
+    <dgm:txFillClrLst/>
+    <dgm:txEffectClrLst/>
+  </dgm:styleLbl>
+  <dgm:styleLbl name="parChTrans2D1">
+    <dgm:fillClrLst meth="repeat">
+      <a:schemeClr val="accent2"/>
+    </dgm:fillClrLst>
+    <dgm:linClrLst meth="repeat">
+      <a:schemeClr val="lt1"/>
+    </dgm:linClrLst>
+    <dgm:effectClrLst/>
+    <dgm:txLinClrLst/>
+    <dgm:txFillClrLst meth="repeat">
+      <a:schemeClr val="lt1"/>
+    </dgm:txFillClrLst>
+    <dgm:txEffectClrLst/>
+  </dgm:styleLbl>
+  <dgm:styleLbl name="parChTrans2D2">
+    <dgm:fillClrLst meth="repeat">
+      <a:schemeClr val="accent3"/>
+    </dgm:fillClrLst>
+    <dgm:linClrLst meth="repeat">
+      <a:schemeClr val="lt1"/>
+    </dgm:linClrLst>
+    <dgm:effectClrLst/>
+    <dgm:txLinClrLst/>
+    <dgm:txFillClrLst/>
+    <dgm:txEffectClrLst/>
+  </dgm:styleLbl>
+  <dgm:styleLbl name="parChTrans2D3">
+    <dgm:fillClrLst meth="repeat">
+      <a:schemeClr val="accent4"/>
+    </dgm:fillClrLst>
+    <dgm:linClrLst meth="repeat">
+      <a:schemeClr val="lt1"/>
+    </dgm:linClrLst>
+    <dgm:effectClrLst/>
+    <dgm:txLinClrLst/>
+    <dgm:txFillClrLst/>
+    <dgm:txEffectClrLst/>
+  </dgm:styleLbl>
+  <dgm:styleLbl name="parChTrans2D4">
+    <dgm:fillClrLst meth="repeat">
+      <a:schemeClr val="accent5"/>
+    </dgm:fillClrLst>
+    <dgm:linClrLst meth="repeat">
+      <a:schemeClr val="lt1"/>
+    </dgm:linClrLst>
+    <dgm:effectClrLst/>
+    <dgm:txLinClrLst/>
+    <dgm:txFillClrLst meth="repeat">
+      <a:schemeClr val="lt1"/>
+    </dgm:txFillClrLst>
+    <dgm:txEffectClrLst/>
+  </dgm:styleLbl>
+  <dgm:styleLbl name="parChTrans1D1">
+    <dgm:fillClrLst meth="repeat">
+      <a:schemeClr val="accent2"/>
+    </dgm:fillClrLst>
+    <dgm:linClrLst meth="repeat">
+      <a:schemeClr val="accent1"/>
+    </dgm:linClrLst>
+    <dgm:effectClrLst/>
+    <dgm:txLinClrLst/>
+    <dgm:txFillClrLst meth="repeat">
+      <a:schemeClr val="tx1"/>
+    </dgm:txFillClrLst>
+    <dgm:txEffectClrLst/>
+  </dgm:styleLbl>
+  <dgm:styleLbl name="parChTrans1D2">
+    <dgm:fillClrLst meth="repeat">
+      <a:schemeClr val="accent3">
+        <a:tint val="90000"/>
+      </a:schemeClr>
+    </dgm:fillClrLst>
+    <dgm:linClrLst meth="repeat">
+      <a:schemeClr val="accent2"/>
+    </dgm:linClrLst>
+    <dgm:effectClrLst/>
+    <dgm:txLinClrLst/>
+    <dgm:txFillClrLst meth="repeat">
+      <a:schemeClr val="tx1"/>
+    </dgm:txFillClrLst>
+    <dgm:txEffectClrLst/>
+  </dgm:styleLbl>
+  <dgm:styleLbl name="parChTrans1D3">
+    <dgm:fillClrLst meth="repeat">
+      <a:schemeClr val="accent4">
+        <a:tint val="70000"/>
+      </a:schemeClr>
+    </dgm:fillClrLst>
+    <dgm:linClrLst meth="repeat">
+      <a:schemeClr val="accent3"/>
+    </dgm:linClrLst>
+    <dgm:effectClrLst/>
+    <dgm:txLinClrLst/>
+    <dgm:txFillClrLst meth="repeat">
+      <a:schemeClr val="tx1"/>
+    </dgm:txFillClrLst>
+    <dgm:txEffectClrLst/>
+  </dgm:styleLbl>
+  <dgm:styleLbl name="parChTrans1D4">
+    <dgm:fillClrLst meth="repeat">
+      <a:schemeClr val="accent5">
+        <a:tint val="50000"/>
+      </a:schemeClr>
+    </dgm:fillClrLst>
+    <dgm:linClrLst meth="repeat">
+      <a:schemeClr val="accent4"/>
+    </dgm:linClrLst>
+    <dgm:effectClrLst/>
+    <dgm:txLinClrLst/>
+    <dgm:txFillClrLst meth="repeat">
+      <a:schemeClr val="tx1"/>
+    </dgm:txFillClrLst>
+    <dgm:txEffectClrLst/>
+  </dgm:styleLbl>
+  <dgm:styleLbl name="fgAcc1">
+    <dgm:fillClrLst meth="repeat">
+      <a:schemeClr val="lt1">
+        <a:alpha val="90000"/>
+      </a:schemeClr>
+    </dgm:fillClrLst>
+    <dgm:linClrLst meth="repeat">
+      <a:schemeClr val="accent2"/>
+      <a:schemeClr val="accent3"/>
+      <a:schemeClr val="accent4"/>
+      <a:schemeClr val="accent5"/>
+      <a:schemeClr val="accent6"/>
+    </dgm:linClrLst>
+    <dgm:effectClrLst/>
+    <dgm:txLinClrLst/>
+    <dgm:txFillClrLst meth="repeat">
+      <a:schemeClr val="dk1"/>
+    </dgm:txFillClrLst>
+    <dgm:txEffectClrLst/>
+  </dgm:styleLbl>
+  <dgm:styleLbl name="conFgAcc1">
+    <dgm:fillClrLst meth="repeat">
+      <a:schemeClr val="lt1">
+        <a:alpha val="90000"/>
+      </a:schemeClr>
+    </dgm:fillClrLst>
+    <dgm:linClrLst meth="repeat">
+      <a:schemeClr val="accent2"/>
+      <a:schemeClr val="accent3"/>
+      <a:schemeClr val="accent4"/>
+      <a:schemeClr val="accent5"/>
+      <a:schemeClr val="accent6"/>
+    </dgm:linClrLst>
+    <dgm:effectClrLst/>
+    <dgm:txLinClrLst/>
+    <dgm:txFillClrLst meth="repeat">
+      <a:schemeClr val="dk1"/>
+    </dgm:txFillClrLst>
+    <dgm:txEffectClrLst/>
+  </dgm:styleLbl>
+  <dgm:styleLbl name="alignAcc1">
+    <dgm:fillClrLst meth="repeat">
+      <a:schemeClr val="lt1">
+        <a:alpha val="90000"/>
+      </a:schemeClr>
+    </dgm:fillClrLst>
+    <dgm:linClrLst meth="repeat">
+      <a:schemeClr val="accent2"/>
+      <a:schemeClr val="accent3"/>
+      <a:schemeClr val="accent4"/>
+      <a:schemeClr val="accent5"/>
+      <a:schemeClr val="accent6"/>
+    </dgm:linClrLst>
+    <dgm:effectClrLst/>
+    <dgm:txLinClrLst/>
+    <dgm:txFillClrLst meth="repeat">
+      <a:schemeClr val="dk1"/>
+    </dgm:txFillClrLst>
+    <dgm:txEffectClrLst/>
+  </dgm:styleLbl>
+  <dgm:styleLbl name="trAlignAcc1">
+    <dgm:fillClrLst meth="repeat">
+      <a:schemeClr val="lt1">
+        <a:alpha val="40000"/>
+      </a:schemeClr>
+    </dgm:fillClrLst>
+    <dgm:linClrLst meth="repeat">
+      <a:schemeClr val="accent1"/>
+    </dgm:linClrLst>
+    <dgm:effectClrLst/>
+    <dgm:txLinClrLst/>
+    <dgm:txFillClrLst meth="repeat">
+      <a:schemeClr val="dk1"/>
+    </dgm:txFillClrLst>
+    <dgm:txEffectClrLst/>
+  </dgm:styleLbl>
+  <dgm:styleLbl name="bgAcc1">
+    <dgm:fillClrLst meth="repeat">
+      <a:schemeClr val="lt1">
+        <a:alpha val="90000"/>
+      </a:schemeClr>
+    </dgm:fillClrLst>
+    <dgm:linClrLst meth="repeat">
+      <a:schemeClr val="accent2"/>
+      <a:schemeClr val="accent3"/>
+      <a:schemeClr val="accent4"/>
+      <a:schemeClr val="accent5"/>
+      <a:schemeClr val="accent6"/>
+    </dgm:linClrLst>
+    <dgm:effectClrLst/>
+    <dgm:txLinClrLst/>
+    <dgm:txFillClrLst meth="repeat">
+      <a:schemeClr val="dk1"/>
+    </dgm:txFillClrLst>
+    <dgm:txEffectClrLst/>
+  </dgm:styleLbl>
+  <dgm:styleLbl name="solidFgAcc1">
+    <dgm:fillClrLst meth="repeat">
+      <a:schemeClr val="lt1"/>
+    </dgm:fillClrLst>
+    <dgm:linClrLst meth="repeat">
+      <a:schemeClr val="accent2"/>
+      <a:schemeClr val="accent3"/>
+      <a:schemeClr val="accent4"/>
+      <a:schemeClr val="accent5"/>
+      <a:schemeClr val="accent6"/>
+    </dgm:linClrLst>
+    <dgm:effectClrLst/>
+    <dgm:txLinClrLst/>
+    <dgm:txFillClrLst meth="repeat">
+      <a:schemeClr val="dk1"/>
+    </dgm:txFillClrLst>
+    <dgm:txEffectClrLst/>
+  </dgm:styleLbl>
+  <dgm:styleLbl name="solidAlignAcc1">
+    <dgm:fillClrLst meth="repeat">
+      <a:schemeClr val="lt1"/>
+    </dgm:fillClrLst>
+    <dgm:linClrLst meth="repeat">
+      <a:schemeClr val="accent2"/>
+      <a:schemeClr val="accent3"/>
+      <a:schemeClr val="accent4"/>
+      <a:schemeClr val="accent5"/>
+      <a:schemeClr val="accent6"/>
+    </dgm:linClrLst>
+    <dgm:effectClrLst/>
+    <dgm:txLinClrLst/>
+    <dgm:txFillClrLst meth="repeat">
+      <a:schemeClr val="dk1"/>
+    </dgm:txFillClrLst>
+    <dgm:txEffectClrLst/>
+  </dgm:styleLbl>
+  <dgm:styleLbl name="solidBgAcc1">
+    <dgm:fillClrLst meth="repeat">
+      <a:schemeClr val="lt1"/>
+    </dgm:fillClrLst>
+    <dgm:linClrLst meth="repeat">
+      <a:schemeClr val="accent2"/>
+      <a:schemeClr val="accent3"/>
+      <a:schemeClr val="accent4"/>
+      <a:schemeClr val="accent5"/>
+      <a:schemeClr val="accent6"/>
+    </dgm:linClrLst>
+    <dgm:effectClrLst/>
+    <dgm:txLinClrLst/>
+    <dgm:txFillClrLst meth="repeat">
+      <a:schemeClr val="dk1"/>
+    </dgm:txFillClrLst>
+    <dgm:txEffectClrLst/>
+  </dgm:styleLbl>
+  <dgm:styleLbl name="fgAccFollowNode1">
+    <dgm:fillClrLst meth="repeat">
+      <a:schemeClr val="accent2">
+        <a:tint val="40000"/>
+        <a:alpha val="90000"/>
+      </a:schemeClr>
+      <a:schemeClr val="accent3">
+        <a:tint val="40000"/>
+        <a:alpha val="90000"/>
+      </a:schemeClr>
+      <a:schemeClr val="accent4">
+        <a:tint val="40000"/>
+        <a:alpha val="90000"/>
+      </a:schemeClr>
+      <a:schemeClr val="accent5">
+        <a:tint val="40000"/>
+        <a:alpha val="90000"/>
+      </a:schemeClr>
+      <a:schemeClr val="accent6">
+        <a:tint val="40000"/>
+        <a:alpha val="90000"/>
+      </a:schemeClr>
+    </dgm:fillClrLst>
+    <dgm:linClrLst meth="repeat">
+      <a:schemeClr val="accent2">
+        <a:tint val="40000"/>
+        <a:alpha val="90000"/>
+      </a:schemeClr>
+      <a:schemeClr val="accent3">
+        <a:tint val="40000"/>
+        <a:alpha val="90000"/>
+      </a:schemeClr>
+      <a:schemeClr val="accent4">
+        <a:tint val="40000"/>
+        <a:alpha val="90000"/>
+      </a:schemeClr>
+      <a:schemeClr val="accent5">
+        <a:tint val="40000"/>
+        <a:alpha val="90000"/>
+      </a:schemeClr>
+      <a:schemeClr val="accent6">
+        <a:tint val="40000"/>
+        <a:alpha val="90000"/>
+      </a:schemeClr>
+    </dgm:linClrLst>
+    <dgm:effectClrLst/>
+    <dgm:txLinClrLst/>
+    <dgm:txFillClrLst meth="repeat">
+      <a:schemeClr val="dk1"/>
+    </dgm:txFillClrLst>
+    <dgm:txEffectClrLst/>
+  </dgm:styleLbl>
+  <dgm:styleLbl name="alignAccFollowNode1">
+    <dgm:fillClrLst meth="repeat">
+      <a:schemeClr val="accent2">
+        <a:tint val="40000"/>
+        <a:alpha val="90000"/>
+      </a:schemeClr>
+      <a:schemeClr val="accent3">
+        <a:tint val="40000"/>
+        <a:alpha val="90000"/>
+      </a:schemeClr>
+      <a:schemeClr val="accent4">
+        <a:tint val="40000"/>
+        <a:alpha val="90000"/>
+      </a:schemeClr>
+      <a:schemeClr val="accent5">
+        <a:tint val="40000"/>
+        <a:alpha val="90000"/>
+      </a:schemeClr>
+      <a:schemeClr val="accent6">
+        <a:tint val="40000"/>
+        <a:alpha val="90000"/>
+      </a:schemeClr>
+    </dgm:fillClrLst>
+    <dgm:linClrLst meth="repeat">
+      <a:schemeClr val="accent2">
+        <a:tint val="40000"/>
+        <a:alpha val="90000"/>
+      </a:schemeClr>
+      <a:schemeClr val="accent3">
+        <a:tint val="40000"/>
+        <a:alpha val="90000"/>
+      </a:schemeClr>
+      <a:schemeClr val="accent4">
+        <a:tint val="40000"/>
+        <a:alpha val="90000"/>
+      </a:schemeClr>
+      <a:schemeClr val="accent5">
+        <a:tint val="40000"/>
+        <a:alpha val="90000"/>
+      </a:schemeClr>
+      <a:schemeClr val="accent6">
+        <a:tint val="40000"/>
+        <a:alpha val="90000"/>
+      </a:schemeClr>
+    </dgm:linClrLst>
+    <dgm:effectClrLst/>
+    <dgm:txLinClrLst/>
+    <dgm:txFillClrLst meth="repeat">
+      <a:schemeClr val="dk1"/>
+    </dgm:txFillClrLst>
+    <dgm:txEffectClrLst/>
+  </dgm:styleLbl>
+  <dgm:styleLbl name="bgAccFollowNode1">
+    <dgm:fillClrLst meth="repeat">
+      <a:schemeClr val="accent2">
+        <a:tint val="40000"/>
+        <a:alpha val="90000"/>
+      </a:schemeClr>
+      <a:schemeClr val="accent3">
+        <a:tint val="40000"/>
+        <a:alpha val="90000"/>
+      </a:schemeClr>
+      <a:schemeClr val="accent4">
+        <a:tint val="40000"/>
+        <a:alpha val="90000"/>
+      </a:schemeClr>
+      <a:schemeClr val="accent5">
+        <a:tint val="40000"/>
+        <a:alpha val="90000"/>
+      </a:schemeClr>
+      <a:schemeClr val="accent6">
+        <a:tint val="40000"/>
+        <a:alpha val="90000"/>
+      </a:schemeClr>
+    </dgm:fillClrLst>
+    <dgm:linClrLst meth="repeat">
+      <a:schemeClr val="accent2">
+        <a:tint val="40000"/>
+        <a:alpha val="90000"/>
+      </a:schemeClr>
+      <a:schemeClr val="accent3">
+        <a:tint val="40000"/>
+        <a:alpha val="90000"/>
+      </a:schemeClr>
+      <a:schemeClr val="accent4">
+        <a:tint val="40000"/>
+        <a:alpha val="90000"/>
+      </a:schemeClr>
+      <a:schemeClr val="accent5">
+        <a:tint val="40000"/>
+        <a:alpha val="90000"/>
+      </a:schemeClr>
+      <a:schemeClr val="accent6">
+        <a:tint val="40000"/>
+        <a:alpha val="90000"/>
+      </a:schemeClr>
+    </dgm:linClrLst>
+    <dgm:effectClrLst/>
+    <dgm:txLinClrLst/>
+    <dgm:txFillClrLst meth="repeat">
+      <a:schemeClr val="dk1"/>
+    </dgm:txFillClrLst>
+    <dgm:txEffectClrLst/>
+  </dgm:styleLbl>
+  <dgm:styleLbl name="fgAcc0">
+    <dgm:fillClrLst meth="repeat">
+      <a:schemeClr val="lt1">
+        <a:alpha val="90000"/>
+      </a:schemeClr>
+    </dgm:fillClrLst>
+    <dgm:linClrLst>
+      <a:schemeClr val="accent1"/>
+    </dgm:linClrLst>
+    <dgm:effectClrLst/>
+    <dgm:txLinClrLst/>
+    <dgm:txFillClrLst meth="repeat">
+      <a:schemeClr val="dk1"/>
+    </dgm:txFillClrLst>
+    <dgm:txEffectClrLst/>
+  </dgm:styleLbl>
+  <dgm:styleLbl name="fgAcc2">
+    <dgm:fillClrLst meth="repeat">
+      <a:schemeClr val="lt1">
+        <a:alpha val="90000"/>
+      </a:schemeClr>
+    </dgm:fillClrLst>
+    <dgm:linClrLst>
+      <a:schemeClr val="accent2"/>
+    </dgm:linClrLst>
+    <dgm:effectClrLst/>
+    <dgm:txLinClrLst/>
+    <dgm:txFillClrLst meth="repeat">
+      <a:schemeClr val="dk1"/>
+    </dgm:txFillClrLst>
+    <dgm:txEffectClrLst/>
+  </dgm:styleLbl>
+  <dgm:styleLbl name="fgAcc3">
+    <dgm:fillClrLst meth="repeat">
+      <a:schemeClr val="lt1">
+        <a:alpha val="90000"/>
+      </a:schemeClr>
+    </dgm:fillClrLst>
+    <dgm:linClrLst>
+      <a:schemeClr val="accent3"/>
+    </dgm:linClrLst>
+    <dgm:effectClrLst/>
+    <dgm:txLinClrLst/>
+    <dgm:txFillClrLst meth="repeat">
+      <a:schemeClr val="dk1"/>
+    </dgm:txFillClrLst>
+    <dgm:txEffectClrLst/>
+  </dgm:styleLbl>
+  <dgm:styleLbl name="fgAcc4">
+    <dgm:fillClrLst meth="repeat">
+      <a:schemeClr val="lt1">
+        <a:alpha val="90000"/>
+      </a:schemeClr>
+    </dgm:fillClrLst>
+    <dgm:linClrLst>
+      <a:schemeClr val="accent4"/>
+    </dgm:linClrLst>
+    <dgm:effectClrLst/>
+    <dgm:txLinClrLst/>
+    <dgm:txFillClrLst meth="repeat">
+      <a:schemeClr val="dk1"/>
+    </dgm:txFillClrLst>
+    <dgm:txEffectClrLst/>
+  </dgm:styleLbl>
+  <dgm:styleLbl name="bgShp">
+    <dgm:fillClrLst meth="repeat">
+      <a:schemeClr val="accent2">
+        <a:tint val="40000"/>
+      </a:schemeClr>
+    </dgm:fillClrLst>
+    <dgm:linClrLst meth="repeat">
+      <a:schemeClr val="dk1"/>
+    </dgm:linClrLst>
+    <dgm:effectClrLst/>
+    <dgm:txLinClrLst/>
+    <dgm:txFillClrLst meth="repeat">
+      <a:schemeClr val="dk1"/>
+    </dgm:txFillClrLst>
+    <dgm:txEffectClrLst/>
+  </dgm:styleLbl>
+  <dgm:styleLbl name="dkBgShp">
+    <dgm:fillClrLst meth="repeat">
+      <a:schemeClr val="accent2">
+        <a:shade val="90000"/>
+      </a:schemeClr>
+    </dgm:fillClrLst>
+    <dgm:linClrLst meth="repeat">
+      <a:schemeClr val="dk1"/>
+    </dgm:linClrLst>
+    <dgm:effectClrLst/>
+    <dgm:txLinClrLst/>
+    <dgm:txFillClrLst meth="repeat">
+      <a:schemeClr val="lt1"/>
+    </dgm:txFillClrLst>
+    <dgm:txEffectClrLst/>
+  </dgm:styleLbl>
+  <dgm:styleLbl name="trBgShp">
+    <dgm:fillClrLst meth="repeat">
+      <a:schemeClr val="accent1">
+        <a:tint val="50000"/>
+        <a:alpha val="40000"/>
+      </a:schemeClr>
+    </dgm:fillClrLst>
+    <dgm:linClrLst meth="repeat">
+      <a:schemeClr val="accent2"/>
+    </dgm:linClrLst>
+    <dgm:effectClrLst/>
+    <dgm:txLinClrLst/>
+    <dgm:txFillClrLst meth="repeat">
+      <a:schemeClr val="lt1"/>
+    </dgm:txFillClrLst>
+    <dgm:txEffectClrLst/>
+  </dgm:styleLbl>
+  <dgm:styleLbl name="fgShp">
+    <dgm:fillClrLst meth="repeat">
+      <a:schemeClr val="accent2">
+        <a:tint val="40000"/>
+      </a:schemeClr>
+    </dgm:fillClrLst>
+    <dgm:linClrLst meth="repeat">
+      <a:schemeClr val="lt1"/>
+    </dgm:linClrLst>
+    <dgm:effectClrLst/>
+    <dgm:txLinClrLst/>
+    <dgm:txFillClrLst meth="repeat">
+      <a:schemeClr val="dk1"/>
+    </dgm:txFillClrLst>
+    <dgm:txEffectClrLst/>
+  </dgm:styleLbl>
+  <dgm:styleLbl name="revTx">
+    <dgm:fillClrLst meth="repeat">
+      <a:schemeClr val="lt1">
+        <a:alpha val="0"/>
+      </a:schemeClr>
+    </dgm:fillClrLst>
+    <dgm:linClrLst meth="repeat">
+      <a:schemeClr val="dk1">
+        <a:alpha val="0"/>
+      </a:schemeClr>
+    </dgm:linClrLst>
+    <dgm:effectClrLst/>
+    <dgm:txLinClrLst/>
+    <dgm:txFillClrLst meth="repeat">
+      <a:schemeClr val="tx1"/>
+    </dgm:txFillClrLst>
+    <dgm:txEffectClrLst/>
+  </dgm:styleLbl>
+</dgm:colorsDef>
+</file>
+
+<file path=ppt/diagrams/colors7.xml><?xml version="1.0" encoding="utf-8"?>
 <dgm:colorsDef xmlns:dgm="http://schemas.openxmlformats.org/drawingml/2006/diagram" xmlns:a="http://schemas.openxmlformats.org/drawingml/2006/main" uniqueId="urn:microsoft.com/office/officeart/2018/5/colors/Iconchunking_neutralbg_colorful1">
   <dgm:title val=""/>
   <dgm:desc val=""/>
@@ -5646,7 +6567,7 @@
 </dgm:colorsDef>
 </file>
 
-<file path=ppt/diagrams/colors7.xml><?xml version="1.0" encoding="utf-8"?>
+<file path=ppt/diagrams/colors8.xml><?xml version="1.0" encoding="utf-8"?>
 <dgm:colorsDef xmlns:dgm="http://schemas.openxmlformats.org/drawingml/2006/diagram" xmlns:a="http://schemas.openxmlformats.org/drawingml/2006/main" uniqueId="urn:microsoft.com/office/officeart/2005/8/colors/colorful2">
   <dgm:title val=""/>
   <dgm:desc val=""/>
@@ -7474,8 +8395,8 @@
     <dgm:cxn modelId="{5849D50A-6C4D-4C98-9053-544EE0588558}" type="presOf" srcId="{7F750084-42EA-4577-B90F-847025EB7593}" destId="{BB209859-DC38-40F3-AD2A-AAA91738C07B}" srcOrd="0" destOrd="0" presId="urn:microsoft.com/office/officeart/2018/2/layout/IconVerticalSolidList"/>
     <dgm:cxn modelId="{8740BD46-BBFF-43FE-A6F6-74AC50EB719D}" type="presOf" srcId="{8CF1C6C5-6CD4-4470-B606-AD98465F0A6E}" destId="{10A93BDF-D7A8-4D29-B99D-7CF2EA3DECFF}" srcOrd="0" destOrd="0" presId="urn:microsoft.com/office/officeart/2018/2/layout/IconVerticalSolidList"/>
     <dgm:cxn modelId="{1920BB50-797F-485E-A4AA-6E60095C9D3A}" srcId="{3C5310A5-5DA2-498B-AF63-C559744A8050}" destId="{8CF1C6C5-6CD4-4470-B606-AD98465F0A6E}" srcOrd="2" destOrd="0" parTransId="{FDA866DE-B0D5-4D71-BB51-65CB6E5534DF}" sibTransId="{49A74DEB-30D5-42ED-9CC5-30DC4DAACD92}"/>
+    <dgm:cxn modelId="{F0C03E52-194B-4C0F-9ED5-0752755D91DA}" srcId="{3C5310A5-5DA2-498B-AF63-C559744A8050}" destId="{C53810AD-0D2C-476E-9238-9937B1EFF56B}" srcOrd="3" destOrd="0" parTransId="{B638028B-849B-4A6F-8045-524A342CF68A}" sibTransId="{E90E5BF5-D3E8-40B0-9FAA-680351DEA38E}"/>
     <dgm:cxn modelId="{8F406171-1139-441B-A832-E6AF7C9BCC00}" srcId="{3C5310A5-5DA2-498B-AF63-C559744A8050}" destId="{EFC0DBE2-E4FD-44DE-9CD1-7B43B31AF21F}" srcOrd="0" destOrd="0" parTransId="{841D2595-98F1-4DED-9CF5-EB161BF04FCC}" sibTransId="{9979F5D4-E5E3-4FB9-B1CD-1DC94AD6EB1B}"/>
-    <dgm:cxn modelId="{F0C03E52-194B-4C0F-9ED5-0752755D91DA}" srcId="{3C5310A5-5DA2-498B-AF63-C559744A8050}" destId="{C53810AD-0D2C-476E-9238-9937B1EFF56B}" srcOrd="3" destOrd="0" parTransId="{B638028B-849B-4A6F-8045-524A342CF68A}" sibTransId="{E90E5BF5-D3E8-40B0-9FAA-680351DEA38E}"/>
     <dgm:cxn modelId="{BA53717A-79AC-4647-AD35-D233A94A73B4}" type="presOf" srcId="{C53810AD-0D2C-476E-9238-9937B1EFF56B}" destId="{96CC9E2E-472E-4EF8-A2A8-33EB8E70B8C7}" srcOrd="0" destOrd="0" presId="urn:microsoft.com/office/officeart/2018/2/layout/IconVerticalSolidList"/>
     <dgm:cxn modelId="{FA76CD8B-1D5D-40A4-89EA-2B5581032D5D}" srcId="{3C5310A5-5DA2-498B-AF63-C559744A8050}" destId="{7F750084-42EA-4577-B90F-847025EB7593}" srcOrd="1" destOrd="0" parTransId="{218ECC3E-D3F5-4491-A391-48677F6DA9D4}" sibTransId="{10055B17-ED2E-4C68-956F-00FEDAA89AAA}"/>
     <dgm:cxn modelId="{3FDCADAB-B5E1-4267-8DC4-AA50C4D2435A}" type="presOf" srcId="{3C5310A5-5DA2-498B-AF63-C559744A8050}" destId="{551A8D04-7312-4B5F-8B76-1A94826DAD68}" srcOrd="0" destOrd="0" presId="urn:microsoft.com/office/officeart/2018/2/layout/IconVerticalSolidList"/>
@@ -7515,6 +8436,334 @@
 </file>
 
 <file path=ppt/diagrams/data4.xml><?xml version="1.0" encoding="utf-8"?>
+<dgm:dataModel xmlns:dgm="http://schemas.openxmlformats.org/drawingml/2006/diagram" xmlns:a="http://schemas.openxmlformats.org/drawingml/2006/main">
+  <dgm:ptLst>
+    <dgm:pt modelId="{25F9534D-8AB0-45EB-96CB-50FA3545E7B0}" type="doc">
+      <dgm:prSet loTypeId="urn:microsoft.com/office/officeart/2018/2/layout/IconVerticalSolidList" loCatId="icon" qsTypeId="urn:microsoft.com/office/officeart/2005/8/quickstyle/simple1" qsCatId="simple" csTypeId="urn:microsoft.com/office/officeart/2018/5/colors/Iconchunking_neutralicontext_colorful1" csCatId="colorful" phldr="1"/>
+      <dgm:spPr/>
+      <dgm:t>
+        <a:bodyPr/>
+        <a:lstStyle/>
+        <a:p>
+          <a:endParaRPr lang="en-US"/>
+        </a:p>
+      </dgm:t>
+    </dgm:pt>
+    <dgm:pt modelId="{3AC360A8-F619-473C-A6B0-3D6D37593925}">
+      <dgm:prSet/>
+      <dgm:spPr/>
+      <dgm:t>
+        <a:bodyPr/>
+        <a:lstStyle/>
+        <a:p>
+          <a:r>
+            <a:rPr lang="en-GB"/>
+            <a:t>Group flows by origin MSOA and turn into percentages</a:t>
+          </a:r>
+          <a:endParaRPr lang="en-US"/>
+        </a:p>
+      </dgm:t>
+    </dgm:pt>
+    <dgm:pt modelId="{D4676DDD-A42E-47EE-A5CE-409654A537CF}" type="parTrans" cxnId="{35AB57FB-E907-4393-BF37-005BB2A298BC}">
+      <dgm:prSet/>
+      <dgm:spPr/>
+      <dgm:t>
+        <a:bodyPr/>
+        <a:lstStyle/>
+        <a:p>
+          <a:endParaRPr lang="en-US"/>
+        </a:p>
+      </dgm:t>
+    </dgm:pt>
+    <dgm:pt modelId="{52B38A38-B57E-4EDA-8050-6D713CF9CE1D}" type="sibTrans" cxnId="{35AB57FB-E907-4393-BF37-005BB2A298BC}">
+      <dgm:prSet/>
+      <dgm:spPr/>
+      <dgm:t>
+        <a:bodyPr/>
+        <a:lstStyle/>
+        <a:p>
+          <a:endParaRPr lang="en-US"/>
+        </a:p>
+      </dgm:t>
+    </dgm:pt>
+    <dgm:pt modelId="{0CF502EB-C4C1-4C5C-B894-2597D9E31C76}">
+      <dgm:prSet/>
+      <dgm:spPr/>
+      <dgm:t>
+        <a:bodyPr/>
+        <a:lstStyle/>
+        <a:p>
+          <a:r>
+            <a:rPr lang="en-GB"/>
+            <a:t>Perform a point in polygon analysis for transportation access nodes</a:t>
+          </a:r>
+          <a:endParaRPr lang="en-US"/>
+        </a:p>
+      </dgm:t>
+    </dgm:pt>
+    <dgm:pt modelId="{1100DAEF-6F74-4D88-AA38-8C042FADA83A}" type="parTrans" cxnId="{70FDD473-A81D-4EDB-A25B-ACC78C89A9B2}">
+      <dgm:prSet/>
+      <dgm:spPr/>
+      <dgm:t>
+        <a:bodyPr/>
+        <a:lstStyle/>
+        <a:p>
+          <a:endParaRPr lang="en-US"/>
+        </a:p>
+      </dgm:t>
+    </dgm:pt>
+    <dgm:pt modelId="{31548FE4-BF5D-43EB-B5C5-EBCB297EED4E}" type="sibTrans" cxnId="{70FDD473-A81D-4EDB-A25B-ACC78C89A9B2}">
+      <dgm:prSet/>
+      <dgm:spPr/>
+      <dgm:t>
+        <a:bodyPr/>
+        <a:lstStyle/>
+        <a:p>
+          <a:endParaRPr lang="en-US"/>
+        </a:p>
+      </dgm:t>
+    </dgm:pt>
+    <dgm:pt modelId="{F9CF02CB-6BED-4887-AEF1-AFC08B21CD65}">
+      <dgm:prSet/>
+      <dgm:spPr/>
+      <dgm:t>
+        <a:bodyPr/>
+        <a:lstStyle/>
+        <a:p>
+          <a:r>
+            <a:rPr lang="en-GB"/>
+            <a:t>Turn commuting flows into average travel time data and accessibility measures</a:t>
+          </a:r>
+          <a:endParaRPr lang="en-US"/>
+        </a:p>
+      </dgm:t>
+    </dgm:pt>
+    <dgm:pt modelId="{8A6A3164-C0F5-4AF8-AB45-2399A948F282}" type="parTrans" cxnId="{91E11DD4-981B-4A58-BF4C-4DD80FD357BF}">
+      <dgm:prSet/>
+      <dgm:spPr/>
+      <dgm:t>
+        <a:bodyPr/>
+        <a:lstStyle/>
+        <a:p>
+          <a:endParaRPr lang="en-US"/>
+        </a:p>
+      </dgm:t>
+    </dgm:pt>
+    <dgm:pt modelId="{6A2C9487-D5DF-44DB-84B1-448C212137BE}" type="sibTrans" cxnId="{91E11DD4-981B-4A58-BF4C-4DD80FD357BF}">
+      <dgm:prSet/>
+      <dgm:spPr/>
+      <dgm:t>
+        <a:bodyPr/>
+        <a:lstStyle/>
+        <a:p>
+          <a:endParaRPr lang="en-US"/>
+        </a:p>
+      </dgm:t>
+    </dgm:pt>
+    <dgm:pt modelId="{DF15A6DE-B07E-4B65-A48D-88EAAF505AC5}" type="pres">
+      <dgm:prSet presAssocID="{25F9534D-8AB0-45EB-96CB-50FA3545E7B0}" presName="root" presStyleCnt="0">
+        <dgm:presLayoutVars>
+          <dgm:dir/>
+          <dgm:resizeHandles val="exact"/>
+        </dgm:presLayoutVars>
+      </dgm:prSet>
+      <dgm:spPr/>
+    </dgm:pt>
+    <dgm:pt modelId="{5128763A-1ECC-4139-B725-762AA9DA6DCA}" type="pres">
+      <dgm:prSet presAssocID="{3AC360A8-F619-473C-A6B0-3D6D37593925}" presName="compNode" presStyleCnt="0"/>
+      <dgm:spPr/>
+    </dgm:pt>
+    <dgm:pt modelId="{8B4D8D63-157F-43B2-8D0B-49E72FFBAFA6}" type="pres">
+      <dgm:prSet presAssocID="{3AC360A8-F619-473C-A6B0-3D6D37593925}" presName="bgRect" presStyleLbl="bgShp" presStyleIdx="0" presStyleCnt="3"/>
+      <dgm:spPr/>
+    </dgm:pt>
+    <dgm:pt modelId="{BC5F031E-EDDC-4123-BA15-550EB4B81CFF}" type="pres">
+      <dgm:prSet presAssocID="{3AC360A8-F619-473C-A6B0-3D6D37593925}" presName="iconRect" presStyleLbl="node1" presStyleIdx="0" presStyleCnt="3"/>
+      <dgm:spPr>
+        <a:blipFill>
+          <a:blip xmlns:r="http://schemas.openxmlformats.org/officeDocument/2006/relationships" r:embed="rId1">
+            <a:extLst>
+              <a:ext uri="{28A0092B-C50C-407E-A947-70E740481C1C}">
+                <a14:useLocalDpi xmlns:a14="http://schemas.microsoft.com/office/drawing/2010/main" val="0"/>
+              </a:ext>
+              <a:ext uri="{96DAC541-7B7A-43D3-8B79-37D633B846F1}">
+                <asvg:svgBlip xmlns:asvg="http://schemas.microsoft.com/office/drawing/2016/SVG/main" r:embed="rId2"/>
+              </a:ext>
+            </a:extLst>
+          </a:blip>
+          <a:srcRect/>
+          <a:stretch>
+            <a:fillRect/>
+          </a:stretch>
+        </a:blipFill>
+        <a:ln>
+          <a:noFill/>
+        </a:ln>
+      </dgm:spPr>
+      <dgm:extLst>
+        <a:ext uri="{E40237B7-FDA0-4F09-8148-C483321AD2D9}">
+          <dgm14:cNvPr xmlns:dgm14="http://schemas.microsoft.com/office/drawing/2010/diagram" id="0" name="" descr="Branching diagram"/>
+        </a:ext>
+      </dgm:extLst>
+    </dgm:pt>
+    <dgm:pt modelId="{547EE025-C743-4FF9-830C-011D359CC886}" type="pres">
+      <dgm:prSet presAssocID="{3AC360A8-F619-473C-A6B0-3D6D37593925}" presName="spaceRect" presStyleCnt="0"/>
+      <dgm:spPr/>
+    </dgm:pt>
+    <dgm:pt modelId="{1ED4B90B-9B83-4D7A-B03B-FCD9F97AACDF}" type="pres">
+      <dgm:prSet presAssocID="{3AC360A8-F619-473C-A6B0-3D6D37593925}" presName="parTx" presStyleLbl="revTx" presStyleIdx="0" presStyleCnt="3">
+        <dgm:presLayoutVars>
+          <dgm:chMax val="0"/>
+          <dgm:chPref val="0"/>
+        </dgm:presLayoutVars>
+      </dgm:prSet>
+      <dgm:spPr/>
+    </dgm:pt>
+    <dgm:pt modelId="{CAB202D0-2B90-44F4-B727-26EB6295D133}" type="pres">
+      <dgm:prSet presAssocID="{52B38A38-B57E-4EDA-8050-6D713CF9CE1D}" presName="sibTrans" presStyleCnt="0"/>
+      <dgm:spPr/>
+    </dgm:pt>
+    <dgm:pt modelId="{B00F44A2-2867-4B34-B678-C289BA60548C}" type="pres">
+      <dgm:prSet presAssocID="{0CF502EB-C4C1-4C5C-B894-2597D9E31C76}" presName="compNode" presStyleCnt="0"/>
+      <dgm:spPr/>
+    </dgm:pt>
+    <dgm:pt modelId="{90D542E8-0F41-446C-9EF4-5007A010A832}" type="pres">
+      <dgm:prSet presAssocID="{0CF502EB-C4C1-4C5C-B894-2597D9E31C76}" presName="bgRect" presStyleLbl="bgShp" presStyleIdx="1" presStyleCnt="3"/>
+      <dgm:spPr/>
+    </dgm:pt>
+    <dgm:pt modelId="{00CC035D-78D5-46F8-AF1E-7634F26E11D3}" type="pres">
+      <dgm:prSet presAssocID="{0CF502EB-C4C1-4C5C-B894-2597D9E31C76}" presName="iconRect" presStyleLbl="node1" presStyleIdx="1" presStyleCnt="3"/>
+      <dgm:spPr>
+        <a:blipFill>
+          <a:blip xmlns:r="http://schemas.openxmlformats.org/officeDocument/2006/relationships" r:embed="rId3">
+            <a:extLst>
+              <a:ext uri="{28A0092B-C50C-407E-A947-70E740481C1C}">
+                <a14:useLocalDpi xmlns:a14="http://schemas.microsoft.com/office/drawing/2010/main" val="0"/>
+              </a:ext>
+              <a:ext uri="{96DAC541-7B7A-43D3-8B79-37D633B846F1}">
+                <asvg:svgBlip xmlns:asvg="http://schemas.microsoft.com/office/drawing/2016/SVG/main" r:embed="rId4"/>
+              </a:ext>
+            </a:extLst>
+          </a:blip>
+          <a:srcRect/>
+          <a:stretch>
+            <a:fillRect/>
+          </a:stretch>
+        </a:blipFill>
+        <a:ln>
+          <a:noFill/>
+        </a:ln>
+      </dgm:spPr>
+      <dgm:extLst>
+        <a:ext uri="{E40237B7-FDA0-4F09-8148-C483321AD2D9}">
+          <dgm14:cNvPr xmlns:dgm14="http://schemas.microsoft.com/office/drawing/2010/diagram" id="0" name="" descr="Target"/>
+        </a:ext>
+      </dgm:extLst>
+    </dgm:pt>
+    <dgm:pt modelId="{87BD1D34-AFB1-4E12-BEB9-E64C561C2A9A}" type="pres">
+      <dgm:prSet presAssocID="{0CF502EB-C4C1-4C5C-B894-2597D9E31C76}" presName="spaceRect" presStyleCnt="0"/>
+      <dgm:spPr/>
+    </dgm:pt>
+    <dgm:pt modelId="{185DE906-568E-4FA5-B776-BC6A0D5FF698}" type="pres">
+      <dgm:prSet presAssocID="{0CF502EB-C4C1-4C5C-B894-2597D9E31C76}" presName="parTx" presStyleLbl="revTx" presStyleIdx="1" presStyleCnt="3">
+        <dgm:presLayoutVars>
+          <dgm:chMax val="0"/>
+          <dgm:chPref val="0"/>
+        </dgm:presLayoutVars>
+      </dgm:prSet>
+      <dgm:spPr/>
+    </dgm:pt>
+    <dgm:pt modelId="{BB04BB60-48B8-4D9F-A226-AE747623AAAE}" type="pres">
+      <dgm:prSet presAssocID="{31548FE4-BF5D-43EB-B5C5-EBCB297EED4E}" presName="sibTrans" presStyleCnt="0"/>
+      <dgm:spPr/>
+    </dgm:pt>
+    <dgm:pt modelId="{FC665CC9-E4AE-4F13-810A-1396295B504B}" type="pres">
+      <dgm:prSet presAssocID="{F9CF02CB-6BED-4887-AEF1-AFC08B21CD65}" presName="compNode" presStyleCnt="0"/>
+      <dgm:spPr/>
+    </dgm:pt>
+    <dgm:pt modelId="{314F77EC-FD8C-40A8-89C9-4A401E861877}" type="pres">
+      <dgm:prSet presAssocID="{F9CF02CB-6BED-4887-AEF1-AFC08B21CD65}" presName="bgRect" presStyleLbl="bgShp" presStyleIdx="2" presStyleCnt="3"/>
+      <dgm:spPr/>
+    </dgm:pt>
+    <dgm:pt modelId="{803413CC-F730-482E-BB07-74818E94067A}" type="pres">
+      <dgm:prSet presAssocID="{F9CF02CB-6BED-4887-AEF1-AFC08B21CD65}" presName="iconRect" presStyleLbl="node1" presStyleIdx="2" presStyleCnt="3"/>
+      <dgm:spPr>
+        <a:blipFill>
+          <a:blip xmlns:r="http://schemas.openxmlformats.org/officeDocument/2006/relationships" r:embed="rId5">
+            <a:extLst>
+              <a:ext uri="{28A0092B-C50C-407E-A947-70E740481C1C}">
+                <a14:useLocalDpi xmlns:a14="http://schemas.microsoft.com/office/drawing/2010/main" val="0"/>
+              </a:ext>
+              <a:ext uri="{96DAC541-7B7A-43D3-8B79-37D633B846F1}">
+                <asvg:svgBlip xmlns:asvg="http://schemas.microsoft.com/office/drawing/2016/SVG/main" r:embed="rId6"/>
+              </a:ext>
+            </a:extLst>
+          </a:blip>
+          <a:stretch>
+            <a:fillRect/>
+          </a:stretch>
+        </a:blipFill>
+        <a:ln>
+          <a:noFill/>
+        </a:ln>
+      </dgm:spPr>
+      <dgm:extLst>
+        <a:ext uri="{E40237B7-FDA0-4F09-8148-C483321AD2D9}">
+          <dgm14:cNvPr xmlns:dgm14="http://schemas.microsoft.com/office/drawing/2010/diagram" id="0" name="" descr="Train"/>
+        </a:ext>
+      </dgm:extLst>
+    </dgm:pt>
+    <dgm:pt modelId="{0687DBD5-6705-4198-8D1D-E244F7F47114}" type="pres">
+      <dgm:prSet presAssocID="{F9CF02CB-6BED-4887-AEF1-AFC08B21CD65}" presName="spaceRect" presStyleCnt="0"/>
+      <dgm:spPr/>
+    </dgm:pt>
+    <dgm:pt modelId="{ED8DADEA-9AD1-436C-BC74-BA54C4AA6238}" type="pres">
+      <dgm:prSet presAssocID="{F9CF02CB-6BED-4887-AEF1-AFC08B21CD65}" presName="parTx" presStyleLbl="revTx" presStyleIdx="2" presStyleCnt="3">
+        <dgm:presLayoutVars>
+          <dgm:chMax val="0"/>
+          <dgm:chPref val="0"/>
+        </dgm:presLayoutVars>
+      </dgm:prSet>
+      <dgm:spPr/>
+    </dgm:pt>
+  </dgm:ptLst>
+  <dgm:cxnLst>
+    <dgm:cxn modelId="{F9BE5151-BE2C-4A3C-AF19-498BE4EA076A}" type="presOf" srcId="{3AC360A8-F619-473C-A6B0-3D6D37593925}" destId="{1ED4B90B-9B83-4D7A-B03B-FCD9F97AACDF}" srcOrd="0" destOrd="0" presId="urn:microsoft.com/office/officeart/2018/2/layout/IconVerticalSolidList"/>
+    <dgm:cxn modelId="{6675C472-AD4B-48D1-AD7A-484B165CACBB}" type="presOf" srcId="{25F9534D-8AB0-45EB-96CB-50FA3545E7B0}" destId="{DF15A6DE-B07E-4B65-A48D-88EAAF505AC5}" srcOrd="0" destOrd="0" presId="urn:microsoft.com/office/officeart/2018/2/layout/IconVerticalSolidList"/>
+    <dgm:cxn modelId="{70FDD473-A81D-4EDB-A25B-ACC78C89A9B2}" srcId="{25F9534D-8AB0-45EB-96CB-50FA3545E7B0}" destId="{0CF502EB-C4C1-4C5C-B894-2597D9E31C76}" srcOrd="1" destOrd="0" parTransId="{1100DAEF-6F74-4D88-AA38-8C042FADA83A}" sibTransId="{31548FE4-BF5D-43EB-B5C5-EBCB297EED4E}"/>
+    <dgm:cxn modelId="{265DD39C-1BD7-4F04-9038-646329CA3185}" type="presOf" srcId="{F9CF02CB-6BED-4887-AEF1-AFC08B21CD65}" destId="{ED8DADEA-9AD1-436C-BC74-BA54C4AA6238}" srcOrd="0" destOrd="0" presId="urn:microsoft.com/office/officeart/2018/2/layout/IconVerticalSolidList"/>
+    <dgm:cxn modelId="{AB9190A6-C8C4-4EFF-B832-A552336101C9}" type="presOf" srcId="{0CF502EB-C4C1-4C5C-B894-2597D9E31C76}" destId="{185DE906-568E-4FA5-B776-BC6A0D5FF698}" srcOrd="0" destOrd="0" presId="urn:microsoft.com/office/officeart/2018/2/layout/IconVerticalSolidList"/>
+    <dgm:cxn modelId="{91E11DD4-981B-4A58-BF4C-4DD80FD357BF}" srcId="{25F9534D-8AB0-45EB-96CB-50FA3545E7B0}" destId="{F9CF02CB-6BED-4887-AEF1-AFC08B21CD65}" srcOrd="2" destOrd="0" parTransId="{8A6A3164-C0F5-4AF8-AB45-2399A948F282}" sibTransId="{6A2C9487-D5DF-44DB-84B1-448C212137BE}"/>
+    <dgm:cxn modelId="{35AB57FB-E907-4393-BF37-005BB2A298BC}" srcId="{25F9534D-8AB0-45EB-96CB-50FA3545E7B0}" destId="{3AC360A8-F619-473C-A6B0-3D6D37593925}" srcOrd="0" destOrd="0" parTransId="{D4676DDD-A42E-47EE-A5CE-409654A537CF}" sibTransId="{52B38A38-B57E-4EDA-8050-6D713CF9CE1D}"/>
+    <dgm:cxn modelId="{96D644EB-9E30-4972-AD61-2E77D5E38C64}" type="presParOf" srcId="{DF15A6DE-B07E-4B65-A48D-88EAAF505AC5}" destId="{5128763A-1ECC-4139-B725-762AA9DA6DCA}" srcOrd="0" destOrd="0" presId="urn:microsoft.com/office/officeart/2018/2/layout/IconVerticalSolidList"/>
+    <dgm:cxn modelId="{34E3157B-FA13-41E5-BA47-C56686B7CAE9}" type="presParOf" srcId="{5128763A-1ECC-4139-B725-762AA9DA6DCA}" destId="{8B4D8D63-157F-43B2-8D0B-49E72FFBAFA6}" srcOrd="0" destOrd="0" presId="urn:microsoft.com/office/officeart/2018/2/layout/IconVerticalSolidList"/>
+    <dgm:cxn modelId="{3A2257D0-6AE0-4016-99DC-D97D5B7BDEED}" type="presParOf" srcId="{5128763A-1ECC-4139-B725-762AA9DA6DCA}" destId="{BC5F031E-EDDC-4123-BA15-550EB4B81CFF}" srcOrd="1" destOrd="0" presId="urn:microsoft.com/office/officeart/2018/2/layout/IconVerticalSolidList"/>
+    <dgm:cxn modelId="{129D4F46-84DC-46E0-A4FF-AC06CF6EFE29}" type="presParOf" srcId="{5128763A-1ECC-4139-B725-762AA9DA6DCA}" destId="{547EE025-C743-4FF9-830C-011D359CC886}" srcOrd="2" destOrd="0" presId="urn:microsoft.com/office/officeart/2018/2/layout/IconVerticalSolidList"/>
+    <dgm:cxn modelId="{7113A55D-F7A6-4AF1-99D8-4F3A368D59E2}" type="presParOf" srcId="{5128763A-1ECC-4139-B725-762AA9DA6DCA}" destId="{1ED4B90B-9B83-4D7A-B03B-FCD9F97AACDF}" srcOrd="3" destOrd="0" presId="urn:microsoft.com/office/officeart/2018/2/layout/IconVerticalSolidList"/>
+    <dgm:cxn modelId="{141BA24C-773F-42DD-815F-2E009B340227}" type="presParOf" srcId="{DF15A6DE-B07E-4B65-A48D-88EAAF505AC5}" destId="{CAB202D0-2B90-44F4-B727-26EB6295D133}" srcOrd="1" destOrd="0" presId="urn:microsoft.com/office/officeart/2018/2/layout/IconVerticalSolidList"/>
+    <dgm:cxn modelId="{96A09911-E282-452C-8059-DE220E08CCAB}" type="presParOf" srcId="{DF15A6DE-B07E-4B65-A48D-88EAAF505AC5}" destId="{B00F44A2-2867-4B34-B678-C289BA60548C}" srcOrd="2" destOrd="0" presId="urn:microsoft.com/office/officeart/2018/2/layout/IconVerticalSolidList"/>
+    <dgm:cxn modelId="{A30C1D28-0D3B-4791-A05B-5C9DEA3813BA}" type="presParOf" srcId="{B00F44A2-2867-4B34-B678-C289BA60548C}" destId="{90D542E8-0F41-446C-9EF4-5007A010A832}" srcOrd="0" destOrd="0" presId="urn:microsoft.com/office/officeart/2018/2/layout/IconVerticalSolidList"/>
+    <dgm:cxn modelId="{426295E8-B508-4D35-B90B-EB6FC1B6063E}" type="presParOf" srcId="{B00F44A2-2867-4B34-B678-C289BA60548C}" destId="{00CC035D-78D5-46F8-AF1E-7634F26E11D3}" srcOrd="1" destOrd="0" presId="urn:microsoft.com/office/officeart/2018/2/layout/IconVerticalSolidList"/>
+    <dgm:cxn modelId="{97464E31-CE53-4ECB-9195-D1C51F875288}" type="presParOf" srcId="{B00F44A2-2867-4B34-B678-C289BA60548C}" destId="{87BD1D34-AFB1-4E12-BEB9-E64C561C2A9A}" srcOrd="2" destOrd="0" presId="urn:microsoft.com/office/officeart/2018/2/layout/IconVerticalSolidList"/>
+    <dgm:cxn modelId="{FE043D96-7CF2-4C88-AD62-52EEFCA9B8F3}" type="presParOf" srcId="{B00F44A2-2867-4B34-B678-C289BA60548C}" destId="{185DE906-568E-4FA5-B776-BC6A0D5FF698}" srcOrd="3" destOrd="0" presId="urn:microsoft.com/office/officeart/2018/2/layout/IconVerticalSolidList"/>
+    <dgm:cxn modelId="{639FBDB9-39F2-4E66-A1CC-83D89832A109}" type="presParOf" srcId="{DF15A6DE-B07E-4B65-A48D-88EAAF505AC5}" destId="{BB04BB60-48B8-4D9F-A226-AE747623AAAE}" srcOrd="3" destOrd="0" presId="urn:microsoft.com/office/officeart/2018/2/layout/IconVerticalSolidList"/>
+    <dgm:cxn modelId="{584ABAB6-D0F3-4EAA-9467-C22225B2226B}" type="presParOf" srcId="{DF15A6DE-B07E-4B65-A48D-88EAAF505AC5}" destId="{FC665CC9-E4AE-4F13-810A-1396295B504B}" srcOrd="4" destOrd="0" presId="urn:microsoft.com/office/officeart/2018/2/layout/IconVerticalSolidList"/>
+    <dgm:cxn modelId="{7E9C84AF-66EB-415C-93C1-BDDBBB3C58B2}" type="presParOf" srcId="{FC665CC9-E4AE-4F13-810A-1396295B504B}" destId="{314F77EC-FD8C-40A8-89C9-4A401E861877}" srcOrd="0" destOrd="0" presId="urn:microsoft.com/office/officeart/2018/2/layout/IconVerticalSolidList"/>
+    <dgm:cxn modelId="{587FE18C-4761-4A9D-9C86-3CCC8A3157C2}" type="presParOf" srcId="{FC665CC9-E4AE-4F13-810A-1396295B504B}" destId="{803413CC-F730-482E-BB07-74818E94067A}" srcOrd="1" destOrd="0" presId="urn:microsoft.com/office/officeart/2018/2/layout/IconVerticalSolidList"/>
+    <dgm:cxn modelId="{656747AC-595E-4295-8EF6-8F7564071FFE}" type="presParOf" srcId="{FC665CC9-E4AE-4F13-810A-1396295B504B}" destId="{0687DBD5-6705-4198-8D1D-E244F7F47114}" srcOrd="2" destOrd="0" presId="urn:microsoft.com/office/officeart/2018/2/layout/IconVerticalSolidList"/>
+    <dgm:cxn modelId="{DD9761F3-E01F-4EEA-838D-91B24E488796}" type="presParOf" srcId="{FC665CC9-E4AE-4F13-810A-1396295B504B}" destId="{ED8DADEA-9AD1-436C-BC74-BA54C4AA6238}" srcOrd="3" destOrd="0" presId="urn:microsoft.com/office/officeart/2018/2/layout/IconVerticalSolidList"/>
+  </dgm:cxnLst>
+  <dgm:bg/>
+  <dgm:whole/>
+  <dgm:extLst>
+    <a:ext uri="http://schemas.microsoft.com/office/drawing/2008/diagram">
+      <dsp:dataModelExt xmlns:dsp="http://schemas.microsoft.com/office/drawing/2008/diagram" relId="rId7" minVer="http://schemas.openxmlformats.org/drawingml/2006/diagram"/>
+    </a:ext>
+  </dgm:extLst>
+</dgm:dataModel>
+</file>
+
+<file path=ppt/diagrams/data5.xml><?xml version="1.0" encoding="utf-8"?>
 <dgm:dataModel xmlns:dgm="http://schemas.openxmlformats.org/drawingml/2006/diagram" xmlns:a="http://schemas.openxmlformats.org/drawingml/2006/main">
   <dgm:ptLst>
     <dgm:pt modelId="{C15EE730-7FF1-4676-B132-8C27FC559365}" type="doc">
@@ -7839,8 +9088,8 @@
     <dgm:cxn modelId="{7205C41F-E710-054A-A7B3-8B4397E254C3}" type="presOf" srcId="{A5C1B13B-C6BE-4C0F-81EE-A28986259A57}" destId="{385046D1-E92B-DD46-92FC-07E6A1120616}" srcOrd="0" destOrd="0" presId="urn:microsoft.com/office/officeart/2005/8/layout/list1"/>
     <dgm:cxn modelId="{CC06703D-1BA7-D34A-BFAA-FF56819DA506}" type="presOf" srcId="{A5C1B13B-C6BE-4C0F-81EE-A28986259A57}" destId="{BFEA1BDE-E5EF-824E-81DC-DEB0AF9E6425}" srcOrd="1" destOrd="0" presId="urn:microsoft.com/office/officeart/2005/8/layout/list1"/>
     <dgm:cxn modelId="{91F4C940-4C5B-F443-8A3A-826E530EFDDC}" type="presOf" srcId="{7C674C4B-3F03-41E3-893A-AC38ADAFBFF7}" destId="{8248139D-0976-B349-95C9-D61ECFBAB6A2}" srcOrd="0" destOrd="0" presId="urn:microsoft.com/office/officeart/2005/8/layout/list1"/>
+    <dgm:cxn modelId="{DDE3A355-72DC-4DE6-892D-FA542B51232E}" srcId="{A5C1B13B-C6BE-4C0F-81EE-A28986259A57}" destId="{279DE85E-0EF5-40EA-90E4-24868C3C63CF}" srcOrd="1" destOrd="0" parTransId="{A8DECF60-4B80-48E0-91D9-5D3593951FE0}" sibTransId="{515969FD-B579-453F-AA33-C250DECC824D}"/>
     <dgm:cxn modelId="{29CDF86A-37D6-0B40-9F8A-945A9EB665FF}" type="presOf" srcId="{2E97EA98-3AA6-4B30-BCB4-55D84E1BD8B2}" destId="{48AD30DB-9FDE-C140-A591-004BA5B20605}" srcOrd="0" destOrd="0" presId="urn:microsoft.com/office/officeart/2005/8/layout/list1"/>
-    <dgm:cxn modelId="{DDE3A355-72DC-4DE6-892D-FA542B51232E}" srcId="{A5C1B13B-C6BE-4C0F-81EE-A28986259A57}" destId="{279DE85E-0EF5-40EA-90E4-24868C3C63CF}" srcOrd="1" destOrd="0" parTransId="{A8DECF60-4B80-48E0-91D9-5D3593951FE0}" sibTransId="{515969FD-B579-453F-AA33-C250DECC824D}"/>
     <dgm:cxn modelId="{EA86E59A-89E7-D04D-AA72-7353E8431121}" type="presOf" srcId="{C15EE730-7FF1-4676-B132-8C27FC559365}" destId="{4E641AB2-05E7-1E42-A3EF-4E42951554EE}" srcOrd="0" destOrd="0" presId="urn:microsoft.com/office/officeart/2005/8/layout/list1"/>
     <dgm:cxn modelId="{2499C8A4-4BE6-4B9C-8E72-4BC94B9CAAA0}" srcId="{2E97EA98-3AA6-4B30-BCB4-55D84E1BD8B2}" destId="{D7C9BAF3-F6A6-428D-9281-FF7D570CB9BB}" srcOrd="2" destOrd="0" parTransId="{6331D18E-79C4-4A35-9CD5-AFC6E8B80733}" sibTransId="{85248B68-0509-4DC9-A64E-06BF2E70C381}"/>
     <dgm:cxn modelId="{D62F19A6-86C9-45D1-BC50-09061D912484}" type="presOf" srcId="{A0AC8257-5E04-4139-A017-0D5C19B5B699}" destId="{8248139D-0976-B349-95C9-D61ECFBAB6A2}" srcOrd="0" destOrd="1" presId="urn:microsoft.com/office/officeart/2005/8/layout/list1"/>
@@ -7874,7 +9123,7 @@
 </dgm:dataModel>
 </file>
 
-<file path=ppt/diagrams/data5.xml><?xml version="1.0" encoding="utf-8"?>
+<file path=ppt/diagrams/data6.xml><?xml version="1.0" encoding="utf-8"?>
 <dgm:dataModel xmlns:dgm="http://schemas.openxmlformats.org/drawingml/2006/diagram" xmlns:a="http://schemas.openxmlformats.org/drawingml/2006/main">
   <dgm:ptLst>
     <dgm:pt modelId="{D5CB5FC7-6D9C-AB43-99FA-EDB87E49A6E4}" type="doc">
@@ -8112,7 +9361,7 @@
 </dgm:dataModel>
 </file>
 
-<file path=ppt/diagrams/data6.xml><?xml version="1.0" encoding="utf-8"?>
+<file path=ppt/diagrams/data7.xml><?xml version="1.0" encoding="utf-8"?>
 <dgm:dataModel xmlns:dgm="http://schemas.openxmlformats.org/drawingml/2006/diagram" xmlns:a="http://schemas.openxmlformats.org/drawingml/2006/main">
   <dgm:ptLst>
     <dgm:pt modelId="{BB4CAC3B-F099-486B-9C31-B05446A1524C}" type="doc">
@@ -8853,9 +10102,9 @@
     <dgm:cxn modelId="{2FA8C10E-5451-3F4A-A285-85DB714E6507}" type="presOf" srcId="{27219D13-BFBA-4AE6-911D-596149A5B84A}" destId="{40ED1348-D01A-4A42-83F7-C5B5343552EB}" srcOrd="0" destOrd="0" presId="urn:microsoft.com/office/officeart/2018/2/layout/IconVerticalSolidList"/>
     <dgm:cxn modelId="{85831A3C-2245-4D81-B036-34040D71B573}" srcId="{BB4CAC3B-F099-486B-9C31-B05446A1524C}" destId="{27219D13-BFBA-4AE6-911D-596149A5B84A}" srcOrd="2" destOrd="0" parTransId="{84B811DD-1543-40E4-B124-05F4102F006D}" sibTransId="{F68A6DDA-00C8-48C2-9807-79D17C450FDF}"/>
     <dgm:cxn modelId="{4E993A3D-F9F4-4377-AD3E-1A89B84DF114}" srcId="{BB4CAC3B-F099-486B-9C31-B05446A1524C}" destId="{0DDA5DF5-FE51-4B5F-9712-BE18FFCADF6D}" srcOrd="0" destOrd="0" parTransId="{A789B275-5EE5-460A-AFF4-F693020EFB38}" sibTransId="{429A6B94-A803-44F1-8CF9-433A2016CA4E}"/>
-    <dgm:cxn modelId="{AFCD3F74-3F3D-2D41-8B02-BF33DB7A0693}" type="presOf" srcId="{0DDA5DF5-FE51-4B5F-9712-BE18FFCADF6D}" destId="{AE1F5567-443E-4F7C-B5A3-94D443D6955F}" srcOrd="0" destOrd="0" presId="urn:microsoft.com/office/officeart/2018/2/layout/IconVerticalSolidList"/>
     <dgm:cxn modelId="{9497A054-91AD-824D-A257-1E282442C14D}" type="presOf" srcId="{A7C5A5A9-AB58-4F41-B2BD-0EF52ACF5831}" destId="{71C17C4E-1629-48AB-836F-90A4B0F47059}" srcOrd="0" destOrd="0" presId="urn:microsoft.com/office/officeart/2018/2/layout/IconVerticalSolidList"/>
     <dgm:cxn modelId="{575AE957-E21A-E441-BC10-4D1BF7687102}" type="presOf" srcId="{DC5972A2-5830-4DAB-B659-D3585E50A11C}" destId="{4116A036-7E54-4B91-9FCF-A8423F0AA2DE}" srcOrd="0" destOrd="0" presId="urn:microsoft.com/office/officeart/2018/2/layout/IconVerticalSolidList"/>
+    <dgm:cxn modelId="{AFCD3F74-3F3D-2D41-8B02-BF33DB7A0693}" type="presOf" srcId="{0DDA5DF5-FE51-4B5F-9712-BE18FFCADF6D}" destId="{AE1F5567-443E-4F7C-B5A3-94D443D6955F}" srcOrd="0" destOrd="0" presId="urn:microsoft.com/office/officeart/2018/2/layout/IconVerticalSolidList"/>
     <dgm:cxn modelId="{649A6B8D-596B-4668-B2A2-142D198B0184}" srcId="{BB4CAC3B-F099-486B-9C31-B05446A1524C}" destId="{A7C5A5A9-AB58-4F41-B2BD-0EF52ACF5831}" srcOrd="1" destOrd="0" parTransId="{7C125992-8252-440D-BF54-372E7DB97AF0}" sibTransId="{351A7FAF-3797-4044-A7FF-661F9774EB3F}"/>
     <dgm:cxn modelId="{881857A1-0D24-48BB-942D-EF78E6E18E81}" srcId="{BB4CAC3B-F099-486B-9C31-B05446A1524C}" destId="{DC5972A2-5830-4DAB-B659-D3585E50A11C}" srcOrd="4" destOrd="0" parTransId="{E47E453A-31E3-4606-A587-2965D6827A4C}" sibTransId="{5E2CDF50-339B-415B-80B3-BE8CCF198DC4}"/>
     <dgm:cxn modelId="{7A467EB7-3E1F-4AE8-9E5D-D6A450DCC5A5}" srcId="{BB4CAC3B-F099-486B-9C31-B05446A1524C}" destId="{82356B97-B3FD-4A43-BFB5-22F1F466C05B}" srcOrd="3" destOrd="0" parTransId="{F7266C86-08AE-4F4F-ACB9-5CC238C66296}" sibTransId="{C2A900EB-2939-4014-A62A-89815EAC44E5}"/>
@@ -8900,7 +10149,7 @@
 </dgm:dataModel>
 </file>
 
-<file path=ppt/diagrams/data7.xml><?xml version="1.0" encoding="utf-8"?>
+<file path=ppt/diagrams/data8.xml><?xml version="1.0" encoding="utf-8"?>
 <dgm:dataModel xmlns:dgm="http://schemas.openxmlformats.org/drawingml/2006/diagram" xmlns:a="http://schemas.openxmlformats.org/drawingml/2006/main">
   <dgm:ptLst>
     <dgm:pt modelId="{3868E049-E2A3-4CAF-865B-2F6F9BDAB382}" type="doc">
@@ -9448,10 +10697,10 @@
     <dgm:cxn modelId="{5CFDD631-EAEA-43BD-8EE8-CF5F328FBAF3}" srcId="{3868E049-E2A3-4CAF-865B-2F6F9BDAB382}" destId="{79646247-596E-4F00-91EA-B8BD34166C3B}" srcOrd="1" destOrd="0" parTransId="{6D2D0162-878F-467B-BC3F-9413E2A05D79}" sibTransId="{8A34BA77-7B55-436E-82C3-FC291F70A046}"/>
     <dgm:cxn modelId="{816F4E3A-0742-524D-98EB-7CA4A3F83CCC}" type="presOf" srcId="{062DCA15-74E6-FA46-9C85-978FC47B82BC}" destId="{E3190B73-8D44-7643-9E1C-04FFC4703488}" srcOrd="0" destOrd="1" presId="urn:microsoft.com/office/officeart/2005/8/layout/vList2"/>
     <dgm:cxn modelId="{E4D30A40-BC3F-0341-B43A-5FBF77C99FDC}" type="presOf" srcId="{948CD92F-AC4E-4559-897E-E5F02A63BC1F}" destId="{1C41B893-74B8-3243-AAE4-331E1E2CFA00}" srcOrd="0" destOrd="0" presId="urn:microsoft.com/office/officeart/2005/8/layout/vList2"/>
+    <dgm:cxn modelId="{F1F4944F-D6F8-410C-A681-4902B79499D8}" srcId="{3868E049-E2A3-4CAF-865B-2F6F9BDAB382}" destId="{2414D06E-8C2B-4251-9879-431A327E2D4D}" srcOrd="4" destOrd="0" parTransId="{4EF5C68B-B8D3-424C-B934-BE17915C02F8}" sibTransId="{8E65BF9C-18D9-4684-8582-D31F98F7E101}"/>
+    <dgm:cxn modelId="{1C215D58-A61F-FC49-A8BE-9C2550546183}" type="presOf" srcId="{7D54BC78-5860-4DD6-ACD3-D1102800F20A}" destId="{9527C1E9-9A8B-E847-8ED8-A5A7E6B883C4}" srcOrd="0" destOrd="0" presId="urn:microsoft.com/office/officeart/2005/8/layout/vList2"/>
     <dgm:cxn modelId="{AB7C865B-BE53-CD4B-8054-A628D5D4C0B3}" type="presOf" srcId="{F4767AC8-2D5E-574A-94DA-A2DF7250945D}" destId="{E3190B73-8D44-7643-9E1C-04FFC4703488}" srcOrd="0" destOrd="2" presId="urn:microsoft.com/office/officeart/2005/8/layout/vList2"/>
     <dgm:cxn modelId="{88CB086E-2BA2-2E4C-8F44-50861CD2095D}" type="presOf" srcId="{2414D06E-8C2B-4251-9879-431A327E2D4D}" destId="{72B2D60A-CF7F-9E46-A44C-B15243917451}" srcOrd="0" destOrd="0" presId="urn:microsoft.com/office/officeart/2005/8/layout/vList2"/>
-    <dgm:cxn modelId="{F1F4944F-D6F8-410C-A681-4902B79499D8}" srcId="{3868E049-E2A3-4CAF-865B-2F6F9BDAB382}" destId="{2414D06E-8C2B-4251-9879-431A327E2D4D}" srcOrd="4" destOrd="0" parTransId="{4EF5C68B-B8D3-424C-B934-BE17915C02F8}" sibTransId="{8E65BF9C-18D9-4684-8582-D31F98F7E101}"/>
-    <dgm:cxn modelId="{1C215D58-A61F-FC49-A8BE-9C2550546183}" type="presOf" srcId="{7D54BC78-5860-4DD6-ACD3-D1102800F20A}" destId="{9527C1E9-9A8B-E847-8ED8-A5A7E6B883C4}" srcOrd="0" destOrd="0" presId="urn:microsoft.com/office/officeart/2005/8/layout/vList2"/>
     <dgm:cxn modelId="{0F420B7F-FF43-488D-929E-FC4B48D232C1}" srcId="{3868E049-E2A3-4CAF-865B-2F6F9BDAB382}" destId="{ED207C4C-8ABC-417E-8EA0-10F4EEA4107C}" srcOrd="3" destOrd="0" parTransId="{D0ED32A3-FB22-4A23-A8A7-7354B0763160}" sibTransId="{300A9D04-CABD-46D8-B305-6A72E5F10B91}"/>
     <dgm:cxn modelId="{AC294984-73CD-BE4F-843C-F4832A3BE4C1}" srcId="{A0A542D3-7CB8-8340-9273-B07E2E05A98C}" destId="{062DCA15-74E6-FA46-9C85-978FC47B82BC}" srcOrd="1" destOrd="0" parTransId="{22034C9B-0FFE-B745-A5FD-DB0A408E6714}" sibTransId="{5D4E3E9B-0921-CB48-9DB0-9538D1EFD6A5}"/>
     <dgm:cxn modelId="{07CED791-E927-4D19-BE00-E93A1C5A15B7}" srcId="{3868E049-E2A3-4CAF-865B-2F6F9BDAB382}" destId="{D1454437-8324-41DF-A7D1-FDE6630E366A}" srcOrd="0" destOrd="0" parTransId="{0F41B678-733F-47B2-9A5D-72FD7DEC088D}" sibTransId="{39731C59-A3E6-43FF-A95C-6E5176DC9EF7}"/>
@@ -11103,6 +12352,473 @@
       <dsp:cNvGrpSpPr/>
     </dsp:nvGrpSpPr>
     <dsp:grpSpPr/>
+    <dsp:sp modelId="{8B4D8D63-157F-43B2-8D0B-49E72FFBAFA6}">
+      <dsp:nvSpPr>
+        <dsp:cNvPr id="0" name=""/>
+        <dsp:cNvSpPr/>
+      </dsp:nvSpPr>
+      <dsp:spPr>
+        <a:xfrm>
+          <a:off x="0" y="644"/>
+          <a:ext cx="6151562" cy="1507303"/>
+        </a:xfrm>
+        <a:prstGeom prst="roundRect">
+          <a:avLst>
+            <a:gd name="adj" fmla="val 10000"/>
+          </a:avLst>
+        </a:prstGeom>
+        <a:solidFill>
+          <a:schemeClr val="accent2">
+            <a:hueOff val="0"/>
+            <a:satOff val="0"/>
+            <a:lumOff val="0"/>
+            <a:alphaOff val="0"/>
+          </a:schemeClr>
+        </a:solidFill>
+        <a:ln>
+          <a:noFill/>
+        </a:ln>
+        <a:effectLst/>
+      </dsp:spPr>
+      <dsp:style>
+        <a:lnRef idx="0">
+          <a:scrgbClr r="0" g="0" b="0"/>
+        </a:lnRef>
+        <a:fillRef idx="1">
+          <a:scrgbClr r="0" g="0" b="0"/>
+        </a:fillRef>
+        <a:effectRef idx="0">
+          <a:scrgbClr r="0" g="0" b="0"/>
+        </a:effectRef>
+        <a:fontRef idx="minor"/>
+      </dsp:style>
+    </dsp:sp>
+    <dsp:sp modelId="{BC5F031E-EDDC-4123-BA15-550EB4B81CFF}">
+      <dsp:nvSpPr>
+        <dsp:cNvPr id="0" name=""/>
+        <dsp:cNvSpPr/>
+      </dsp:nvSpPr>
+      <dsp:spPr>
+        <a:xfrm>
+          <a:off x="455959" y="339787"/>
+          <a:ext cx="829016" cy="829016"/>
+        </a:xfrm>
+        <a:prstGeom prst="rect">
+          <a:avLst/>
+        </a:prstGeom>
+        <a:blipFill>
+          <a:blip xmlns:r="http://schemas.openxmlformats.org/officeDocument/2006/relationships" r:embed="rId1">
+            <a:extLst>
+              <a:ext uri="{28A0092B-C50C-407E-A947-70E740481C1C}">
+                <a14:useLocalDpi xmlns:a14="http://schemas.microsoft.com/office/drawing/2010/main" val="0"/>
+              </a:ext>
+              <a:ext uri="{96DAC541-7B7A-43D3-8B79-37D633B846F1}">
+                <asvg:svgBlip xmlns:asvg="http://schemas.microsoft.com/office/drawing/2016/SVG/main" r:embed="rId2"/>
+              </a:ext>
+            </a:extLst>
+          </a:blip>
+          <a:srcRect/>
+          <a:stretch>
+            <a:fillRect/>
+          </a:stretch>
+        </a:blipFill>
+        <a:ln w="12700" cap="flat" cmpd="sng" algn="ctr">
+          <a:noFill/>
+          <a:prstDash val="solid"/>
+        </a:ln>
+        <a:effectLst/>
+      </dsp:spPr>
+      <dsp:style>
+        <a:lnRef idx="2">
+          <a:scrgbClr r="0" g="0" b="0"/>
+        </a:lnRef>
+        <a:fillRef idx="1">
+          <a:scrgbClr r="0" g="0" b="0"/>
+        </a:fillRef>
+        <a:effectRef idx="0">
+          <a:scrgbClr r="0" g="0" b="0"/>
+        </a:effectRef>
+        <a:fontRef idx="minor">
+          <a:schemeClr val="lt1"/>
+        </a:fontRef>
+      </dsp:style>
+    </dsp:sp>
+    <dsp:sp modelId="{1ED4B90B-9B83-4D7A-B03B-FCD9F97AACDF}">
+      <dsp:nvSpPr>
+        <dsp:cNvPr id="0" name=""/>
+        <dsp:cNvSpPr/>
+      </dsp:nvSpPr>
+      <dsp:spPr>
+        <a:xfrm>
+          <a:off x="1740935" y="644"/>
+          <a:ext cx="4410627" cy="1507303"/>
+        </a:xfrm>
+        <a:prstGeom prst="rect">
+          <a:avLst/>
+        </a:prstGeom>
+        <a:noFill/>
+        <a:ln>
+          <a:noFill/>
+        </a:ln>
+        <a:effectLst/>
+      </dsp:spPr>
+      <dsp:style>
+        <a:lnRef idx="0">
+          <a:scrgbClr r="0" g="0" b="0"/>
+        </a:lnRef>
+        <a:fillRef idx="0">
+          <a:scrgbClr r="0" g="0" b="0"/>
+        </a:fillRef>
+        <a:effectRef idx="0">
+          <a:scrgbClr r="0" g="0" b="0"/>
+        </a:effectRef>
+        <a:fontRef idx="minor"/>
+      </dsp:style>
+      <dsp:txBody>
+        <a:bodyPr spcFirstLastPara="0" vert="horz" wrap="square" lIns="159523" tIns="159523" rIns="159523" bIns="159523" numCol="1" spcCol="1270" anchor="ctr" anchorCtr="0">
+          <a:noAutofit/>
+        </a:bodyPr>
+        <a:lstStyle/>
+        <a:p>
+          <a:pPr marL="0" lvl="0" indent="0" algn="l" defTabSz="1111250">
+            <a:lnSpc>
+              <a:spcPct val="90000"/>
+            </a:lnSpc>
+            <a:spcBef>
+              <a:spcPct val="0"/>
+            </a:spcBef>
+            <a:spcAft>
+              <a:spcPct val="35000"/>
+            </a:spcAft>
+            <a:buNone/>
+          </a:pPr>
+          <a:r>
+            <a:rPr lang="en-GB" sz="2500" kern="1200"/>
+            <a:t>Group flows by origin MSOA and turn into percentages</a:t>
+          </a:r>
+          <a:endParaRPr lang="en-US" sz="2500" kern="1200"/>
+        </a:p>
+      </dsp:txBody>
+      <dsp:txXfrm>
+        <a:off x="1740935" y="644"/>
+        <a:ext cx="4410627" cy="1507303"/>
+      </dsp:txXfrm>
+    </dsp:sp>
+    <dsp:sp modelId="{90D542E8-0F41-446C-9EF4-5007A010A832}">
+      <dsp:nvSpPr>
+        <dsp:cNvPr id="0" name=""/>
+        <dsp:cNvSpPr/>
+      </dsp:nvSpPr>
+      <dsp:spPr>
+        <a:xfrm>
+          <a:off x="0" y="1884773"/>
+          <a:ext cx="6151562" cy="1507303"/>
+        </a:xfrm>
+        <a:prstGeom prst="roundRect">
+          <a:avLst>
+            <a:gd name="adj" fmla="val 10000"/>
+          </a:avLst>
+        </a:prstGeom>
+        <a:solidFill>
+          <a:schemeClr val="accent3">
+            <a:hueOff val="0"/>
+            <a:satOff val="0"/>
+            <a:lumOff val="0"/>
+            <a:alphaOff val="0"/>
+          </a:schemeClr>
+        </a:solidFill>
+        <a:ln>
+          <a:noFill/>
+        </a:ln>
+        <a:effectLst/>
+      </dsp:spPr>
+      <dsp:style>
+        <a:lnRef idx="0">
+          <a:scrgbClr r="0" g="0" b="0"/>
+        </a:lnRef>
+        <a:fillRef idx="1">
+          <a:scrgbClr r="0" g="0" b="0"/>
+        </a:fillRef>
+        <a:effectRef idx="0">
+          <a:scrgbClr r="0" g="0" b="0"/>
+        </a:effectRef>
+        <a:fontRef idx="minor"/>
+      </dsp:style>
+    </dsp:sp>
+    <dsp:sp modelId="{00CC035D-78D5-46F8-AF1E-7634F26E11D3}">
+      <dsp:nvSpPr>
+        <dsp:cNvPr id="0" name=""/>
+        <dsp:cNvSpPr/>
+      </dsp:nvSpPr>
+      <dsp:spPr>
+        <a:xfrm>
+          <a:off x="455959" y="2223916"/>
+          <a:ext cx="829016" cy="829016"/>
+        </a:xfrm>
+        <a:prstGeom prst="rect">
+          <a:avLst/>
+        </a:prstGeom>
+        <a:blipFill>
+          <a:blip xmlns:r="http://schemas.openxmlformats.org/officeDocument/2006/relationships" r:embed="rId3">
+            <a:extLst>
+              <a:ext uri="{28A0092B-C50C-407E-A947-70E740481C1C}">
+                <a14:useLocalDpi xmlns:a14="http://schemas.microsoft.com/office/drawing/2010/main" val="0"/>
+              </a:ext>
+              <a:ext uri="{96DAC541-7B7A-43D3-8B79-37D633B846F1}">
+                <asvg:svgBlip xmlns:asvg="http://schemas.microsoft.com/office/drawing/2016/SVG/main" r:embed="rId4"/>
+              </a:ext>
+            </a:extLst>
+          </a:blip>
+          <a:srcRect/>
+          <a:stretch>
+            <a:fillRect/>
+          </a:stretch>
+        </a:blipFill>
+        <a:ln w="12700" cap="flat" cmpd="sng" algn="ctr">
+          <a:noFill/>
+          <a:prstDash val="solid"/>
+        </a:ln>
+        <a:effectLst/>
+      </dsp:spPr>
+      <dsp:style>
+        <a:lnRef idx="2">
+          <a:scrgbClr r="0" g="0" b="0"/>
+        </a:lnRef>
+        <a:fillRef idx="1">
+          <a:scrgbClr r="0" g="0" b="0"/>
+        </a:fillRef>
+        <a:effectRef idx="0">
+          <a:scrgbClr r="0" g="0" b="0"/>
+        </a:effectRef>
+        <a:fontRef idx="minor">
+          <a:schemeClr val="lt1"/>
+        </a:fontRef>
+      </dsp:style>
+    </dsp:sp>
+    <dsp:sp modelId="{185DE906-568E-4FA5-B776-BC6A0D5FF698}">
+      <dsp:nvSpPr>
+        <dsp:cNvPr id="0" name=""/>
+        <dsp:cNvSpPr/>
+      </dsp:nvSpPr>
+      <dsp:spPr>
+        <a:xfrm>
+          <a:off x="1740935" y="1884773"/>
+          <a:ext cx="4410627" cy="1507303"/>
+        </a:xfrm>
+        <a:prstGeom prst="rect">
+          <a:avLst/>
+        </a:prstGeom>
+        <a:noFill/>
+        <a:ln>
+          <a:noFill/>
+        </a:ln>
+        <a:effectLst/>
+      </dsp:spPr>
+      <dsp:style>
+        <a:lnRef idx="0">
+          <a:scrgbClr r="0" g="0" b="0"/>
+        </a:lnRef>
+        <a:fillRef idx="0">
+          <a:scrgbClr r="0" g="0" b="0"/>
+        </a:fillRef>
+        <a:effectRef idx="0">
+          <a:scrgbClr r="0" g="0" b="0"/>
+        </a:effectRef>
+        <a:fontRef idx="minor"/>
+      </dsp:style>
+      <dsp:txBody>
+        <a:bodyPr spcFirstLastPara="0" vert="horz" wrap="square" lIns="159523" tIns="159523" rIns="159523" bIns="159523" numCol="1" spcCol="1270" anchor="ctr" anchorCtr="0">
+          <a:noAutofit/>
+        </a:bodyPr>
+        <a:lstStyle/>
+        <a:p>
+          <a:pPr marL="0" lvl="0" indent="0" algn="l" defTabSz="1111250">
+            <a:lnSpc>
+              <a:spcPct val="90000"/>
+            </a:lnSpc>
+            <a:spcBef>
+              <a:spcPct val="0"/>
+            </a:spcBef>
+            <a:spcAft>
+              <a:spcPct val="35000"/>
+            </a:spcAft>
+            <a:buNone/>
+          </a:pPr>
+          <a:r>
+            <a:rPr lang="en-GB" sz="2500" kern="1200"/>
+            <a:t>Perform a point in polygon analysis for transportation access nodes</a:t>
+          </a:r>
+          <a:endParaRPr lang="en-US" sz="2500" kern="1200"/>
+        </a:p>
+      </dsp:txBody>
+      <dsp:txXfrm>
+        <a:off x="1740935" y="1884773"/>
+        <a:ext cx="4410627" cy="1507303"/>
+      </dsp:txXfrm>
+    </dsp:sp>
+    <dsp:sp modelId="{314F77EC-FD8C-40A8-89C9-4A401E861877}">
+      <dsp:nvSpPr>
+        <dsp:cNvPr id="0" name=""/>
+        <dsp:cNvSpPr/>
+      </dsp:nvSpPr>
+      <dsp:spPr>
+        <a:xfrm>
+          <a:off x="0" y="3768902"/>
+          <a:ext cx="6151562" cy="1507303"/>
+        </a:xfrm>
+        <a:prstGeom prst="roundRect">
+          <a:avLst>
+            <a:gd name="adj" fmla="val 10000"/>
+          </a:avLst>
+        </a:prstGeom>
+        <a:solidFill>
+          <a:schemeClr val="accent4">
+            <a:hueOff val="0"/>
+            <a:satOff val="0"/>
+            <a:lumOff val="0"/>
+            <a:alphaOff val="0"/>
+          </a:schemeClr>
+        </a:solidFill>
+        <a:ln>
+          <a:noFill/>
+        </a:ln>
+        <a:effectLst/>
+      </dsp:spPr>
+      <dsp:style>
+        <a:lnRef idx="0">
+          <a:scrgbClr r="0" g="0" b="0"/>
+        </a:lnRef>
+        <a:fillRef idx="1">
+          <a:scrgbClr r="0" g="0" b="0"/>
+        </a:fillRef>
+        <a:effectRef idx="0">
+          <a:scrgbClr r="0" g="0" b="0"/>
+        </a:effectRef>
+        <a:fontRef idx="minor"/>
+      </dsp:style>
+    </dsp:sp>
+    <dsp:sp modelId="{803413CC-F730-482E-BB07-74818E94067A}">
+      <dsp:nvSpPr>
+        <dsp:cNvPr id="0" name=""/>
+        <dsp:cNvSpPr/>
+      </dsp:nvSpPr>
+      <dsp:spPr>
+        <a:xfrm>
+          <a:off x="455959" y="4108045"/>
+          <a:ext cx="829016" cy="829016"/>
+        </a:xfrm>
+        <a:prstGeom prst="rect">
+          <a:avLst/>
+        </a:prstGeom>
+        <a:blipFill>
+          <a:blip xmlns:r="http://schemas.openxmlformats.org/officeDocument/2006/relationships" r:embed="rId5">
+            <a:extLst>
+              <a:ext uri="{28A0092B-C50C-407E-A947-70E740481C1C}">
+                <a14:useLocalDpi xmlns:a14="http://schemas.microsoft.com/office/drawing/2010/main" val="0"/>
+              </a:ext>
+              <a:ext uri="{96DAC541-7B7A-43D3-8B79-37D633B846F1}">
+                <asvg:svgBlip xmlns:asvg="http://schemas.microsoft.com/office/drawing/2016/SVG/main" r:embed="rId6"/>
+              </a:ext>
+            </a:extLst>
+          </a:blip>
+          <a:stretch>
+            <a:fillRect/>
+          </a:stretch>
+        </a:blipFill>
+        <a:ln w="12700" cap="flat" cmpd="sng" algn="ctr">
+          <a:noFill/>
+          <a:prstDash val="solid"/>
+        </a:ln>
+        <a:effectLst/>
+      </dsp:spPr>
+      <dsp:style>
+        <a:lnRef idx="2">
+          <a:scrgbClr r="0" g="0" b="0"/>
+        </a:lnRef>
+        <a:fillRef idx="1">
+          <a:scrgbClr r="0" g="0" b="0"/>
+        </a:fillRef>
+        <a:effectRef idx="0">
+          <a:scrgbClr r="0" g="0" b="0"/>
+        </a:effectRef>
+        <a:fontRef idx="minor">
+          <a:schemeClr val="lt1"/>
+        </a:fontRef>
+      </dsp:style>
+    </dsp:sp>
+    <dsp:sp modelId="{ED8DADEA-9AD1-436C-BC74-BA54C4AA6238}">
+      <dsp:nvSpPr>
+        <dsp:cNvPr id="0" name=""/>
+        <dsp:cNvSpPr/>
+      </dsp:nvSpPr>
+      <dsp:spPr>
+        <a:xfrm>
+          <a:off x="1740935" y="3768902"/>
+          <a:ext cx="4410627" cy="1507303"/>
+        </a:xfrm>
+        <a:prstGeom prst="rect">
+          <a:avLst/>
+        </a:prstGeom>
+        <a:noFill/>
+        <a:ln>
+          <a:noFill/>
+        </a:ln>
+        <a:effectLst/>
+      </dsp:spPr>
+      <dsp:style>
+        <a:lnRef idx="0">
+          <a:scrgbClr r="0" g="0" b="0"/>
+        </a:lnRef>
+        <a:fillRef idx="0">
+          <a:scrgbClr r="0" g="0" b="0"/>
+        </a:fillRef>
+        <a:effectRef idx="0">
+          <a:scrgbClr r="0" g="0" b="0"/>
+        </a:effectRef>
+        <a:fontRef idx="minor"/>
+      </dsp:style>
+      <dsp:txBody>
+        <a:bodyPr spcFirstLastPara="0" vert="horz" wrap="square" lIns="159523" tIns="159523" rIns="159523" bIns="159523" numCol="1" spcCol="1270" anchor="ctr" anchorCtr="0">
+          <a:noAutofit/>
+        </a:bodyPr>
+        <a:lstStyle/>
+        <a:p>
+          <a:pPr marL="0" lvl="0" indent="0" algn="l" defTabSz="1111250">
+            <a:lnSpc>
+              <a:spcPct val="90000"/>
+            </a:lnSpc>
+            <a:spcBef>
+              <a:spcPct val="0"/>
+            </a:spcBef>
+            <a:spcAft>
+              <a:spcPct val="35000"/>
+            </a:spcAft>
+            <a:buNone/>
+          </a:pPr>
+          <a:r>
+            <a:rPr lang="en-GB" sz="2500" kern="1200"/>
+            <a:t>Turn commuting flows into average travel time data and accessibility measures</a:t>
+          </a:r>
+          <a:endParaRPr lang="en-US" sz="2500" kern="1200"/>
+        </a:p>
+      </dsp:txBody>
+      <dsp:txXfrm>
+        <a:off x="1740935" y="3768902"/>
+        <a:ext cx="4410627" cy="1507303"/>
+      </dsp:txXfrm>
+    </dsp:sp>
+  </dsp:spTree>
+</dsp:drawing>
+</file>
+
+<file path=ppt/diagrams/drawing5.xml><?xml version="1.0" encoding="utf-8"?>
+<dsp:drawing xmlns:dgm="http://schemas.openxmlformats.org/drawingml/2006/diagram" xmlns:dsp="http://schemas.microsoft.com/office/drawing/2008/diagram" xmlns:a="http://schemas.openxmlformats.org/drawingml/2006/main">
+  <dsp:spTree>
+    <dsp:nvGrpSpPr>
+      <dsp:cNvPr id="0" name=""/>
+      <dsp:cNvGrpSpPr/>
+    </dsp:nvGrpSpPr>
+    <dsp:grpSpPr/>
     <dsp:sp modelId="{503863BF-CFC1-7B47-87A5-39177013FA1F}">
       <dsp:nvSpPr>
         <dsp:cNvPr id="0" name=""/>
@@ -11528,7 +13244,7 @@
 </dsp:drawing>
 </file>
 
-<file path=ppt/diagrams/drawing5.xml><?xml version="1.0" encoding="utf-8"?>
+<file path=ppt/diagrams/drawing6.xml><?xml version="1.0" encoding="utf-8"?>
 <dsp:drawing xmlns:dgm="http://schemas.openxmlformats.org/drawingml/2006/diagram" xmlns:dsp="http://schemas.microsoft.com/office/drawing/2008/diagram" xmlns:a="http://schemas.openxmlformats.org/drawingml/2006/main">
   <dsp:spTree>
     <dsp:nvGrpSpPr>
@@ -11938,7 +13654,7 @@
 </dsp:drawing>
 </file>
 
-<file path=ppt/diagrams/drawing6.xml><?xml version="1.0" encoding="utf-8"?>
+<file path=ppt/diagrams/drawing7.xml><?xml version="1.0" encoding="utf-8"?>
 <dsp:drawing xmlns:dgm="http://schemas.openxmlformats.org/drawingml/2006/diagram" xmlns:dsp="http://schemas.microsoft.com/office/drawing/2008/diagram" xmlns:a="http://schemas.openxmlformats.org/drawingml/2006/main">
   <dsp:spTree>
     <dsp:nvGrpSpPr>
@@ -12951,7 +14667,7 @@
 </dsp:drawing>
 </file>
 
-<file path=ppt/diagrams/drawing7.xml><?xml version="1.0" encoding="utf-8"?>
+<file path=ppt/diagrams/drawing8.xml><?xml version="1.0" encoding="utf-8"?>
 <dsp:drawing xmlns:dgm="http://schemas.openxmlformats.org/drawingml/2006/diagram" xmlns:dsp="http://schemas.microsoft.com/office/drawing/2008/diagram" xmlns:a="http://schemas.openxmlformats.org/drawingml/2006/main">
   <dsp:spTree>
     <dsp:nvGrpSpPr>
@@ -15705,6 +17421,300 @@
 </file>
 
 <file path=ppt/diagrams/layout4.xml><?xml version="1.0" encoding="utf-8"?>
+<dgm:layoutDef xmlns:dgm="http://schemas.openxmlformats.org/drawingml/2006/diagram" xmlns:a="http://schemas.openxmlformats.org/drawingml/2006/main" uniqueId="urn:microsoft.com/office/officeart/2018/2/layout/IconVerticalSolidList">
+  <dgm:title val="Icon Vertical Solid List"/>
+  <dgm:desc val="Use to show a series of visuals from top to bottom with Level 1 or Level 1 and Level 2 text grouped in a shape. Works best with icons or small pictures with lengthier descriptions."/>
+  <dgm:catLst>
+    <dgm:cat type="icon" pri="500"/>
+  </dgm:catLst>
+  <dgm:sampData useDef="1">
+    <dgm:dataModel>
+      <dgm:ptLst/>
+      <dgm:bg/>
+      <dgm:whole/>
+    </dgm:dataModel>
+  </dgm:sampData>
+  <dgm:styleData useDef="1">
+    <dgm:dataModel>
+      <dgm:ptLst/>
+      <dgm:bg/>
+      <dgm:whole/>
+    </dgm:dataModel>
+  </dgm:styleData>
+  <dgm:clrData useDef="1">
+    <dgm:dataModel>
+      <dgm:ptLst/>
+      <dgm:bg/>
+      <dgm:whole/>
+    </dgm:dataModel>
+  </dgm:clrData>
+  <dgm:layoutNode name="root">
+    <dgm:varLst>
+      <dgm:dir/>
+      <dgm:resizeHandles val="exact"/>
+    </dgm:varLst>
+    <dgm:choose name="Name0">
+      <dgm:if name="Name1" axis="self" func="var" arg="dir" op="equ" val="norm">
+        <dgm:alg type="lin">
+          <dgm:param type="linDir" val="fromT"/>
+          <dgm:param type="nodeHorzAlign" val="l"/>
+        </dgm:alg>
+      </dgm:if>
+      <dgm:else name="Name2">
+        <dgm:alg type="lin">
+          <dgm:param type="linDir" val="fromT"/>
+          <dgm:param type="nodeHorzAlign" val="r"/>
+        </dgm:alg>
+      </dgm:else>
+    </dgm:choose>
+    <dgm:shape xmlns:r="http://schemas.openxmlformats.org/officeDocument/2006/relationships" r:blip="">
+      <dgm:adjLst/>
+    </dgm:shape>
+    <dgm:presOf/>
+    <dgm:choose name="Name3">
+      <dgm:if name="Name4" axis="ch" ptType="node" func="cnt" op="lte" val="3">
+        <dgm:constrLst>
+          <dgm:constr type="h" for="ch" forName="compNode" refType="h" fact="0.3"/>
+          <dgm:constr type="w" for="ch" forName="compNode" refType="w"/>
+          <dgm:constr type="h" for="ch" forName="sibTrans" refType="h" refFor="ch" refForName="compNode" fact="0.25"/>
+          <dgm:constr type="primFontSz" for="des" forName="parTx" val="25"/>
+          <dgm:constr type="primFontSz" for="des" forName="desTx" refType="primFontSz" refFor="des" refForName="parTx" op="lte" fact="0.75"/>
+          <dgm:constr type="h" for="des" forName="compNode" op="equ"/>
+          <dgm:constr type="h" for="des" forName="bgRect" op="equ"/>
+          <dgm:constr type="h" for="des" forName="iconRect" op="equ"/>
+          <dgm:constr type="w" for="des" forName="iconRect" op="equ"/>
+          <dgm:constr type="h" for="des" forName="spaceRect" op="equ"/>
+          <dgm:constr type="h" for="des" forName="parTx" op="equ"/>
+          <dgm:constr type="h" for="des" forName="desTx" op="equ"/>
+        </dgm:constrLst>
+      </dgm:if>
+      <dgm:if name="Name5" axis="ch" ptType="node" func="cnt" op="lte" val="4">
+        <dgm:constrLst>
+          <dgm:constr type="h" for="ch" forName="compNode" refType="h" fact="0.3"/>
+          <dgm:constr type="w" for="ch" forName="compNode" refType="w"/>
+          <dgm:constr type="h" for="ch" forName="sibTrans" refType="h" refFor="ch" refForName="compNode" fact="0.25"/>
+          <dgm:constr type="primFontSz" for="des" forName="parTx" val="22"/>
+          <dgm:constr type="primFontSz" for="des" forName="desTx" refType="primFontSz" refFor="des" refForName="parTx" op="lte" fact="0.75"/>
+          <dgm:constr type="h" for="des" forName="compNode" op="equ"/>
+          <dgm:constr type="h" for="des" forName="bgRect" op="equ"/>
+          <dgm:constr type="h" for="des" forName="iconRect" op="equ"/>
+          <dgm:constr type="w" for="des" forName="iconRect" op="equ"/>
+          <dgm:constr type="h" for="des" forName="spaceRect" op="equ"/>
+          <dgm:constr type="h" for="des" forName="parTx" op="equ"/>
+          <dgm:constr type="h" for="des" forName="desTx" op="equ"/>
+        </dgm:constrLst>
+      </dgm:if>
+      <dgm:if name="Name6" axis="ch" ptType="node" func="cnt" op="lte" val="6">
+        <dgm:constrLst>
+          <dgm:constr type="h" for="ch" forName="compNode" refType="h" fact="0.3"/>
+          <dgm:constr type="w" for="ch" forName="compNode" refType="w"/>
+          <dgm:constr type="h" for="ch" forName="sibTrans" refType="h" refFor="ch" refForName="compNode" fact="0.25"/>
+          <dgm:constr type="primFontSz" for="des" forName="parTx" val="19"/>
+          <dgm:constr type="primFontSz" for="des" forName="desTx" refType="primFontSz" refFor="des" refForName="parTx" op="lte" fact="0.75"/>
+          <dgm:constr type="h" for="des" forName="compNode" op="equ"/>
+          <dgm:constr type="h" for="des" forName="bgRect" op="equ"/>
+          <dgm:constr type="h" for="des" forName="iconRect" op="equ"/>
+          <dgm:constr type="w" for="des" forName="iconRect" op="equ"/>
+          <dgm:constr type="h" for="des" forName="spaceRect" op="equ"/>
+          <dgm:constr type="h" for="des" forName="parTx" op="equ"/>
+          <dgm:constr type="h" for="des" forName="desTx" op="equ"/>
+        </dgm:constrLst>
+      </dgm:if>
+      <dgm:else name="Name7">
+        <dgm:constrLst>
+          <dgm:constr type="h" for="ch" forName="compNode" refType="h" fact="0.3"/>
+          <dgm:constr type="w" for="ch" forName="compNode" refType="w"/>
+          <dgm:constr type="h" for="ch" forName="sibTrans" refType="h" refFor="ch" refForName="compNode" fact="0.25"/>
+          <dgm:constr type="primFontSz" for="des" forName="parTx" val="16"/>
+          <dgm:constr type="primFontSz" for="des" forName="desTx" refType="primFontSz" refFor="des" refForName="parTx" op="lte" fact="0.75"/>
+          <dgm:constr type="h" for="des" forName="compNode" op="equ"/>
+          <dgm:constr type="h" for="des" forName="bgRect" op="equ"/>
+          <dgm:constr type="h" for="des" forName="iconRect" op="equ"/>
+          <dgm:constr type="w" for="des" forName="iconRect" op="equ"/>
+          <dgm:constr type="h" for="des" forName="spaceRect" op="equ"/>
+          <dgm:constr type="h" for="des" forName="parTx" op="equ"/>
+          <dgm:constr type="h" for="des" forName="desTx" op="equ"/>
+        </dgm:constrLst>
+      </dgm:else>
+    </dgm:choose>
+    <dgm:ruleLst>
+      <dgm:rule type="h" for="ch" forName="compNode" val="0" fact="NaN" max="NaN"/>
+    </dgm:ruleLst>
+    <dgm:forEach name="Name8" axis="ch" ptType="node">
+      <dgm:layoutNode name="compNode">
+        <dgm:alg type="composite"/>
+        <dgm:shape xmlns:r="http://schemas.openxmlformats.org/officeDocument/2006/relationships" r:blip="">
+          <dgm:adjLst/>
+        </dgm:shape>
+        <dgm:presOf axis="self"/>
+        <dgm:choose name="Name9">
+          <dgm:if name="Name10" axis="ch" ptType="node" func="cnt" op="gte" val="1">
+            <dgm:constrLst>
+              <dgm:constr type="w" for="ch" forName="bgRect" refType="w"/>
+              <dgm:constr type="h" for="ch" forName="bgRect" refType="h"/>
+              <dgm:constr type="l" for="ch" forName="bgRect"/>
+              <dgm:constr type="t" for="ch" forName="bgRect"/>
+              <dgm:constr type="h" for="ch" forName="iconRect" refType="h" fact="0.55"/>
+              <dgm:constr type="w" for="ch" forName="iconRect" refType="h" refFor="ch" refForName="iconRect"/>
+              <dgm:constr type="l" for="ch" forName="iconRect" refType="h" refFor="ch" refForName="iconRect" fact="0.55"/>
+              <dgm:constr type="ctrY" for="ch" forName="iconRect" refType="ctrY" refFor="ch" refForName="bgRect"/>
+              <dgm:constr type="w" for="ch" forName="spaceRect" refType="l" refFor="ch" refForName="iconRect"/>
+              <dgm:constr type="h" for="ch" forName="spaceRect" refType="h"/>
+              <dgm:constr type="l" for="ch" forName="spaceRect" refType="r" refFor="ch" refForName="iconRect"/>
+              <dgm:constr type="t" for="ch" forName="spaceRect"/>
+              <dgm:constr type="w" for="ch" forName="parTx" refType="w" fact="0.45"/>
+              <dgm:constr type="h" for="ch" forName="parTx" refType="h"/>
+              <dgm:constr type="l" for="ch" forName="parTx" refType="r" refFor="ch" refForName="spaceRect"/>
+              <dgm:constr type="t" for="ch" forName="parTx"/>
+              <dgm:constr type="h" for="ch" forName="desTx" refType="h"/>
+              <dgm:constr type="l" for="ch" forName="desTx" refType="r" refFor="ch" refForName="parTx"/>
+              <dgm:constr type="t" for="ch" forName="desTx"/>
+            </dgm:constrLst>
+          </dgm:if>
+          <dgm:else name="Name11">
+            <dgm:constrLst>
+              <dgm:constr type="w" for="ch" forName="bgRect" refType="w"/>
+              <dgm:constr type="h" for="ch" forName="bgRect" refType="h"/>
+              <dgm:constr type="l" for="ch" forName="bgRect"/>
+              <dgm:constr type="t" for="ch" forName="bgRect"/>
+              <dgm:constr type="h" for="ch" forName="iconRect" refType="h" fact="0.55"/>
+              <dgm:constr type="w" for="ch" forName="iconRect" refType="h" refFor="ch" refForName="iconRect"/>
+              <dgm:constr type="l" for="ch" forName="iconRect" refType="h" refFor="ch" refForName="iconRect" fact="0.55"/>
+              <dgm:constr type="ctrY" for="ch" forName="iconRect" refType="ctrY" refFor="ch" refForName="bgRect"/>
+              <dgm:constr type="w" for="ch" forName="spaceRect" refType="l" refFor="ch" refForName="iconRect"/>
+              <dgm:constr type="h" for="ch" forName="spaceRect" refType="h"/>
+              <dgm:constr type="l" for="ch" forName="spaceRect" refType="r" refFor="ch" refForName="iconRect"/>
+              <dgm:constr type="t" for="ch" forName="spaceRect"/>
+              <dgm:constr type="h" for="ch" forName="parTx" refType="h"/>
+              <dgm:constr type="l" for="ch" forName="parTx" refType="r" refFor="ch" refForName="spaceRect"/>
+              <dgm:constr type="t" for="ch" forName="parTx"/>
+            </dgm:constrLst>
+          </dgm:else>
+        </dgm:choose>
+        <dgm:ruleLst>
+          <dgm:rule type="h" val="INF" fact="NaN" max="NaN"/>
+        </dgm:ruleLst>
+        <dgm:layoutNode name="bgRect" styleLbl="bgShp">
+          <dgm:alg type="sp"/>
+          <dgm:shape xmlns:r="http://schemas.openxmlformats.org/officeDocument/2006/relationships" type="roundRect" r:blip="">
+            <dgm:adjLst>
+              <dgm:adj idx="1" val="0.1"/>
+            </dgm:adjLst>
+          </dgm:shape>
+          <dgm:presOf/>
+          <dgm:constrLst/>
+          <dgm:ruleLst/>
+        </dgm:layoutNode>
+        <dgm:layoutNode name="iconRect" styleLbl="node1">
+          <dgm:alg type="sp"/>
+          <dgm:shape xmlns:r="http://schemas.openxmlformats.org/officeDocument/2006/relationships" type="rect" r:blip="" blipPhldr="1">
+            <dgm:adjLst/>
+          </dgm:shape>
+          <dgm:presOf/>
+          <dgm:constrLst/>
+          <dgm:ruleLst/>
+        </dgm:layoutNode>
+        <dgm:layoutNode name="spaceRect">
+          <dgm:alg type="sp"/>
+          <dgm:shape xmlns:r="http://schemas.openxmlformats.org/officeDocument/2006/relationships" r:blip="">
+            <dgm:adjLst/>
+          </dgm:shape>
+          <dgm:presOf/>
+          <dgm:constrLst/>
+          <dgm:ruleLst/>
+        </dgm:layoutNode>
+        <dgm:layoutNode name="parTx" styleLbl="revTx">
+          <dgm:varLst>
+            <dgm:chMax val="0"/>
+            <dgm:chPref val="0"/>
+          </dgm:varLst>
+          <dgm:alg type="tx">
+            <dgm:param type="txAnchorVert" val="mid"/>
+            <dgm:param type="parTxLTRAlign" val="l"/>
+            <dgm:param type="shpTxLTRAlignCh" val="l"/>
+            <dgm:param type="parTxRTLAlign" val="r"/>
+            <dgm:param type="shpTxRTLAlignCh" val="r"/>
+          </dgm:alg>
+          <dgm:shape xmlns:r="http://schemas.openxmlformats.org/officeDocument/2006/relationships" type="rect" r:blip="">
+            <dgm:adjLst/>
+          </dgm:shape>
+          <dgm:presOf axis="self" ptType="node"/>
+          <dgm:constrLst>
+            <dgm:constr type="lMarg" refType="h" fact="0.3"/>
+            <dgm:constr type="rMarg" refType="h" fact="0.3"/>
+            <dgm:constr type="tMarg" refType="h" fact="0.3"/>
+            <dgm:constr type="bMarg" refType="h" fact="0.3"/>
+          </dgm:constrLst>
+          <dgm:ruleLst>
+            <dgm:rule type="primFontSz" val="14" fact="NaN" max="NaN"/>
+            <dgm:rule type="h" val="INF" fact="NaN" max="NaN"/>
+          </dgm:ruleLst>
+        </dgm:layoutNode>
+        <dgm:choose name="Name12">
+          <dgm:if name="Name13" axis="ch" ptType="node" func="cnt" op="gte" val="1">
+            <dgm:layoutNode name="desTx" styleLbl="revTx">
+              <dgm:varLst/>
+              <dgm:alg type="tx">
+                <dgm:param type="txAnchorVertCh" val="mid"/>
+                <dgm:param type="parTxLTRAlign" val="l"/>
+                <dgm:param type="shpTxLTRAlignCh" val="l"/>
+                <dgm:param type="parTxRTLAlign" val="r"/>
+                <dgm:param type="shpTxRTLAlignCh" val="r"/>
+                <dgm:param type="stBulletLvl" val="0"/>
+              </dgm:alg>
+              <dgm:shape xmlns:r="http://schemas.openxmlformats.org/officeDocument/2006/relationships" type="rect" r:blip="">
+                <dgm:adjLst/>
+              </dgm:shape>
+              <dgm:presOf axis="des" ptType="node"/>
+              <dgm:constrLst>
+                <dgm:constr type="primFontSz" val="18"/>
+                <dgm:constr type="secFontSz" refType="primFontSz"/>
+                <dgm:constr type="lMarg" refType="h" fact="0.3"/>
+                <dgm:constr type="rMarg" refType="h" fact="0.3"/>
+                <dgm:constr type="tMarg" refType="h" fact="0.3"/>
+                <dgm:constr type="bMarg" refType="h" fact="0.3"/>
+              </dgm:constrLst>
+              <dgm:ruleLst>
+                <dgm:rule type="primFontSz" val="11" fact="NaN" max="NaN"/>
+              </dgm:ruleLst>
+            </dgm:layoutNode>
+          </dgm:if>
+          <dgm:else name="Name14"/>
+        </dgm:choose>
+      </dgm:layoutNode>
+      <dgm:forEach name="Name15" axis="followSib" ptType="sibTrans" cnt="1">
+        <dgm:layoutNode name="sibTrans">
+          <dgm:alg type="sp"/>
+          <dgm:shape xmlns:r="http://schemas.openxmlformats.org/officeDocument/2006/relationships" r:blip="">
+            <dgm:adjLst/>
+          </dgm:shape>
+          <dgm:presOf axis="self"/>
+          <dgm:constrLst/>
+          <dgm:ruleLst/>
+        </dgm:layoutNode>
+      </dgm:forEach>
+    </dgm:forEach>
+  </dgm:layoutNode>
+  <dgm:extLst>
+    <a:ext uri="{68A01E43-0DF5-4B5B-8FA6-DAF915123BFB}">
+      <dgm1612:lstStyle xmlns:dgm1612="http://schemas.microsoft.com/office/drawing/2016/12/diagram">
+        <a:lvl1pPr>
+          <a:lnSpc>
+            <a:spcPct val="100000"/>
+          </a:lnSpc>
+        </a:lvl1pPr>
+        <a:lvl2pPr>
+          <a:lnSpc>
+            <a:spcPct val="100000"/>
+          </a:lnSpc>
+        </a:lvl2pPr>
+      </dgm1612:lstStyle>
+    </a:ext>
+  </dgm:extLst>
+</dgm:layoutDef>
+</file>
+
+<file path=ppt/diagrams/layout5.xml><?xml version="1.0" encoding="utf-8"?>
 <dgm:layoutDef xmlns:dgm="http://schemas.openxmlformats.org/drawingml/2006/diagram" xmlns:a="http://schemas.openxmlformats.org/drawingml/2006/main" uniqueId="urn:microsoft.com/office/officeart/2005/8/layout/list1">
   <dgm:title val=""/>
   <dgm:desc val=""/>
@@ -15929,7 +17939,7 @@
 </dgm:layoutDef>
 </file>
 
-<file path=ppt/diagrams/layout5.xml><?xml version="1.0" encoding="utf-8"?>
+<file path=ppt/diagrams/layout6.xml><?xml version="1.0" encoding="utf-8"?>
 <dgm:layoutDef xmlns:dgm="http://schemas.openxmlformats.org/drawingml/2006/diagram" xmlns:a="http://schemas.openxmlformats.org/drawingml/2006/main" uniqueId="urn:microsoft.com/office/officeart/2005/8/layout/vProcess5">
   <dgm:title val=""/>
   <dgm:desc val=""/>
@@ -17155,7 +19165,7 @@
 </dgm:layoutDef>
 </file>
 
-<file path=ppt/diagrams/layout6.xml><?xml version="1.0" encoding="utf-8"?>
+<file path=ppt/diagrams/layout7.xml><?xml version="1.0" encoding="utf-8"?>
 <dgm:layoutDef xmlns:dgm="http://schemas.openxmlformats.org/drawingml/2006/diagram" xmlns:a="http://schemas.openxmlformats.org/drawingml/2006/main" uniqueId="urn:microsoft.com/office/officeart/2018/2/layout/IconVerticalSolidList">
   <dgm:title val="Icon Vertical Solid List"/>
   <dgm:desc val="Use to show a series of visuals from top to bottom with Level 1 or Level 1 and Level 2 text grouped in a shape. Works best with icons or small pictures with lengthier descriptions."/>
@@ -17449,7 +19459,7 @@
 </dgm:layoutDef>
 </file>
 
-<file path=ppt/diagrams/layout7.xml><?xml version="1.0" encoding="utf-8"?>
+<file path=ppt/diagrams/layout8.xml><?xml version="1.0" encoding="utf-8"?>
 <dgm:layoutDef xmlns:dgm="http://schemas.openxmlformats.org/drawingml/2006/diagram" xmlns:a="http://schemas.openxmlformats.org/drawingml/2006/main" uniqueId="urn:microsoft.com/office/officeart/2005/8/layout/vList2">
   <dgm:title val=""/>
   <dgm:desc val=""/>
@@ -20719,6 +22729,1040 @@
 </file>
 
 <file path=ppt/diagrams/quickStyle4.xml><?xml version="1.0" encoding="utf-8"?>
+<dgm:styleDef xmlns:dgm="http://schemas.openxmlformats.org/drawingml/2006/diagram" xmlns:a="http://schemas.openxmlformats.org/drawingml/2006/main" uniqueId="urn:microsoft.com/office/officeart/2005/8/quickstyle/simple1">
+  <dgm:title val=""/>
+  <dgm:desc val=""/>
+  <dgm:catLst>
+    <dgm:cat type="simple" pri="10100"/>
+  </dgm:catLst>
+  <dgm:scene3d>
+    <a:camera prst="orthographicFront"/>
+    <a:lightRig rig="threePt" dir="t"/>
+  </dgm:scene3d>
+  <dgm:styleLbl name="node0">
+    <dgm:scene3d>
+      <a:camera prst="orthographicFront"/>
+      <a:lightRig rig="threePt" dir="t"/>
+    </dgm:scene3d>
+    <dgm:sp3d/>
+    <dgm:txPr/>
+    <dgm:style>
+      <a:lnRef idx="2">
+        <a:scrgbClr r="0" g="0" b="0"/>
+      </a:lnRef>
+      <a:fillRef idx="1">
+        <a:scrgbClr r="0" g="0" b="0"/>
+      </a:fillRef>
+      <a:effectRef idx="0">
+        <a:scrgbClr r="0" g="0" b="0"/>
+      </a:effectRef>
+      <a:fontRef idx="minor">
+        <a:schemeClr val="lt1"/>
+      </a:fontRef>
+    </dgm:style>
+  </dgm:styleLbl>
+  <dgm:styleLbl name="lnNode1">
+    <dgm:scene3d>
+      <a:camera prst="orthographicFront"/>
+      <a:lightRig rig="threePt" dir="t"/>
+    </dgm:scene3d>
+    <dgm:sp3d/>
+    <dgm:txPr/>
+    <dgm:style>
+      <a:lnRef idx="2">
+        <a:scrgbClr r="0" g="0" b="0"/>
+      </a:lnRef>
+      <a:fillRef idx="1">
+        <a:scrgbClr r="0" g="0" b="0"/>
+      </a:fillRef>
+      <a:effectRef idx="0">
+        <a:scrgbClr r="0" g="0" b="0"/>
+      </a:effectRef>
+      <a:fontRef idx="minor">
+        <a:schemeClr val="lt1"/>
+      </a:fontRef>
+    </dgm:style>
+  </dgm:styleLbl>
+  <dgm:styleLbl name="vennNode1">
+    <dgm:scene3d>
+      <a:camera prst="orthographicFront"/>
+      <a:lightRig rig="threePt" dir="t"/>
+    </dgm:scene3d>
+    <dgm:sp3d/>
+    <dgm:txPr/>
+    <dgm:style>
+      <a:lnRef idx="2">
+        <a:scrgbClr r="0" g="0" b="0"/>
+      </a:lnRef>
+      <a:fillRef idx="1">
+        <a:scrgbClr r="0" g="0" b="0"/>
+      </a:fillRef>
+      <a:effectRef idx="0">
+        <a:scrgbClr r="0" g="0" b="0"/>
+      </a:effectRef>
+      <a:fontRef idx="minor">
+        <a:schemeClr val="tx1"/>
+      </a:fontRef>
+    </dgm:style>
+  </dgm:styleLbl>
+  <dgm:styleLbl name="alignNode1">
+    <dgm:scene3d>
+      <a:camera prst="orthographicFront"/>
+      <a:lightRig rig="threePt" dir="t"/>
+    </dgm:scene3d>
+    <dgm:sp3d/>
+    <dgm:txPr/>
+    <dgm:style>
+      <a:lnRef idx="2">
+        <a:scrgbClr r="0" g="0" b="0"/>
+      </a:lnRef>
+      <a:fillRef idx="1">
+        <a:scrgbClr r="0" g="0" b="0"/>
+      </a:fillRef>
+      <a:effectRef idx="0">
+        <a:scrgbClr r="0" g="0" b="0"/>
+      </a:effectRef>
+      <a:fontRef idx="minor">
+        <a:schemeClr val="lt1"/>
+      </a:fontRef>
+    </dgm:style>
+  </dgm:styleLbl>
+  <dgm:styleLbl name="node1">
+    <dgm:scene3d>
+      <a:camera prst="orthographicFront"/>
+      <a:lightRig rig="threePt" dir="t"/>
+    </dgm:scene3d>
+    <dgm:sp3d/>
+    <dgm:txPr/>
+    <dgm:style>
+      <a:lnRef idx="2">
+        <a:scrgbClr r="0" g="0" b="0"/>
+      </a:lnRef>
+      <a:fillRef idx="1">
+        <a:scrgbClr r="0" g="0" b="0"/>
+      </a:fillRef>
+      <a:effectRef idx="0">
+        <a:scrgbClr r="0" g="0" b="0"/>
+      </a:effectRef>
+      <a:fontRef idx="minor">
+        <a:schemeClr val="lt1"/>
+      </a:fontRef>
+    </dgm:style>
+  </dgm:styleLbl>
+  <dgm:styleLbl name="node2">
+    <dgm:scene3d>
+      <a:camera prst="orthographicFront"/>
+      <a:lightRig rig="threePt" dir="t"/>
+    </dgm:scene3d>
+    <dgm:sp3d/>
+    <dgm:txPr/>
+    <dgm:style>
+      <a:lnRef idx="2">
+        <a:scrgbClr r="0" g="0" b="0"/>
+      </a:lnRef>
+      <a:fillRef idx="1">
+        <a:scrgbClr r="0" g="0" b="0"/>
+      </a:fillRef>
+      <a:effectRef idx="0">
+        <a:scrgbClr r="0" g="0" b="0"/>
+      </a:effectRef>
+      <a:fontRef idx="minor">
+        <a:schemeClr val="lt1"/>
+      </a:fontRef>
+    </dgm:style>
+  </dgm:styleLbl>
+  <dgm:styleLbl name="node3">
+    <dgm:scene3d>
+      <a:camera prst="orthographicFront"/>
+      <a:lightRig rig="threePt" dir="t"/>
+    </dgm:scene3d>
+    <dgm:sp3d/>
+    <dgm:txPr/>
+    <dgm:style>
+      <a:lnRef idx="2">
+        <a:scrgbClr r="0" g="0" b="0"/>
+      </a:lnRef>
+      <a:fillRef idx="1">
+        <a:scrgbClr r="0" g="0" b="0"/>
+      </a:fillRef>
+      <a:effectRef idx="0">
+        <a:scrgbClr r="0" g="0" b="0"/>
+      </a:effectRef>
+      <a:fontRef idx="minor">
+        <a:schemeClr val="lt1"/>
+      </a:fontRef>
+    </dgm:style>
+  </dgm:styleLbl>
+  <dgm:styleLbl name="node4">
+    <dgm:scene3d>
+      <a:camera prst="orthographicFront"/>
+      <a:lightRig rig="threePt" dir="t"/>
+    </dgm:scene3d>
+    <dgm:sp3d/>
+    <dgm:txPr/>
+    <dgm:style>
+      <a:lnRef idx="2">
+        <a:scrgbClr r="0" g="0" b="0"/>
+      </a:lnRef>
+      <a:fillRef idx="1">
+        <a:scrgbClr r="0" g="0" b="0"/>
+      </a:fillRef>
+      <a:effectRef idx="0">
+        <a:scrgbClr r="0" g="0" b="0"/>
+      </a:effectRef>
+      <a:fontRef idx="minor">
+        <a:schemeClr val="lt1"/>
+      </a:fontRef>
+    </dgm:style>
+  </dgm:styleLbl>
+  <dgm:styleLbl name="fgImgPlace1">
+    <dgm:scene3d>
+      <a:camera prst="orthographicFront"/>
+      <a:lightRig rig="threePt" dir="t"/>
+    </dgm:scene3d>
+    <dgm:sp3d/>
+    <dgm:txPr/>
+    <dgm:style>
+      <a:lnRef idx="2">
+        <a:scrgbClr r="0" g="0" b="0"/>
+      </a:lnRef>
+      <a:fillRef idx="1">
+        <a:scrgbClr r="0" g="0" b="0"/>
+      </a:fillRef>
+      <a:effectRef idx="0">
+        <a:scrgbClr r="0" g="0" b="0"/>
+      </a:effectRef>
+      <a:fontRef idx="minor"/>
+    </dgm:style>
+  </dgm:styleLbl>
+  <dgm:styleLbl name="alignImgPlace1">
+    <dgm:scene3d>
+      <a:camera prst="orthographicFront"/>
+      <a:lightRig rig="threePt" dir="t"/>
+    </dgm:scene3d>
+    <dgm:sp3d/>
+    <dgm:txPr/>
+    <dgm:style>
+      <a:lnRef idx="2">
+        <a:scrgbClr r="0" g="0" b="0"/>
+      </a:lnRef>
+      <a:fillRef idx="1">
+        <a:scrgbClr r="0" g="0" b="0"/>
+      </a:fillRef>
+      <a:effectRef idx="0">
+        <a:scrgbClr r="0" g="0" b="0"/>
+      </a:effectRef>
+      <a:fontRef idx="minor"/>
+    </dgm:style>
+  </dgm:styleLbl>
+  <dgm:styleLbl name="bgImgPlace1">
+    <dgm:scene3d>
+      <a:camera prst="orthographicFront"/>
+      <a:lightRig rig="threePt" dir="t"/>
+    </dgm:scene3d>
+    <dgm:sp3d/>
+    <dgm:txPr/>
+    <dgm:style>
+      <a:lnRef idx="2">
+        <a:scrgbClr r="0" g="0" b="0"/>
+      </a:lnRef>
+      <a:fillRef idx="1">
+        <a:scrgbClr r="0" g="0" b="0"/>
+      </a:fillRef>
+      <a:effectRef idx="0">
+        <a:scrgbClr r="0" g="0" b="0"/>
+      </a:effectRef>
+      <a:fontRef idx="minor"/>
+    </dgm:style>
+  </dgm:styleLbl>
+  <dgm:styleLbl name="sibTrans2D1">
+    <dgm:scene3d>
+      <a:camera prst="orthographicFront"/>
+      <a:lightRig rig="threePt" dir="t"/>
+    </dgm:scene3d>
+    <dgm:sp3d/>
+    <dgm:txPr/>
+    <dgm:style>
+      <a:lnRef idx="0">
+        <a:scrgbClr r="0" g="0" b="0"/>
+      </a:lnRef>
+      <a:fillRef idx="1">
+        <a:scrgbClr r="0" g="0" b="0"/>
+      </a:fillRef>
+      <a:effectRef idx="0">
+        <a:scrgbClr r="0" g="0" b="0"/>
+      </a:effectRef>
+      <a:fontRef idx="minor">
+        <a:schemeClr val="lt1"/>
+      </a:fontRef>
+    </dgm:style>
+  </dgm:styleLbl>
+  <dgm:styleLbl name="fgSibTrans2D1">
+    <dgm:scene3d>
+      <a:camera prst="orthographicFront"/>
+      <a:lightRig rig="threePt" dir="t"/>
+    </dgm:scene3d>
+    <dgm:sp3d/>
+    <dgm:txPr/>
+    <dgm:style>
+      <a:lnRef idx="0">
+        <a:scrgbClr r="0" g="0" b="0"/>
+      </a:lnRef>
+      <a:fillRef idx="1">
+        <a:scrgbClr r="0" g="0" b="0"/>
+      </a:fillRef>
+      <a:effectRef idx="0">
+        <a:scrgbClr r="0" g="0" b="0"/>
+      </a:effectRef>
+      <a:fontRef idx="minor">
+        <a:schemeClr val="lt1"/>
+      </a:fontRef>
+    </dgm:style>
+  </dgm:styleLbl>
+  <dgm:styleLbl name="bgSibTrans2D1">
+    <dgm:scene3d>
+      <a:camera prst="orthographicFront"/>
+      <a:lightRig rig="threePt" dir="t"/>
+    </dgm:scene3d>
+    <dgm:sp3d/>
+    <dgm:txPr/>
+    <dgm:style>
+      <a:lnRef idx="0">
+        <a:scrgbClr r="0" g="0" b="0"/>
+      </a:lnRef>
+      <a:fillRef idx="1">
+        <a:scrgbClr r="0" g="0" b="0"/>
+      </a:fillRef>
+      <a:effectRef idx="0">
+        <a:scrgbClr r="0" g="0" b="0"/>
+      </a:effectRef>
+      <a:fontRef idx="minor">
+        <a:schemeClr val="lt1"/>
+      </a:fontRef>
+    </dgm:style>
+  </dgm:styleLbl>
+  <dgm:styleLbl name="sibTrans1D1">
+    <dgm:scene3d>
+      <a:camera prst="orthographicFront"/>
+      <a:lightRig rig="threePt" dir="t"/>
+    </dgm:scene3d>
+    <dgm:sp3d/>
+    <dgm:txPr/>
+    <dgm:style>
+      <a:lnRef idx="1">
+        <a:scrgbClr r="0" g="0" b="0"/>
+      </a:lnRef>
+      <a:fillRef idx="0">
+        <a:scrgbClr r="0" g="0" b="0"/>
+      </a:fillRef>
+      <a:effectRef idx="0">
+        <a:scrgbClr r="0" g="0" b="0"/>
+      </a:effectRef>
+      <a:fontRef idx="minor"/>
+    </dgm:style>
+  </dgm:styleLbl>
+  <dgm:styleLbl name="callout">
+    <dgm:scene3d>
+      <a:camera prst="orthographicFront"/>
+      <a:lightRig rig="threePt" dir="t"/>
+    </dgm:scene3d>
+    <dgm:sp3d/>
+    <dgm:txPr/>
+    <dgm:style>
+      <a:lnRef idx="2">
+        <a:scrgbClr r="0" g="0" b="0"/>
+      </a:lnRef>
+      <a:fillRef idx="1">
+        <a:scrgbClr r="0" g="0" b="0"/>
+      </a:fillRef>
+      <a:effectRef idx="0">
+        <a:scrgbClr r="0" g="0" b="0"/>
+      </a:effectRef>
+      <a:fontRef idx="minor"/>
+    </dgm:style>
+  </dgm:styleLbl>
+  <dgm:styleLbl name="asst0">
+    <dgm:scene3d>
+      <a:camera prst="orthographicFront"/>
+      <a:lightRig rig="threePt" dir="t"/>
+    </dgm:scene3d>
+    <dgm:sp3d/>
+    <dgm:txPr/>
+    <dgm:style>
+      <a:lnRef idx="2">
+        <a:scrgbClr r="0" g="0" b="0"/>
+      </a:lnRef>
+      <a:fillRef idx="1">
+        <a:scrgbClr r="0" g="0" b="0"/>
+      </a:fillRef>
+      <a:effectRef idx="0">
+        <a:scrgbClr r="0" g="0" b="0"/>
+      </a:effectRef>
+      <a:fontRef idx="minor">
+        <a:schemeClr val="lt1"/>
+      </a:fontRef>
+    </dgm:style>
+  </dgm:styleLbl>
+  <dgm:styleLbl name="asst1">
+    <dgm:scene3d>
+      <a:camera prst="orthographicFront"/>
+      <a:lightRig rig="threePt" dir="t"/>
+    </dgm:scene3d>
+    <dgm:sp3d/>
+    <dgm:txPr/>
+    <dgm:style>
+      <a:lnRef idx="2">
+        <a:scrgbClr r="0" g="0" b="0"/>
+      </a:lnRef>
+      <a:fillRef idx="1">
+        <a:scrgbClr r="0" g="0" b="0"/>
+      </a:fillRef>
+      <a:effectRef idx="0">
+        <a:scrgbClr r="0" g="0" b="0"/>
+      </a:effectRef>
+      <a:fontRef idx="minor">
+        <a:schemeClr val="lt1"/>
+      </a:fontRef>
+    </dgm:style>
+  </dgm:styleLbl>
+  <dgm:styleLbl name="asst2">
+    <dgm:scene3d>
+      <a:camera prst="orthographicFront"/>
+      <a:lightRig rig="threePt" dir="t"/>
+    </dgm:scene3d>
+    <dgm:sp3d/>
+    <dgm:txPr/>
+    <dgm:style>
+      <a:lnRef idx="2">
+        <a:scrgbClr r="0" g="0" b="0"/>
+      </a:lnRef>
+      <a:fillRef idx="1">
+        <a:scrgbClr r="0" g="0" b="0"/>
+      </a:fillRef>
+      <a:effectRef idx="0">
+        <a:scrgbClr r="0" g="0" b="0"/>
+      </a:effectRef>
+      <a:fontRef idx="minor">
+        <a:schemeClr val="lt1"/>
+      </a:fontRef>
+    </dgm:style>
+  </dgm:styleLbl>
+  <dgm:styleLbl name="asst3">
+    <dgm:scene3d>
+      <a:camera prst="orthographicFront"/>
+      <a:lightRig rig="threePt" dir="t"/>
+    </dgm:scene3d>
+    <dgm:sp3d/>
+    <dgm:txPr/>
+    <dgm:style>
+      <a:lnRef idx="2">
+        <a:scrgbClr r="0" g="0" b="0"/>
+      </a:lnRef>
+      <a:fillRef idx="1">
+        <a:scrgbClr r="0" g="0" b="0"/>
+      </a:fillRef>
+      <a:effectRef idx="0">
+        <a:scrgbClr r="0" g="0" b="0"/>
+      </a:effectRef>
+      <a:fontRef idx="minor">
+        <a:schemeClr val="lt1"/>
+      </a:fontRef>
+    </dgm:style>
+  </dgm:styleLbl>
+  <dgm:styleLbl name="asst4">
+    <dgm:scene3d>
+      <a:camera prst="orthographicFront"/>
+      <a:lightRig rig="threePt" dir="t"/>
+    </dgm:scene3d>
+    <dgm:sp3d/>
+    <dgm:txPr/>
+    <dgm:style>
+      <a:lnRef idx="2">
+        <a:scrgbClr r="0" g="0" b="0"/>
+      </a:lnRef>
+      <a:fillRef idx="1">
+        <a:scrgbClr r="0" g="0" b="0"/>
+      </a:fillRef>
+      <a:effectRef idx="0">
+        <a:scrgbClr r="0" g="0" b="0"/>
+      </a:effectRef>
+      <a:fontRef idx="minor">
+        <a:schemeClr val="lt1"/>
+      </a:fontRef>
+    </dgm:style>
+  </dgm:styleLbl>
+  <dgm:styleLbl name="parChTrans2D1">
+    <dgm:scene3d>
+      <a:camera prst="orthographicFront"/>
+      <a:lightRig rig="threePt" dir="t"/>
+    </dgm:scene3d>
+    <dgm:sp3d/>
+    <dgm:txPr/>
+    <dgm:style>
+      <a:lnRef idx="2">
+        <a:scrgbClr r="0" g="0" b="0"/>
+      </a:lnRef>
+      <a:fillRef idx="1">
+        <a:scrgbClr r="0" g="0" b="0"/>
+      </a:fillRef>
+      <a:effectRef idx="0">
+        <a:scrgbClr r="0" g="0" b="0"/>
+      </a:effectRef>
+      <a:fontRef idx="minor">
+        <a:schemeClr val="lt1"/>
+      </a:fontRef>
+    </dgm:style>
+  </dgm:styleLbl>
+  <dgm:styleLbl name="parChTrans2D2">
+    <dgm:scene3d>
+      <a:camera prst="orthographicFront"/>
+      <a:lightRig rig="threePt" dir="t"/>
+    </dgm:scene3d>
+    <dgm:sp3d/>
+    <dgm:txPr/>
+    <dgm:style>
+      <a:lnRef idx="2">
+        <a:scrgbClr r="0" g="0" b="0"/>
+      </a:lnRef>
+      <a:fillRef idx="1">
+        <a:scrgbClr r="0" g="0" b="0"/>
+      </a:fillRef>
+      <a:effectRef idx="0">
+        <a:scrgbClr r="0" g="0" b="0"/>
+      </a:effectRef>
+      <a:fontRef idx="minor">
+        <a:schemeClr val="lt1"/>
+      </a:fontRef>
+    </dgm:style>
+  </dgm:styleLbl>
+  <dgm:styleLbl name="parChTrans2D3">
+    <dgm:scene3d>
+      <a:camera prst="orthographicFront"/>
+      <a:lightRig rig="threePt" dir="t"/>
+    </dgm:scene3d>
+    <dgm:sp3d/>
+    <dgm:txPr/>
+    <dgm:style>
+      <a:lnRef idx="2">
+        <a:scrgbClr r="0" g="0" b="0"/>
+      </a:lnRef>
+      <a:fillRef idx="1">
+        <a:scrgbClr r="0" g="0" b="0"/>
+      </a:fillRef>
+      <a:effectRef idx="0">
+        <a:scrgbClr r="0" g="0" b="0"/>
+      </a:effectRef>
+      <a:fontRef idx="minor">
+        <a:schemeClr val="lt1"/>
+      </a:fontRef>
+    </dgm:style>
+  </dgm:styleLbl>
+  <dgm:styleLbl name="parChTrans2D4">
+    <dgm:scene3d>
+      <a:camera prst="orthographicFront"/>
+      <a:lightRig rig="threePt" dir="t"/>
+    </dgm:scene3d>
+    <dgm:sp3d/>
+    <dgm:txPr/>
+    <dgm:style>
+      <a:lnRef idx="2">
+        <a:scrgbClr r="0" g="0" b="0"/>
+      </a:lnRef>
+      <a:fillRef idx="1">
+        <a:scrgbClr r="0" g="0" b="0"/>
+      </a:fillRef>
+      <a:effectRef idx="0">
+        <a:scrgbClr r="0" g="0" b="0"/>
+      </a:effectRef>
+      <a:fontRef idx="minor">
+        <a:schemeClr val="lt1"/>
+      </a:fontRef>
+    </dgm:style>
+  </dgm:styleLbl>
+  <dgm:styleLbl name="parChTrans1D1">
+    <dgm:scene3d>
+      <a:camera prst="orthographicFront"/>
+      <a:lightRig rig="threePt" dir="t"/>
+    </dgm:scene3d>
+    <dgm:sp3d/>
+    <dgm:txPr/>
+    <dgm:style>
+      <a:lnRef idx="2">
+        <a:scrgbClr r="0" g="0" b="0"/>
+      </a:lnRef>
+      <a:fillRef idx="0">
+        <a:scrgbClr r="0" g="0" b="0"/>
+      </a:fillRef>
+      <a:effectRef idx="0">
+        <a:scrgbClr r="0" g="0" b="0"/>
+      </a:effectRef>
+      <a:fontRef idx="minor"/>
+    </dgm:style>
+  </dgm:styleLbl>
+  <dgm:styleLbl name="parChTrans1D2">
+    <dgm:scene3d>
+      <a:camera prst="orthographicFront"/>
+      <a:lightRig rig="threePt" dir="t"/>
+    </dgm:scene3d>
+    <dgm:sp3d/>
+    <dgm:txPr/>
+    <dgm:style>
+      <a:lnRef idx="2">
+        <a:scrgbClr r="0" g="0" b="0"/>
+      </a:lnRef>
+      <a:fillRef idx="0">
+        <a:scrgbClr r="0" g="0" b="0"/>
+      </a:fillRef>
+      <a:effectRef idx="0">
+        <a:scrgbClr r="0" g="0" b="0"/>
+      </a:effectRef>
+      <a:fontRef idx="minor"/>
+    </dgm:style>
+  </dgm:styleLbl>
+  <dgm:styleLbl name="parChTrans1D3">
+    <dgm:scene3d>
+      <a:camera prst="orthographicFront"/>
+      <a:lightRig rig="threePt" dir="t"/>
+    </dgm:scene3d>
+    <dgm:sp3d/>
+    <dgm:txPr/>
+    <dgm:style>
+      <a:lnRef idx="2">
+        <a:scrgbClr r="0" g="0" b="0"/>
+      </a:lnRef>
+      <a:fillRef idx="0">
+        <a:scrgbClr r="0" g="0" b="0"/>
+      </a:fillRef>
+      <a:effectRef idx="0">
+        <a:scrgbClr r="0" g="0" b="0"/>
+      </a:effectRef>
+      <a:fontRef idx="minor"/>
+    </dgm:style>
+  </dgm:styleLbl>
+  <dgm:styleLbl name="parChTrans1D4">
+    <dgm:scene3d>
+      <a:camera prst="orthographicFront"/>
+      <a:lightRig rig="threePt" dir="t"/>
+    </dgm:scene3d>
+    <dgm:sp3d/>
+    <dgm:txPr/>
+    <dgm:style>
+      <a:lnRef idx="2">
+        <a:scrgbClr r="0" g="0" b="0"/>
+      </a:lnRef>
+      <a:fillRef idx="0">
+        <a:scrgbClr r="0" g="0" b="0"/>
+      </a:fillRef>
+      <a:effectRef idx="0">
+        <a:scrgbClr r="0" g="0" b="0"/>
+      </a:effectRef>
+      <a:fontRef idx="minor"/>
+    </dgm:style>
+  </dgm:styleLbl>
+  <dgm:styleLbl name="fgAcc1">
+    <dgm:scene3d>
+      <a:camera prst="orthographicFront"/>
+      <a:lightRig rig="threePt" dir="t"/>
+    </dgm:scene3d>
+    <dgm:sp3d/>
+    <dgm:txPr/>
+    <dgm:style>
+      <a:lnRef idx="2">
+        <a:scrgbClr r="0" g="0" b="0"/>
+      </a:lnRef>
+      <a:fillRef idx="1">
+        <a:scrgbClr r="0" g="0" b="0"/>
+      </a:fillRef>
+      <a:effectRef idx="0">
+        <a:scrgbClr r="0" g="0" b="0"/>
+      </a:effectRef>
+      <a:fontRef idx="minor"/>
+    </dgm:style>
+  </dgm:styleLbl>
+  <dgm:styleLbl name="conFgAcc1">
+    <dgm:scene3d>
+      <a:camera prst="orthographicFront"/>
+      <a:lightRig rig="threePt" dir="t"/>
+    </dgm:scene3d>
+    <dgm:sp3d/>
+    <dgm:txPr/>
+    <dgm:style>
+      <a:lnRef idx="2">
+        <a:scrgbClr r="0" g="0" b="0"/>
+      </a:lnRef>
+      <a:fillRef idx="1">
+        <a:scrgbClr r="0" g="0" b="0"/>
+      </a:fillRef>
+      <a:effectRef idx="0">
+        <a:scrgbClr r="0" g="0" b="0"/>
+      </a:effectRef>
+      <a:fontRef idx="minor"/>
+    </dgm:style>
+  </dgm:styleLbl>
+  <dgm:styleLbl name="alignAcc1">
+    <dgm:scene3d>
+      <a:camera prst="orthographicFront"/>
+      <a:lightRig rig="threePt" dir="t"/>
+    </dgm:scene3d>
+    <dgm:sp3d/>
+    <dgm:txPr/>
+    <dgm:style>
+      <a:lnRef idx="2">
+        <a:scrgbClr r="0" g="0" b="0"/>
+      </a:lnRef>
+      <a:fillRef idx="1">
+        <a:scrgbClr r="0" g="0" b="0"/>
+      </a:fillRef>
+      <a:effectRef idx="0">
+        <a:scrgbClr r="0" g="0" b="0"/>
+      </a:effectRef>
+      <a:fontRef idx="minor"/>
+    </dgm:style>
+  </dgm:styleLbl>
+  <dgm:styleLbl name="trAlignAcc1">
+    <dgm:scene3d>
+      <a:camera prst="orthographicFront"/>
+      <a:lightRig rig="threePt" dir="t"/>
+    </dgm:scene3d>
+    <dgm:sp3d/>
+    <dgm:txPr/>
+    <dgm:style>
+      <a:lnRef idx="1">
+        <a:scrgbClr r="0" g="0" b="0"/>
+      </a:lnRef>
+      <a:fillRef idx="1">
+        <a:scrgbClr r="0" g="0" b="0"/>
+      </a:fillRef>
+      <a:effectRef idx="0">
+        <a:scrgbClr r="0" g="0" b="0"/>
+      </a:effectRef>
+      <a:fontRef idx="minor"/>
+    </dgm:style>
+  </dgm:styleLbl>
+  <dgm:styleLbl name="bgAcc1">
+    <dgm:scene3d>
+      <a:camera prst="orthographicFront"/>
+      <a:lightRig rig="threePt" dir="t"/>
+    </dgm:scene3d>
+    <dgm:sp3d/>
+    <dgm:txPr/>
+    <dgm:style>
+      <a:lnRef idx="2">
+        <a:scrgbClr r="0" g="0" b="0"/>
+      </a:lnRef>
+      <a:fillRef idx="1">
+        <a:scrgbClr r="0" g="0" b="0"/>
+      </a:fillRef>
+      <a:effectRef idx="0">
+        <a:scrgbClr r="0" g="0" b="0"/>
+      </a:effectRef>
+      <a:fontRef idx="minor"/>
+    </dgm:style>
+  </dgm:styleLbl>
+  <dgm:styleLbl name="solidFgAcc1">
+    <dgm:scene3d>
+      <a:camera prst="orthographicFront"/>
+      <a:lightRig rig="threePt" dir="t"/>
+    </dgm:scene3d>
+    <dgm:sp3d/>
+    <dgm:txPr/>
+    <dgm:style>
+      <a:lnRef idx="2">
+        <a:scrgbClr r="0" g="0" b="0"/>
+      </a:lnRef>
+      <a:fillRef idx="1">
+        <a:scrgbClr r="0" g="0" b="0"/>
+      </a:fillRef>
+      <a:effectRef idx="0">
+        <a:scrgbClr r="0" g="0" b="0"/>
+      </a:effectRef>
+      <a:fontRef idx="minor"/>
+    </dgm:style>
+  </dgm:styleLbl>
+  <dgm:styleLbl name="solidAlignAcc1">
+    <dgm:scene3d>
+      <a:camera prst="orthographicFront"/>
+      <a:lightRig rig="threePt" dir="t"/>
+    </dgm:scene3d>
+    <dgm:sp3d/>
+    <dgm:txPr/>
+    <dgm:style>
+      <a:lnRef idx="2">
+        <a:scrgbClr r="0" g="0" b="0"/>
+      </a:lnRef>
+      <a:fillRef idx="1">
+        <a:scrgbClr r="0" g="0" b="0"/>
+      </a:fillRef>
+      <a:effectRef idx="0">
+        <a:scrgbClr r="0" g="0" b="0"/>
+      </a:effectRef>
+      <a:fontRef idx="minor"/>
+    </dgm:style>
+  </dgm:styleLbl>
+  <dgm:styleLbl name="solidBgAcc1">
+    <dgm:scene3d>
+      <a:camera prst="orthographicFront"/>
+      <a:lightRig rig="threePt" dir="t"/>
+    </dgm:scene3d>
+    <dgm:sp3d/>
+    <dgm:txPr/>
+    <dgm:style>
+      <a:lnRef idx="2">
+        <a:scrgbClr r="0" g="0" b="0"/>
+      </a:lnRef>
+      <a:fillRef idx="1">
+        <a:scrgbClr r="0" g="0" b="0"/>
+      </a:fillRef>
+      <a:effectRef idx="0">
+        <a:scrgbClr r="0" g="0" b="0"/>
+      </a:effectRef>
+      <a:fontRef idx="minor"/>
+    </dgm:style>
+  </dgm:styleLbl>
+  <dgm:styleLbl name="fgAccFollowNode1">
+    <dgm:scene3d>
+      <a:camera prst="orthographicFront"/>
+      <a:lightRig rig="threePt" dir="t"/>
+    </dgm:scene3d>
+    <dgm:sp3d/>
+    <dgm:txPr/>
+    <dgm:style>
+      <a:lnRef idx="2">
+        <a:scrgbClr r="0" g="0" b="0"/>
+      </a:lnRef>
+      <a:fillRef idx="1">
+        <a:scrgbClr r="0" g="0" b="0"/>
+      </a:fillRef>
+      <a:effectRef idx="0">
+        <a:scrgbClr r="0" g="0" b="0"/>
+      </a:effectRef>
+      <a:fontRef idx="minor"/>
+    </dgm:style>
+  </dgm:styleLbl>
+  <dgm:styleLbl name="alignAccFollowNode1">
+    <dgm:scene3d>
+      <a:camera prst="orthographicFront"/>
+      <a:lightRig rig="threePt" dir="t"/>
+    </dgm:scene3d>
+    <dgm:sp3d/>
+    <dgm:txPr/>
+    <dgm:style>
+      <a:lnRef idx="2">
+        <a:scrgbClr r="0" g="0" b="0"/>
+      </a:lnRef>
+      <a:fillRef idx="1">
+        <a:scrgbClr r="0" g="0" b="0"/>
+      </a:fillRef>
+      <a:effectRef idx="0">
+        <a:scrgbClr r="0" g="0" b="0"/>
+      </a:effectRef>
+      <a:fontRef idx="minor"/>
+    </dgm:style>
+  </dgm:styleLbl>
+  <dgm:styleLbl name="bgAccFollowNode1">
+    <dgm:scene3d>
+      <a:camera prst="orthographicFront"/>
+      <a:lightRig rig="threePt" dir="t"/>
+    </dgm:scene3d>
+    <dgm:sp3d/>
+    <dgm:txPr/>
+    <dgm:style>
+      <a:lnRef idx="2">
+        <a:scrgbClr r="0" g="0" b="0"/>
+      </a:lnRef>
+      <a:fillRef idx="1">
+        <a:scrgbClr r="0" g="0" b="0"/>
+      </a:fillRef>
+      <a:effectRef idx="0">
+        <a:scrgbClr r="0" g="0" b="0"/>
+      </a:effectRef>
+      <a:fontRef idx="minor"/>
+    </dgm:style>
+  </dgm:styleLbl>
+  <dgm:styleLbl name="fgAcc0">
+    <dgm:scene3d>
+      <a:camera prst="orthographicFront"/>
+      <a:lightRig rig="threePt" dir="t"/>
+    </dgm:scene3d>
+    <dgm:sp3d/>
+    <dgm:txPr/>
+    <dgm:style>
+      <a:lnRef idx="2">
+        <a:scrgbClr r="0" g="0" b="0"/>
+      </a:lnRef>
+      <a:fillRef idx="1">
+        <a:scrgbClr r="0" g="0" b="0"/>
+      </a:fillRef>
+      <a:effectRef idx="0">
+        <a:scrgbClr r="0" g="0" b="0"/>
+      </a:effectRef>
+      <a:fontRef idx="minor"/>
+    </dgm:style>
+  </dgm:styleLbl>
+  <dgm:styleLbl name="fgAcc2">
+    <dgm:scene3d>
+      <a:camera prst="orthographicFront"/>
+      <a:lightRig rig="threePt" dir="t"/>
+    </dgm:scene3d>
+    <dgm:sp3d/>
+    <dgm:txPr/>
+    <dgm:style>
+      <a:lnRef idx="2">
+        <a:scrgbClr r="0" g="0" b="0"/>
+      </a:lnRef>
+      <a:fillRef idx="1">
+        <a:scrgbClr r="0" g="0" b="0"/>
+      </a:fillRef>
+      <a:effectRef idx="0">
+        <a:scrgbClr r="0" g="0" b="0"/>
+      </a:effectRef>
+      <a:fontRef idx="minor"/>
+    </dgm:style>
+  </dgm:styleLbl>
+  <dgm:styleLbl name="fgAcc3">
+    <dgm:scene3d>
+      <a:camera prst="orthographicFront"/>
+      <a:lightRig rig="threePt" dir="t"/>
+    </dgm:scene3d>
+    <dgm:sp3d/>
+    <dgm:txPr/>
+    <dgm:style>
+      <a:lnRef idx="2">
+        <a:scrgbClr r="0" g="0" b="0"/>
+      </a:lnRef>
+      <a:fillRef idx="1">
+        <a:scrgbClr r="0" g="0" b="0"/>
+      </a:fillRef>
+      <a:effectRef idx="0">
+        <a:scrgbClr r="0" g="0" b="0"/>
+      </a:effectRef>
+      <a:fontRef idx="minor"/>
+    </dgm:style>
+  </dgm:styleLbl>
+  <dgm:styleLbl name="fgAcc4">
+    <dgm:scene3d>
+      <a:camera prst="orthographicFront"/>
+      <a:lightRig rig="threePt" dir="t"/>
+    </dgm:scene3d>
+    <dgm:sp3d/>
+    <dgm:txPr/>
+    <dgm:style>
+      <a:lnRef idx="2">
+        <a:scrgbClr r="0" g="0" b="0"/>
+      </a:lnRef>
+      <a:fillRef idx="1">
+        <a:scrgbClr r="0" g="0" b="0"/>
+      </a:fillRef>
+      <a:effectRef idx="0">
+        <a:scrgbClr r="0" g="0" b="0"/>
+      </a:effectRef>
+      <a:fontRef idx="minor"/>
+    </dgm:style>
+  </dgm:styleLbl>
+  <dgm:styleLbl name="bgShp">
+    <dgm:scene3d>
+      <a:camera prst="orthographicFront"/>
+      <a:lightRig rig="threePt" dir="t"/>
+    </dgm:scene3d>
+    <dgm:sp3d/>
+    <dgm:txPr/>
+    <dgm:style>
+      <a:lnRef idx="0">
+        <a:scrgbClr r="0" g="0" b="0"/>
+      </a:lnRef>
+      <a:fillRef idx="1">
+        <a:scrgbClr r="0" g="0" b="0"/>
+      </a:fillRef>
+      <a:effectRef idx="0">
+        <a:scrgbClr r="0" g="0" b="0"/>
+      </a:effectRef>
+      <a:fontRef idx="minor"/>
+    </dgm:style>
+  </dgm:styleLbl>
+  <dgm:styleLbl name="dkBgShp">
+    <dgm:scene3d>
+      <a:camera prst="orthographicFront"/>
+      <a:lightRig rig="threePt" dir="t"/>
+    </dgm:scene3d>
+    <dgm:sp3d/>
+    <dgm:txPr/>
+    <dgm:style>
+      <a:lnRef idx="0">
+        <a:scrgbClr r="0" g="0" b="0"/>
+      </a:lnRef>
+      <a:fillRef idx="1">
+        <a:scrgbClr r="0" g="0" b="0"/>
+      </a:fillRef>
+      <a:effectRef idx="0">
+        <a:scrgbClr r="0" g="0" b="0"/>
+      </a:effectRef>
+      <a:fontRef idx="minor"/>
+    </dgm:style>
+  </dgm:styleLbl>
+  <dgm:styleLbl name="trBgShp">
+    <dgm:scene3d>
+      <a:camera prst="orthographicFront"/>
+      <a:lightRig rig="threePt" dir="t"/>
+    </dgm:scene3d>
+    <dgm:sp3d/>
+    <dgm:txPr/>
+    <dgm:style>
+      <a:lnRef idx="0">
+        <a:scrgbClr r="0" g="0" b="0"/>
+      </a:lnRef>
+      <a:fillRef idx="1">
+        <a:scrgbClr r="0" g="0" b="0"/>
+      </a:fillRef>
+      <a:effectRef idx="0">
+        <a:scrgbClr r="0" g="0" b="0"/>
+      </a:effectRef>
+      <a:fontRef idx="minor"/>
+    </dgm:style>
+  </dgm:styleLbl>
+  <dgm:styleLbl name="fgShp">
+    <dgm:scene3d>
+      <a:camera prst="orthographicFront"/>
+      <a:lightRig rig="threePt" dir="t"/>
+    </dgm:scene3d>
+    <dgm:sp3d/>
+    <dgm:txPr/>
+    <dgm:style>
+      <a:lnRef idx="2">
+        <a:scrgbClr r="0" g="0" b="0"/>
+      </a:lnRef>
+      <a:fillRef idx="1">
+        <a:scrgbClr r="0" g="0" b="0"/>
+      </a:fillRef>
+      <a:effectRef idx="0">
+        <a:scrgbClr r="0" g="0" b="0"/>
+      </a:effectRef>
+      <a:fontRef idx="minor"/>
+    </dgm:style>
+  </dgm:styleLbl>
+  <dgm:styleLbl name="revTx">
+    <dgm:scene3d>
+      <a:camera prst="orthographicFront"/>
+      <a:lightRig rig="threePt" dir="t"/>
+    </dgm:scene3d>
+    <dgm:sp3d/>
+    <dgm:txPr/>
+    <dgm:style>
+      <a:lnRef idx="0">
+        <a:scrgbClr r="0" g="0" b="0"/>
+      </a:lnRef>
+      <a:fillRef idx="0">
+        <a:scrgbClr r="0" g="0" b="0"/>
+      </a:fillRef>
+      <a:effectRef idx="0">
+        <a:scrgbClr r="0" g="0" b="0"/>
+      </a:effectRef>
+      <a:fontRef idx="minor"/>
+    </dgm:style>
+  </dgm:styleLbl>
+</dgm:styleDef>
+</file>
+
+<file path=ppt/diagrams/quickStyle5.xml><?xml version="1.0" encoding="utf-8"?>
 <dgm:styleDef xmlns:dgm="http://schemas.openxmlformats.org/drawingml/2006/diagram" xmlns:a="http://schemas.openxmlformats.org/drawingml/2006/main" uniqueId="urn:microsoft.com/office/officeart/2005/8/quickstyle/simple4">
   <dgm:title val=""/>
   <dgm:desc val=""/>
@@ -21752,7 +24796,7 @@
 </dgm:styleDef>
 </file>
 
-<file path=ppt/diagrams/quickStyle5.xml><?xml version="1.0" encoding="utf-8"?>
+<file path=ppt/diagrams/quickStyle6.xml><?xml version="1.0" encoding="utf-8"?>
 <dgm:styleDef xmlns:dgm="http://schemas.openxmlformats.org/drawingml/2006/diagram" xmlns:a="http://schemas.openxmlformats.org/drawingml/2006/main" uniqueId="urn:microsoft.com/office/officeart/2005/8/quickstyle/simple2">
   <dgm:title val=""/>
   <dgm:desc val=""/>
@@ -22786,7 +25830,7 @@
 </dgm:styleDef>
 </file>
 
-<file path=ppt/diagrams/quickStyle6.xml><?xml version="1.0" encoding="utf-8"?>
+<file path=ppt/diagrams/quickStyle7.xml><?xml version="1.0" encoding="utf-8"?>
 <dgm:styleDef xmlns:dgm="http://schemas.openxmlformats.org/drawingml/2006/diagram" xmlns:a="http://schemas.openxmlformats.org/drawingml/2006/main" uniqueId="urn:microsoft.com/office/officeart/2005/8/quickstyle/simple1">
   <dgm:title val=""/>
   <dgm:desc val=""/>
@@ -23820,7 +26864,7 @@
 </dgm:styleDef>
 </file>
 
-<file path=ppt/diagrams/quickStyle7.xml><?xml version="1.0" encoding="utf-8"?>
+<file path=ppt/diagrams/quickStyle8.xml><?xml version="1.0" encoding="utf-8"?>
 <dgm:styleDef xmlns:dgm="http://schemas.openxmlformats.org/drawingml/2006/diagram" xmlns:a="http://schemas.openxmlformats.org/drawingml/2006/main" uniqueId="urn:microsoft.com/office/officeart/2005/8/quickstyle/simple4">
   <dgm:title val=""/>
   <dgm:desc val=""/>
@@ -24936,7 +27980,7 @@
           <a:p>
             <a:fld id="{09D514B4-3185-124C-8E4E-BAD9E5C025E3}" type="datetimeFigureOut">
               <a:rPr lang="en-EG" smtClean="0"/>
-              <a:t>05/21/2020</a:t>
+              <a:t>5/21/20</a:t>
             </a:fld>
             <a:endParaRPr lang="en-EG"/>
           </a:p>
@@ -32279,6 +35323,14 @@
 <file path=ppt/slides/slide5.xml><?xml version="1.0" encoding="utf-8"?>
 <p:sld xmlns:a="http://schemas.openxmlformats.org/drawingml/2006/main" xmlns:r="http://schemas.openxmlformats.org/officeDocument/2006/relationships" xmlns:p="http://schemas.openxmlformats.org/presentationml/2006/main">
   <p:cSld>
+    <p:bg>
+      <p:bgPr>
+        <a:solidFill>
+          <a:schemeClr val="bg2"/>
+        </a:solidFill>
+        <a:effectLst/>
+      </p:bgPr>
+    </p:bg>
     <p:spTree>
       <p:nvGrpSpPr>
         <p:cNvPr id="1" name=""/>
@@ -32295,6 +35347,69 @@
       </p:grpSpPr>
       <p:sp>
         <p:nvSpPr>
+          <p:cNvPr id="9" name="Rectangle 8">
+            <a:extLst>
+              <a:ext uri="{FF2B5EF4-FFF2-40B4-BE49-F238E27FC236}">
+                <a16:creationId xmlns:a16="http://schemas.microsoft.com/office/drawing/2014/main" id="{34B53BE1-D2E2-4E46-987E-211A9D50027C}"/>
+              </a:ext>
+              <a:ext uri="{C183D7F6-B498-43B3-948B-1728B52AA6E4}">
+                <adec:decorative xmlns:adec="http://schemas.microsoft.com/office/drawing/2017/decorative" val="1"/>
+              </a:ext>
+            </a:extLst>
+          </p:cNvPr>
+          <p:cNvSpPr>
+            <a:spLocks noGrp="1" noRot="1" noChangeAspect="1" noMove="1" noResize="1" noEditPoints="1" noAdjustHandles="1" noChangeArrowheads="1" noChangeShapeType="1" noTextEdit="1"/>
+          </p:cNvSpPr>
+          <p:nvPr>
+            <p:extLst>
+              <p:ext uri="{386F3935-93C4-4BCD-93E2-E3B085C9AB24}">
+                <p16:designElem xmlns:p16="http://schemas.microsoft.com/office/powerpoint/2015/main" val="1"/>
+              </p:ext>
+            </p:extLst>
+          </p:nvPr>
+        </p:nvSpPr>
+        <p:spPr>
+          <a:xfrm>
+            <a:off x="0" y="0"/>
+            <a:ext cx="4738255" cy="6858000"/>
+          </a:xfrm>
+          <a:prstGeom prst="rect">
+            <a:avLst/>
+          </a:prstGeom>
+          <a:solidFill>
+            <a:schemeClr val="accent2"/>
+          </a:solidFill>
+          <a:ln>
+            <a:noFill/>
+          </a:ln>
+        </p:spPr>
+        <p:style>
+          <a:lnRef idx="2">
+            <a:schemeClr val="accent1">
+              <a:shade val="50000"/>
+            </a:schemeClr>
+          </a:lnRef>
+          <a:fillRef idx="1">
+            <a:schemeClr val="accent1"/>
+          </a:fillRef>
+          <a:effectRef idx="0">
+            <a:schemeClr val="accent1"/>
+          </a:effectRef>
+          <a:fontRef idx="minor">
+            <a:schemeClr val="lt1"/>
+          </a:fontRef>
+        </p:style>
+        <p:txBody>
+          <a:bodyPr rtlCol="0" anchor="ctr"/>
+          <a:lstStyle/>
+          <a:p>
+            <a:pPr algn="ctr"/>
+            <a:endParaRPr lang="en-US"/>
+          </a:p>
+        </p:txBody>
+      </p:sp>
+      <p:sp>
+        <p:nvSpPr>
           <p:cNvPr id="2" name="Title 1">
             <a:extLst>
               <a:ext uri="{FF2B5EF4-FFF2-40B4-BE49-F238E27FC236}">
@@ -32309,58 +35424,126 @@
             <p:ph type="title"/>
           </p:nvPr>
         </p:nvSpPr>
-        <p:spPr/>
+        <p:spPr>
+          <a:xfrm>
+            <a:off x="640080" y="2530227"/>
+            <a:ext cx="3401568" cy="1495794"/>
+          </a:xfrm>
+          <a:noFill/>
+          <a:ln>
+            <a:solidFill>
+              <a:srgbClr val="FFFFFF"/>
+            </a:solidFill>
+          </a:ln>
+        </p:spPr>
         <p:txBody>
-          <a:bodyPr/>
+          <a:bodyPr>
+            <a:normAutofit/>
+          </a:bodyPr>
           <a:lstStyle/>
           <a:p>
             <a:r>
-              <a:rPr lang="en-GB" dirty="0"/>
+              <a:rPr lang="en-GB">
+                <a:solidFill>
+                  <a:srgbClr val="FFFFFF"/>
+                </a:solidFill>
+              </a:rPr>
               <a:t>Cleaning</a:t>
             </a:r>
           </a:p>
         </p:txBody>
       </p:sp>
-      <p:sp>
+      <p:sp useBgFill="1">
         <p:nvSpPr>
-          <p:cNvPr id="3" name="Content Placeholder 2">
+          <p:cNvPr id="11" name="Rectangle 10">
             <a:extLst>
               <a:ext uri="{FF2B5EF4-FFF2-40B4-BE49-F238E27FC236}">
-                <a16:creationId xmlns:a16="http://schemas.microsoft.com/office/drawing/2014/main" id="{C7FF9ABA-3851-4056-A48D-BF450475174C}"/>
+                <a16:creationId xmlns:a16="http://schemas.microsoft.com/office/drawing/2014/main" id="{FFB9713E-9F53-4A50-BDAA-CEB2A263BF55}"/>
+              </a:ext>
+              <a:ext uri="{C183D7F6-B498-43B3-948B-1728B52AA6E4}">
+                <adec:decorative xmlns:adec="http://schemas.microsoft.com/office/drawing/2017/decorative" val="1"/>
               </a:ext>
             </a:extLst>
           </p:cNvPr>
           <p:cNvSpPr>
-            <a:spLocks noGrp="1"/>
+            <a:spLocks noGrp="1" noRot="1" noChangeAspect="1" noMove="1" noResize="1" noEditPoints="1" noAdjustHandles="1" noChangeArrowheads="1" noChangeShapeType="1" noTextEdit="1"/>
           </p:cNvSpPr>
           <p:nvPr>
-            <p:ph idx="1"/>
+            <p:extLst>
+              <p:ext uri="{386F3935-93C4-4BCD-93E2-E3B085C9AB24}">
+                <p16:designElem xmlns:p16="http://schemas.microsoft.com/office/powerpoint/2015/main" val="1"/>
+              </p:ext>
+            </p:extLst>
           </p:nvPr>
         </p:nvSpPr>
-        <p:spPr/>
+        <p:spPr>
+          <a:xfrm>
+            <a:off x="4753278" y="0"/>
+            <a:ext cx="7438722" cy="6857999"/>
+          </a:xfrm>
+          <a:prstGeom prst="rect">
+            <a:avLst/>
+          </a:prstGeom>
+          <a:ln>
+            <a:noFill/>
+          </a:ln>
+        </p:spPr>
+        <p:style>
+          <a:lnRef idx="2">
+            <a:schemeClr val="accent1">
+              <a:shade val="50000"/>
+            </a:schemeClr>
+          </a:lnRef>
+          <a:fillRef idx="1">
+            <a:schemeClr val="accent1"/>
+          </a:fillRef>
+          <a:effectRef idx="0">
+            <a:schemeClr val="accent1"/>
+          </a:effectRef>
+          <a:fontRef idx="minor">
+            <a:schemeClr val="lt1"/>
+          </a:fontRef>
+        </p:style>
         <p:txBody>
-          <a:bodyPr/>
+          <a:bodyPr rtlCol="0" anchor="ctr"/>
           <a:lstStyle/>
           <a:p>
-            <a:r>
-              <a:rPr lang="en-GB" dirty="0"/>
-              <a:t>Group flows by origin MSOA and turn into percentages</a:t>
-            </a:r>
-          </a:p>
-          <a:p>
-            <a:r>
-              <a:rPr lang="en-GB" dirty="0"/>
-              <a:t>Perform a point in polygon analysis for transportation access nodes</a:t>
-            </a:r>
-          </a:p>
-          <a:p>
-            <a:r>
-              <a:rPr lang="en-GB" dirty="0"/>
-              <a:t>Turn commuting flows into average travel time data and accessibility measures</a:t>
-            </a:r>
+            <a:pPr algn="ctr"/>
+            <a:endParaRPr lang="en-US"/>
           </a:p>
         </p:txBody>
       </p:sp>
+      <p:graphicFrame>
+        <p:nvGraphicFramePr>
+          <p:cNvPr id="5" name="Content Placeholder 2">
+            <a:extLst>
+              <a:ext uri="{FF2B5EF4-FFF2-40B4-BE49-F238E27FC236}">
+                <a16:creationId xmlns:a16="http://schemas.microsoft.com/office/drawing/2014/main" id="{8FA1CF2E-3D1D-4012-834E-3021695E13B4}"/>
+              </a:ext>
+            </a:extLst>
+          </p:cNvPr>
+          <p:cNvGraphicFramePr>
+            <a:graphicFrameLocks noGrp="1"/>
+          </p:cNvGraphicFramePr>
+          <p:nvPr>
+            <p:ph idx="1"/>
+            <p:extLst>
+              <p:ext uri="{D42A27DB-BD31-4B8C-83A1-F6EECF244321}">
+                <p14:modId xmlns:p14="http://schemas.microsoft.com/office/powerpoint/2010/main" val="3814032192"/>
+              </p:ext>
+            </p:extLst>
+          </p:nvPr>
+        </p:nvGraphicFramePr>
+        <p:xfrm>
+          <a:off x="5397500" y="639763"/>
+          <a:ext cx="6151563" cy="5276850"/>
+        </p:xfrm>
+        <a:graphic>
+          <a:graphicData uri="http://schemas.openxmlformats.org/drawingml/2006/diagram">
+            <dgm:relIds xmlns:dgm="http://schemas.openxmlformats.org/drawingml/2006/diagram" xmlns:r="http://schemas.openxmlformats.org/officeDocument/2006/relationships" r:dm="rId3" r:lo="rId4" r:qs="rId5" r:cs="rId6"/>
+          </a:graphicData>
+        </a:graphic>
+      </p:graphicFrame>
     </p:spTree>
     <p:extLst>
       <p:ext uri="{BB962C8B-B14F-4D97-AF65-F5344CB8AC3E}">
@@ -32369,7 +35552,7 @@
     </p:extLst>
   </p:cSld>
   <p:clrMapOvr>
-    <a:masterClrMapping/>
+    <a:overrideClrMapping bg1="dk1" tx1="lt1" bg2="dk2" tx2="lt2" accent1="accent1" accent2="accent2" accent3="accent3" accent4="accent4" accent5="accent5" accent6="accent6" hlink="hlink" folHlink="folHlink"/>
   </p:clrMapOvr>
 </p:sld>
 </file>

--- a/For Report/Presentation.pptx
+++ b/For Report/Presentation.pptx
@@ -28294,7 +28294,7 @@
           <a:p>
             <a:r>
               <a:rPr lang="en-GB" dirty="0"/>
-              <a:t>Welcome to our analysis of transportation of the UK. </a:t>
+              <a:t>Good evening, we are the Spider Cartographers, and we’re going to explain how we chose to analyse and visualize transportation in the UK….so buckle up </a:t>
             </a:r>
           </a:p>
           <a:p>
@@ -28303,8 +28303,19 @@
           <a:p>
             <a:r>
               <a:rPr lang="en-GB" dirty="0"/>
-              <a:t>We will first begin with a presentation of the data side by the data team, which will be followed up by an exploration of the website by the website team</a:t>
+              <a:t>We will first begin with a presentation of the data </a:t>
             </a:r>
+            <a:r>
+              <a:rPr lang="en-GB" dirty="0" err="1"/>
+              <a:t>sid</a:t>
+            </a:r>
+            <a:r>
+              <a:rPr lang="en-GB" dirty="0"/>
+              <a:t>, which will be followed up by an exploration of the website</a:t>
+            </a:r>
+          </a:p>
+          <a:p>
+            <a:endParaRPr lang="en-GB" dirty="0"/>
           </a:p>
         </p:txBody>
       </p:sp>
@@ -29251,7 +29262,7 @@
           <a:p>
             <a:r>
               <a:rPr lang="en-GB" dirty="0"/>
-              <a:t>First of all, The purpose of our analysis was to be able to inform both policy and the general public of the differences in transport usage to travel to work across England and Wales. This would therefore allow for the identification of areas that could possible benefit from policies and investment that could shift travel towards more sustainable modes</a:t>
+              <a:t>Ok what was our purpose? We want to gain a better understanding of how transport is experienced throughout the UK. Such an understanding can be used to inform both policy and the general public. </a:t>
             </a:r>
           </a:p>
           <a:p>
@@ -29260,7 +29271,25 @@
           <a:p>
             <a:r>
               <a:rPr lang="en-GB" dirty="0"/>
-              <a:t>Therefore, the aims of our analysis and website was to be able to identify and group different transport profiles across England and Wales at the MSOA level. These groups could then be mapped, along with transport flows, to see the geographic distribution of transport usage. Finally, using these profiles we could see what demographic factors relate to the way in which we may use transport</a:t>
+              <a:t>As the UK shifts towards more sustainable modes of transport, our work aims to improve understanding of the current transportation ecosystem so as to better inform such a shift. </a:t>
+            </a:r>
+          </a:p>
+          <a:p>
+            <a:endParaRPr lang="en-GB" dirty="0"/>
+          </a:p>
+          <a:p>
+            <a:r>
+              <a:rPr lang="en-GB" dirty="0"/>
+              <a:t>Therefore, the aims of our analysis and website was to be able to identify and group different transport profiles across England and Wales at the MSOA level. These groups could then be mapped, along with transport flows, to see the geographic distribution of transport usage. </a:t>
+            </a:r>
+          </a:p>
+          <a:p>
+            <a:endParaRPr lang="en-GB" dirty="0"/>
+          </a:p>
+          <a:p>
+            <a:r>
+              <a:rPr lang="en-GB" dirty="0"/>
+              <a:t>We also demonstrate how we can use the identified profiles to see what demographic factors relate to the way in which we may use transport</a:t>
             </a:r>
           </a:p>
         </p:txBody>
@@ -29347,7 +29376,7 @@
           <a:p>
             <a:r>
               <a:rPr lang="en-GB" dirty="0"/>
-              <a:t>In order to be able to run our analysis we had to gather the data, clean it, transform it and perform standardisation</a:t>
+              <a:t>Before identifying these transport profiles, there were a few steps we had to go through: gathering the data, cleaning it, transforming it and standardizing it</a:t>
             </a:r>
           </a:p>
         </p:txBody>
@@ -29434,7 +29463,7 @@
           <a:p>
             <a:r>
               <a:rPr lang="en-GB" dirty="0"/>
-              <a:t>For this to work we required data on transportation usage across England and Wales. This was gathered at the MSOA given that this was the lowest geographical scale for which data was available, and which could subsequently be aggregated up to higher scales if required. The datasets covered transport access nodes, car ownership, commuter flow data between MSOAs and travel time which is a proxy for accessibility. </a:t>
+              <a:t>For this to work we required data on transportation usage across England and Wales. This was gathered at the MSOA  level given that this was the lowest geographical scale for which all data was available. The datasets covered transport access nodes, car ownership, commuter flow data between MSOAs and travel time, the latter being a proxy for accessibility. </a:t>
             </a:r>
           </a:p>
         </p:txBody>
@@ -29521,7 +29550,25 @@
           <a:p>
             <a:r>
               <a:rPr lang="en-GB" dirty="0"/>
-              <a:t>The data that was received was in different formats and not all for our purpose. The first thing we had to do was to group the flows by origin MSOA and turn these into percentages so that they could be readily compared. Secondly, a point in polygon analysis was performed for transport access nodes to see how many transport access nodes were in each MSOA. Finally, we had to turn commuting flows into average travel times and compute an accessibility measure by the time it would take to access all other MSOAs by that transport mode.</a:t>
+              <a:t>The data that was received was in different formats and not all fit for our purpose. Some of the cleaning process we did included</a:t>
+            </a:r>
+          </a:p>
+          <a:p>
+            <a:r>
+              <a:rPr lang="en-GB" dirty="0"/>
+              <a:t>Grouping the flows by origin MSOA and turning them into percentages so that they could be readily compared.</a:t>
+            </a:r>
+          </a:p>
+          <a:p>
+            <a:r>
+              <a:rPr lang="en-GB" dirty="0"/>
+              <a:t>Conducting a point in polygon analysis was for transport access nodes to see how many transport access nodes were in each MSOA. </a:t>
+            </a:r>
+          </a:p>
+          <a:p>
+            <a:r>
+              <a:rPr lang="en-GB" dirty="0"/>
+              <a:t>Weighing travel times between MSOAs by the flows that occur between them. This allowed us to get an average of actual commuting times by mode for each MSOA, which was used as an accessibility metric</a:t>
             </a:r>
           </a:p>
         </p:txBody>
@@ -29608,7 +29655,7 @@
           <a:p>
             <a:r>
               <a:rPr lang="en-GB" dirty="0"/>
-              <a:t>Once the data was cleaned, we had to transform and standardise it. Firstly transformation was used because extremes and outliers will likely influence cluster formation, especially for algorithms using distance-based metrics. Two methods were used because each variable is not skewed in the same degree or necessarily the same direction.</a:t>
+              <a:t>Once the data was cleaned, we had to transform and standardise it. Firstly transformation was used because extremes and outliers are likely influence cluster formation, especially for algorithms using distance-based metrics. Our variables were not skewed in the same degree or necessarily in the same direction, so we used two different transformation techniques</a:t>
             </a:r>
           </a:p>
           <a:p>
@@ -29617,7 +29664,7 @@
           <a:p>
             <a:r>
               <a:rPr lang="en-GB" dirty="0"/>
-              <a:t>Clustering results will also be affected by differences in units, ranges and variations. Therefore the data was standardised. This was done using three different techniques because of the different distribution of each variable even after transformation, so we could compare the results from each.</a:t>
+              <a:t>Clustering results will also be affected by differences in units, ranges and variations. Therefore the data was standardised after transformation. Again due to the different variable distributions, no single standardization technique fit our data best, so we used three in order to compare the result.</a:t>
             </a:r>
           </a:p>
           <a:p>

--- a/For Report/Presentation.pptx
+++ b/For Report/Presentation.pptx
@@ -7353,7 +7353,7 @@
 <dgm:dataModel xmlns:dgm="http://schemas.openxmlformats.org/drawingml/2006/diagram" xmlns:a="http://schemas.openxmlformats.org/drawingml/2006/main">
   <dgm:ptLst>
     <dgm:pt modelId="{C15EE730-7FF1-4676-B132-8C27FC559365}" type="doc">
-      <dgm:prSet loTypeId="urn:microsoft.com/office/officeart/2005/8/layout/list1" loCatId="list" qsTypeId="urn:microsoft.com/office/officeart/2005/8/quickstyle/simple4" qsCatId="simple" csTypeId="urn:microsoft.com/office/officeart/2005/8/colors/colorful1" csCatId="colorful"/>
+      <dgm:prSet loTypeId="urn:microsoft.com/office/officeart/2005/8/layout/list1" loCatId="list" qsTypeId="urn:microsoft.com/office/officeart/2005/8/quickstyle/simple4" qsCatId="simple" csTypeId="urn:microsoft.com/office/officeart/2005/8/colors/colorful1" csCatId="colorful" phldr="1"/>
       <dgm:spPr/>
       <dgm:t>
         <a:bodyPr/>
@@ -7482,7 +7482,7 @@
         <a:lstStyle/>
         <a:p>
           <a:r>
-            <a:rPr lang="en-US"/>
+            <a:rPr lang="en-US" dirty="0"/>
             <a:t>Identify different transport profiles</a:t>
           </a:r>
         </a:p>
@@ -7518,8 +7518,8 @@
         <a:lstStyle/>
         <a:p>
           <a:r>
-            <a:rPr lang="en-US"/>
-            <a:t>Map the different transport profiles and flows</a:t>
+            <a:rPr lang="en-US" dirty="0"/>
+            <a:t>Map the transport profiles and flows</a:t>
           </a:r>
         </a:p>
       </dgm:t>
@@ -7715,8 +7715,12 @@
         <a:lstStyle/>
         <a:p>
           <a:r>
+            <a:rPr lang="en-GB" i="1" dirty="0"/>
+            <a:t>Collection</a:t>
+          </a:r>
+          <a:r>
             <a:rPr lang="en-GB" dirty="0"/>
-            <a:t>Collection: gather data to be used for analysis</a:t>
+            <a:t>: gather data to be used for analysis</a:t>
           </a:r>
           <a:endParaRPr lang="en-US" dirty="0"/>
         </a:p>
@@ -7793,14 +7797,14 @@
         <a:lstStyle/>
         <a:p>
           <a:r>
-            <a:rPr lang="en-GB" i="1"/>
+            <a:rPr lang="en-GB" i="1" dirty="0"/>
             <a:t>Standardisation</a:t>
           </a:r>
           <a:r>
-            <a:rPr lang="en-GB"/>
-            <a:t>: Put variables in the same units and scale</a:t>
+            <a:rPr lang="en-GB" dirty="0"/>
+            <a:t>: put variables in the same units and scale</a:t>
           </a:r>
-          <a:endParaRPr lang="en-US"/>
+          <a:endParaRPr lang="en-US" dirty="0"/>
         </a:p>
       </dgm:t>
     </dgm:pt>
@@ -8033,10 +8037,10 @@
         <a:lstStyle/>
         <a:p>
           <a:r>
-            <a:rPr lang="en-GB"/>
-            <a:t>Public transport stops – Department of travel (2014)</a:t>
+            <a:rPr lang="en-GB" dirty="0"/>
+            <a:t>Public transport stops – Department of Transport (2014)</a:t>
           </a:r>
-          <a:endParaRPr lang="en-US"/>
+          <a:endParaRPr lang="en-US" dirty="0"/>
         </a:p>
       </dgm:t>
     </dgm:pt>
@@ -8395,8 +8399,8 @@
     <dgm:cxn modelId="{5849D50A-6C4D-4C98-9053-544EE0588558}" type="presOf" srcId="{7F750084-42EA-4577-B90F-847025EB7593}" destId="{BB209859-DC38-40F3-AD2A-AAA91738C07B}" srcOrd="0" destOrd="0" presId="urn:microsoft.com/office/officeart/2018/2/layout/IconVerticalSolidList"/>
     <dgm:cxn modelId="{8740BD46-BBFF-43FE-A6F6-74AC50EB719D}" type="presOf" srcId="{8CF1C6C5-6CD4-4470-B606-AD98465F0A6E}" destId="{10A93BDF-D7A8-4D29-B99D-7CF2EA3DECFF}" srcOrd="0" destOrd="0" presId="urn:microsoft.com/office/officeart/2018/2/layout/IconVerticalSolidList"/>
     <dgm:cxn modelId="{1920BB50-797F-485E-A4AA-6E60095C9D3A}" srcId="{3C5310A5-5DA2-498B-AF63-C559744A8050}" destId="{8CF1C6C5-6CD4-4470-B606-AD98465F0A6E}" srcOrd="2" destOrd="0" parTransId="{FDA866DE-B0D5-4D71-BB51-65CB6E5534DF}" sibTransId="{49A74DEB-30D5-42ED-9CC5-30DC4DAACD92}"/>
+    <dgm:cxn modelId="{8F406171-1139-441B-A832-E6AF7C9BCC00}" srcId="{3C5310A5-5DA2-498B-AF63-C559744A8050}" destId="{EFC0DBE2-E4FD-44DE-9CD1-7B43B31AF21F}" srcOrd="0" destOrd="0" parTransId="{841D2595-98F1-4DED-9CF5-EB161BF04FCC}" sibTransId="{9979F5D4-E5E3-4FB9-B1CD-1DC94AD6EB1B}"/>
     <dgm:cxn modelId="{F0C03E52-194B-4C0F-9ED5-0752755D91DA}" srcId="{3C5310A5-5DA2-498B-AF63-C559744A8050}" destId="{C53810AD-0D2C-476E-9238-9937B1EFF56B}" srcOrd="3" destOrd="0" parTransId="{B638028B-849B-4A6F-8045-524A342CF68A}" sibTransId="{E90E5BF5-D3E8-40B0-9FAA-680351DEA38E}"/>
-    <dgm:cxn modelId="{8F406171-1139-441B-A832-E6AF7C9BCC00}" srcId="{3C5310A5-5DA2-498B-AF63-C559744A8050}" destId="{EFC0DBE2-E4FD-44DE-9CD1-7B43B31AF21F}" srcOrd="0" destOrd="0" parTransId="{841D2595-98F1-4DED-9CF5-EB161BF04FCC}" sibTransId="{9979F5D4-E5E3-4FB9-B1CD-1DC94AD6EB1B}"/>
     <dgm:cxn modelId="{BA53717A-79AC-4647-AD35-D233A94A73B4}" type="presOf" srcId="{C53810AD-0D2C-476E-9238-9937B1EFF56B}" destId="{96CC9E2E-472E-4EF8-A2A8-33EB8E70B8C7}" srcOrd="0" destOrd="0" presId="urn:microsoft.com/office/officeart/2018/2/layout/IconVerticalSolidList"/>
     <dgm:cxn modelId="{FA76CD8B-1D5D-40A4-89EA-2B5581032D5D}" srcId="{3C5310A5-5DA2-498B-AF63-C559744A8050}" destId="{7F750084-42EA-4577-B90F-847025EB7593}" srcOrd="1" destOrd="0" parTransId="{218ECC3E-D3F5-4491-A391-48677F6DA9D4}" sibTransId="{10055B17-ED2E-4C68-956F-00FEDAA89AAA}"/>
     <dgm:cxn modelId="{3FDCADAB-B5E1-4267-8DC4-AA50C4D2435A}" type="presOf" srcId="{3C5310A5-5DA2-498B-AF63-C559744A8050}" destId="{551A8D04-7312-4B5F-8B76-1A94826DAD68}" srcOrd="0" destOrd="0" presId="urn:microsoft.com/office/officeart/2018/2/layout/IconVerticalSolidList"/>
@@ -9088,8 +9092,8 @@
     <dgm:cxn modelId="{7205C41F-E710-054A-A7B3-8B4397E254C3}" type="presOf" srcId="{A5C1B13B-C6BE-4C0F-81EE-A28986259A57}" destId="{385046D1-E92B-DD46-92FC-07E6A1120616}" srcOrd="0" destOrd="0" presId="urn:microsoft.com/office/officeart/2005/8/layout/list1"/>
     <dgm:cxn modelId="{CC06703D-1BA7-D34A-BFAA-FF56819DA506}" type="presOf" srcId="{A5C1B13B-C6BE-4C0F-81EE-A28986259A57}" destId="{BFEA1BDE-E5EF-824E-81DC-DEB0AF9E6425}" srcOrd="1" destOrd="0" presId="urn:microsoft.com/office/officeart/2005/8/layout/list1"/>
     <dgm:cxn modelId="{91F4C940-4C5B-F443-8A3A-826E530EFDDC}" type="presOf" srcId="{7C674C4B-3F03-41E3-893A-AC38ADAFBFF7}" destId="{8248139D-0976-B349-95C9-D61ECFBAB6A2}" srcOrd="0" destOrd="0" presId="urn:microsoft.com/office/officeart/2005/8/layout/list1"/>
+    <dgm:cxn modelId="{29CDF86A-37D6-0B40-9F8A-945A9EB665FF}" type="presOf" srcId="{2E97EA98-3AA6-4B30-BCB4-55D84E1BD8B2}" destId="{48AD30DB-9FDE-C140-A591-004BA5B20605}" srcOrd="0" destOrd="0" presId="urn:microsoft.com/office/officeart/2005/8/layout/list1"/>
     <dgm:cxn modelId="{DDE3A355-72DC-4DE6-892D-FA542B51232E}" srcId="{A5C1B13B-C6BE-4C0F-81EE-A28986259A57}" destId="{279DE85E-0EF5-40EA-90E4-24868C3C63CF}" srcOrd="1" destOrd="0" parTransId="{A8DECF60-4B80-48E0-91D9-5D3593951FE0}" sibTransId="{515969FD-B579-453F-AA33-C250DECC824D}"/>
-    <dgm:cxn modelId="{29CDF86A-37D6-0B40-9F8A-945A9EB665FF}" type="presOf" srcId="{2E97EA98-3AA6-4B30-BCB4-55D84E1BD8B2}" destId="{48AD30DB-9FDE-C140-A591-004BA5B20605}" srcOrd="0" destOrd="0" presId="urn:microsoft.com/office/officeart/2005/8/layout/list1"/>
     <dgm:cxn modelId="{EA86E59A-89E7-D04D-AA72-7353E8431121}" type="presOf" srcId="{C15EE730-7FF1-4676-B132-8C27FC559365}" destId="{4E641AB2-05E7-1E42-A3EF-4E42951554EE}" srcOrd="0" destOrd="0" presId="urn:microsoft.com/office/officeart/2005/8/layout/list1"/>
     <dgm:cxn modelId="{2499C8A4-4BE6-4B9C-8E72-4BC94B9CAAA0}" srcId="{2E97EA98-3AA6-4B30-BCB4-55D84E1BD8B2}" destId="{D7C9BAF3-F6A6-428D-9281-FF7D570CB9BB}" srcOrd="2" destOrd="0" parTransId="{6331D18E-79C4-4A35-9CD5-AFC6E8B80733}" sibTransId="{85248B68-0509-4DC9-A64E-06BF2E70C381}"/>
     <dgm:cxn modelId="{D62F19A6-86C9-45D1-BC50-09061D912484}" type="presOf" srcId="{A0AC8257-5E04-4139-A017-0D5C19B5B699}" destId="{8248139D-0976-B349-95C9-D61ECFBAB6A2}" srcOrd="0" destOrd="1" presId="urn:microsoft.com/office/officeart/2005/8/layout/list1"/>
@@ -9413,31 +9417,7 @@
                 <a:schemeClr val="tx1"/>
               </a:solidFill>
             </a:rPr>
-            <a:t>rain </a:t>
-          </a:r>
-          <a:r>
-            <a:rPr lang="en-US" b="1" dirty="0">
-              <a:solidFill>
-                <a:schemeClr val="tx1"/>
-              </a:solidFill>
-            </a:rPr>
-            <a:t>a</a:t>
-          </a:r>
-          <a:r>
-            <a:rPr lang="en-GB" b="1" dirty="0" err="1">
-              <a:solidFill>
-                <a:schemeClr val="tx1"/>
-              </a:solidFill>
-            </a:rPr>
-            <a:t>ccessibility</a:t>
-          </a:r>
-          <a:r>
-            <a:rPr lang="en-GB" b="1" dirty="0">
-              <a:solidFill>
-                <a:schemeClr val="tx1"/>
-              </a:solidFill>
-            </a:rPr>
-            <a:t> but </a:t>
+            <a:t>rain accessibility but </a:t>
           </a:r>
           <a:r>
             <a:rPr lang="en-US" b="1" dirty="0">
@@ -10102,9 +10082,9 @@
     <dgm:cxn modelId="{2FA8C10E-5451-3F4A-A285-85DB714E6507}" type="presOf" srcId="{27219D13-BFBA-4AE6-911D-596149A5B84A}" destId="{40ED1348-D01A-4A42-83F7-C5B5343552EB}" srcOrd="0" destOrd="0" presId="urn:microsoft.com/office/officeart/2018/2/layout/IconVerticalSolidList"/>
     <dgm:cxn modelId="{85831A3C-2245-4D81-B036-34040D71B573}" srcId="{BB4CAC3B-F099-486B-9C31-B05446A1524C}" destId="{27219D13-BFBA-4AE6-911D-596149A5B84A}" srcOrd="2" destOrd="0" parTransId="{84B811DD-1543-40E4-B124-05F4102F006D}" sibTransId="{F68A6DDA-00C8-48C2-9807-79D17C450FDF}"/>
     <dgm:cxn modelId="{4E993A3D-F9F4-4377-AD3E-1A89B84DF114}" srcId="{BB4CAC3B-F099-486B-9C31-B05446A1524C}" destId="{0DDA5DF5-FE51-4B5F-9712-BE18FFCADF6D}" srcOrd="0" destOrd="0" parTransId="{A789B275-5EE5-460A-AFF4-F693020EFB38}" sibTransId="{429A6B94-A803-44F1-8CF9-433A2016CA4E}"/>
+    <dgm:cxn modelId="{AFCD3F74-3F3D-2D41-8B02-BF33DB7A0693}" type="presOf" srcId="{0DDA5DF5-FE51-4B5F-9712-BE18FFCADF6D}" destId="{AE1F5567-443E-4F7C-B5A3-94D443D6955F}" srcOrd="0" destOrd="0" presId="urn:microsoft.com/office/officeart/2018/2/layout/IconVerticalSolidList"/>
     <dgm:cxn modelId="{9497A054-91AD-824D-A257-1E282442C14D}" type="presOf" srcId="{A7C5A5A9-AB58-4F41-B2BD-0EF52ACF5831}" destId="{71C17C4E-1629-48AB-836F-90A4B0F47059}" srcOrd="0" destOrd="0" presId="urn:microsoft.com/office/officeart/2018/2/layout/IconVerticalSolidList"/>
     <dgm:cxn modelId="{575AE957-E21A-E441-BC10-4D1BF7687102}" type="presOf" srcId="{DC5972A2-5830-4DAB-B659-D3585E50A11C}" destId="{4116A036-7E54-4B91-9FCF-A8423F0AA2DE}" srcOrd="0" destOrd="0" presId="urn:microsoft.com/office/officeart/2018/2/layout/IconVerticalSolidList"/>
-    <dgm:cxn modelId="{AFCD3F74-3F3D-2D41-8B02-BF33DB7A0693}" type="presOf" srcId="{0DDA5DF5-FE51-4B5F-9712-BE18FFCADF6D}" destId="{AE1F5567-443E-4F7C-B5A3-94D443D6955F}" srcOrd="0" destOrd="0" presId="urn:microsoft.com/office/officeart/2018/2/layout/IconVerticalSolidList"/>
     <dgm:cxn modelId="{649A6B8D-596B-4668-B2A2-142D198B0184}" srcId="{BB4CAC3B-F099-486B-9C31-B05446A1524C}" destId="{A7C5A5A9-AB58-4F41-B2BD-0EF52ACF5831}" srcOrd="1" destOrd="0" parTransId="{7C125992-8252-440D-BF54-372E7DB97AF0}" sibTransId="{351A7FAF-3797-4044-A7FF-661F9774EB3F}"/>
     <dgm:cxn modelId="{881857A1-0D24-48BB-942D-EF78E6E18E81}" srcId="{BB4CAC3B-F099-486B-9C31-B05446A1524C}" destId="{DC5972A2-5830-4DAB-B659-D3585E50A11C}" srcOrd="4" destOrd="0" parTransId="{E47E453A-31E3-4606-A587-2965D6827A4C}" sibTransId="{5E2CDF50-339B-415B-80B3-BE8CCF198DC4}"/>
     <dgm:cxn modelId="{7A467EB7-3E1F-4AE8-9E5D-D6A450DCC5A5}" srcId="{BB4CAC3B-F099-486B-9C31-B05446A1524C}" destId="{82356B97-B3FD-4A43-BFB5-22F1F466C05B}" srcOrd="3" destOrd="0" parTransId="{F7266C86-08AE-4F4F-ACB9-5CC238C66296}" sibTransId="{C2A900EB-2939-4014-A62A-89815EAC44E5}"/>
@@ -10697,10 +10677,10 @@
     <dgm:cxn modelId="{5CFDD631-EAEA-43BD-8EE8-CF5F328FBAF3}" srcId="{3868E049-E2A3-4CAF-865B-2F6F9BDAB382}" destId="{79646247-596E-4F00-91EA-B8BD34166C3B}" srcOrd="1" destOrd="0" parTransId="{6D2D0162-878F-467B-BC3F-9413E2A05D79}" sibTransId="{8A34BA77-7B55-436E-82C3-FC291F70A046}"/>
     <dgm:cxn modelId="{816F4E3A-0742-524D-98EB-7CA4A3F83CCC}" type="presOf" srcId="{062DCA15-74E6-FA46-9C85-978FC47B82BC}" destId="{E3190B73-8D44-7643-9E1C-04FFC4703488}" srcOrd="0" destOrd="1" presId="urn:microsoft.com/office/officeart/2005/8/layout/vList2"/>
     <dgm:cxn modelId="{E4D30A40-BC3F-0341-B43A-5FBF77C99FDC}" type="presOf" srcId="{948CD92F-AC4E-4559-897E-E5F02A63BC1F}" destId="{1C41B893-74B8-3243-AAE4-331E1E2CFA00}" srcOrd="0" destOrd="0" presId="urn:microsoft.com/office/officeart/2005/8/layout/vList2"/>
+    <dgm:cxn modelId="{AB7C865B-BE53-CD4B-8054-A628D5D4C0B3}" type="presOf" srcId="{F4767AC8-2D5E-574A-94DA-A2DF7250945D}" destId="{E3190B73-8D44-7643-9E1C-04FFC4703488}" srcOrd="0" destOrd="2" presId="urn:microsoft.com/office/officeart/2005/8/layout/vList2"/>
+    <dgm:cxn modelId="{88CB086E-2BA2-2E4C-8F44-50861CD2095D}" type="presOf" srcId="{2414D06E-8C2B-4251-9879-431A327E2D4D}" destId="{72B2D60A-CF7F-9E46-A44C-B15243917451}" srcOrd="0" destOrd="0" presId="urn:microsoft.com/office/officeart/2005/8/layout/vList2"/>
     <dgm:cxn modelId="{F1F4944F-D6F8-410C-A681-4902B79499D8}" srcId="{3868E049-E2A3-4CAF-865B-2F6F9BDAB382}" destId="{2414D06E-8C2B-4251-9879-431A327E2D4D}" srcOrd="4" destOrd="0" parTransId="{4EF5C68B-B8D3-424C-B934-BE17915C02F8}" sibTransId="{8E65BF9C-18D9-4684-8582-D31F98F7E101}"/>
     <dgm:cxn modelId="{1C215D58-A61F-FC49-A8BE-9C2550546183}" type="presOf" srcId="{7D54BC78-5860-4DD6-ACD3-D1102800F20A}" destId="{9527C1E9-9A8B-E847-8ED8-A5A7E6B883C4}" srcOrd="0" destOrd="0" presId="urn:microsoft.com/office/officeart/2005/8/layout/vList2"/>
-    <dgm:cxn modelId="{AB7C865B-BE53-CD4B-8054-A628D5D4C0B3}" type="presOf" srcId="{F4767AC8-2D5E-574A-94DA-A2DF7250945D}" destId="{E3190B73-8D44-7643-9E1C-04FFC4703488}" srcOrd="0" destOrd="2" presId="urn:microsoft.com/office/officeart/2005/8/layout/vList2"/>
-    <dgm:cxn modelId="{88CB086E-2BA2-2E4C-8F44-50861CD2095D}" type="presOf" srcId="{2414D06E-8C2B-4251-9879-431A327E2D4D}" destId="{72B2D60A-CF7F-9E46-A44C-B15243917451}" srcOrd="0" destOrd="0" presId="urn:microsoft.com/office/officeart/2005/8/layout/vList2"/>
     <dgm:cxn modelId="{0F420B7F-FF43-488D-929E-FC4B48D232C1}" srcId="{3868E049-E2A3-4CAF-865B-2F6F9BDAB382}" destId="{ED207C4C-8ABC-417E-8EA0-10F4EEA4107C}" srcOrd="3" destOrd="0" parTransId="{D0ED32A3-FB22-4A23-A8A7-7354B0763160}" sibTransId="{300A9D04-CABD-46D8-B305-6A72E5F10B91}"/>
     <dgm:cxn modelId="{AC294984-73CD-BE4F-843C-F4832A3BE4C1}" srcId="{A0A542D3-7CB8-8340-9273-B07E2E05A98C}" destId="{062DCA15-74E6-FA46-9C85-978FC47B82BC}" srcOrd="1" destOrd="0" parTransId="{22034C9B-0FFE-B745-A5FD-DB0A408E6714}" sibTransId="{5D4E3E9B-0921-CB48-9DB0-9538D1EFD6A5}"/>
     <dgm:cxn modelId="{07CED791-E927-4D19-BE00-E93A1C5A15B7}" srcId="{3868E049-E2A3-4CAF-865B-2F6F9BDAB382}" destId="{D1454437-8324-41DF-A7D1-FDE6630E366A}" srcOrd="0" destOrd="0" parTransId="{0F41B678-733F-47B2-9A5D-72FD7DEC088D}" sibTransId="{39731C59-A3E6-43FF-A95C-6E5176DC9EF7}"/>
@@ -10758,8 +10738,8 @@
       </dsp:nvSpPr>
       <dsp:spPr>
         <a:xfrm>
-          <a:off x="0" y="412024"/>
-          <a:ext cx="5607050" cy="1801800"/>
+          <a:off x="0" y="463662"/>
+          <a:ext cx="5607050" cy="1883700"/>
         </a:xfrm>
         <a:prstGeom prst="rect">
           <a:avLst/>
@@ -10799,12 +10779,12 @@
         <a:fontRef idx="minor"/>
       </dsp:style>
       <dsp:txBody>
-        <a:bodyPr spcFirstLastPara="0" vert="horz" wrap="square" lIns="435169" tIns="458216" rIns="435169" bIns="156464" numCol="1" spcCol="1270" anchor="t" anchorCtr="0">
+        <a:bodyPr spcFirstLastPara="0" vert="horz" wrap="square" lIns="435169" tIns="479044" rIns="435169" bIns="163576" numCol="1" spcCol="1270" anchor="t" anchorCtr="0">
           <a:noAutofit/>
         </a:bodyPr>
         <a:lstStyle/>
         <a:p>
-          <a:pPr marL="228600" lvl="1" indent="-228600" algn="l" defTabSz="977900">
+          <a:pPr marL="228600" lvl="1" indent="-228600" algn="l" defTabSz="1022350">
             <a:lnSpc>
               <a:spcPct val="90000"/>
             </a:lnSpc>
@@ -10817,15 +10797,15 @@
             <a:buChar char="•"/>
           </a:pPr>
           <a:r>
-            <a:rPr lang="en-GB" sz="2200" kern="1200"/>
+            <a:rPr lang="en-GB" sz="2300" kern="1200"/>
             <a:t>Inform policy and the general public of the differences in transport usage to travel to work across England and Wales</a:t>
           </a:r>
-          <a:endParaRPr lang="en-US" sz="2200" kern="1200"/>
+          <a:endParaRPr lang="en-US" sz="2300" kern="1200"/>
         </a:p>
       </dsp:txBody>
       <dsp:txXfrm>
-        <a:off x="0" y="412024"/>
-        <a:ext cx="5607050" cy="1801800"/>
+        <a:off x="0" y="463662"/>
+        <a:ext cx="5607050" cy="1883700"/>
       </dsp:txXfrm>
     </dsp:sp>
     <dsp:sp modelId="{BFEA1BDE-E5EF-824E-81DC-DEB0AF9E6425}">
@@ -10835,8 +10815,8 @@
       </dsp:nvSpPr>
       <dsp:spPr>
         <a:xfrm>
-          <a:off x="280352" y="87304"/>
-          <a:ext cx="3924935" cy="649440"/>
+          <a:off x="280352" y="124182"/>
+          <a:ext cx="3924935" cy="678960"/>
         </a:xfrm>
         <a:prstGeom prst="roundRect">
           <a:avLst/>
@@ -10904,7 +10884,7 @@
         </a:bodyPr>
         <a:lstStyle/>
         <a:p>
-          <a:pPr marL="0" lvl="0" indent="0" algn="l" defTabSz="977900">
+          <a:pPr marL="0" lvl="0" indent="0" algn="l" defTabSz="1022350">
             <a:lnSpc>
               <a:spcPct val="90000"/>
             </a:lnSpc>
@@ -10917,15 +10897,15 @@
             <a:buNone/>
           </a:pPr>
           <a:r>
-            <a:rPr lang="en-GB" sz="2200" kern="1200"/>
+            <a:rPr lang="en-GB" sz="2300" kern="1200"/>
             <a:t>Purpose</a:t>
           </a:r>
-          <a:endParaRPr lang="en-US" sz="2200" kern="1200"/>
+          <a:endParaRPr lang="en-US" sz="2300" kern="1200"/>
         </a:p>
       </dsp:txBody>
       <dsp:txXfrm>
-        <a:off x="312055" y="119007"/>
-        <a:ext cx="3861529" cy="586034"/>
+        <a:off x="313496" y="157326"/>
+        <a:ext cx="3858647" cy="612672"/>
       </dsp:txXfrm>
     </dsp:sp>
     <dsp:sp modelId="{8248139D-0976-B349-95C9-D61ECFBAB6A2}">
@@ -10935,8 +10915,8 @@
       </dsp:nvSpPr>
       <dsp:spPr>
         <a:xfrm>
-          <a:off x="0" y="2657344"/>
-          <a:ext cx="5607050" cy="2182950"/>
+          <a:off x="0" y="2811042"/>
+          <a:ext cx="5607050" cy="1992375"/>
         </a:xfrm>
         <a:prstGeom prst="rect">
           <a:avLst/>
@@ -10976,12 +10956,12 @@
         <a:fontRef idx="minor"/>
       </dsp:style>
       <dsp:txBody>
-        <a:bodyPr spcFirstLastPara="0" vert="horz" wrap="square" lIns="435169" tIns="458216" rIns="435169" bIns="156464" numCol="1" spcCol="1270" anchor="t" anchorCtr="0">
+        <a:bodyPr spcFirstLastPara="0" vert="horz" wrap="square" lIns="435169" tIns="479044" rIns="435169" bIns="163576" numCol="1" spcCol="1270" anchor="t" anchorCtr="0">
           <a:noAutofit/>
         </a:bodyPr>
         <a:lstStyle/>
         <a:p>
-          <a:pPr marL="228600" lvl="1" indent="-228600" algn="l" defTabSz="977900">
+          <a:pPr marL="228600" lvl="1" indent="-228600" algn="l" defTabSz="1022350">
             <a:lnSpc>
               <a:spcPct val="90000"/>
             </a:lnSpc>
@@ -10994,12 +10974,12 @@
             <a:buChar char="•"/>
           </a:pPr>
           <a:r>
-            <a:rPr lang="en-US" sz="2200" kern="1200"/>
+            <a:rPr lang="en-US" sz="2300" kern="1200" dirty="0"/>
             <a:t>Identify different transport profiles</a:t>
           </a:r>
         </a:p>
         <a:p>
-          <a:pPr marL="228600" lvl="1" indent="-228600" algn="l" defTabSz="977900">
+          <a:pPr marL="228600" lvl="1" indent="-228600" algn="l" defTabSz="1022350">
             <a:lnSpc>
               <a:spcPct val="90000"/>
             </a:lnSpc>
@@ -11012,12 +10992,12 @@
             <a:buChar char="•"/>
           </a:pPr>
           <a:r>
-            <a:rPr lang="en-US" sz="2200" kern="1200"/>
-            <a:t>Map the different transport profiles and flows</a:t>
+            <a:rPr lang="en-US" sz="2300" kern="1200" dirty="0"/>
+            <a:t>Map the transport profiles and flows</a:t>
           </a:r>
         </a:p>
         <a:p>
-          <a:pPr marL="228600" lvl="1" indent="-228600" algn="l" defTabSz="977900">
+          <a:pPr marL="228600" lvl="1" indent="-228600" algn="l" defTabSz="1022350">
             <a:lnSpc>
               <a:spcPct val="90000"/>
             </a:lnSpc>
@@ -11030,14 +11010,14 @@
             <a:buChar char="•"/>
           </a:pPr>
           <a:r>
-            <a:rPr lang="en-US" sz="2200" kern="1200"/>
+            <a:rPr lang="en-US" sz="2300" kern="1200"/>
             <a:t>Look at how demographic factors are related to these transport profiles</a:t>
           </a:r>
         </a:p>
       </dsp:txBody>
       <dsp:txXfrm>
-        <a:off x="0" y="2657344"/>
-        <a:ext cx="5607050" cy="2182950"/>
+        <a:off x="0" y="2811042"/>
+        <a:ext cx="5607050" cy="1992375"/>
       </dsp:txXfrm>
     </dsp:sp>
     <dsp:sp modelId="{27973ACC-F4E6-5F4D-BAA2-923E25EDEFD9}">
@@ -11047,8 +11027,8 @@
       </dsp:nvSpPr>
       <dsp:spPr>
         <a:xfrm>
-          <a:off x="280352" y="2332624"/>
-          <a:ext cx="3924935" cy="649440"/>
+          <a:off x="280352" y="2471562"/>
+          <a:ext cx="3924935" cy="678960"/>
         </a:xfrm>
         <a:prstGeom prst="roundRect">
           <a:avLst/>
@@ -11116,7 +11096,7 @@
         </a:bodyPr>
         <a:lstStyle/>
         <a:p>
-          <a:pPr marL="0" lvl="0" indent="0" algn="l" defTabSz="977900">
+          <a:pPr marL="0" lvl="0" indent="0" algn="l" defTabSz="1022350">
             <a:lnSpc>
               <a:spcPct val="90000"/>
             </a:lnSpc>
@@ -11129,15 +11109,15 @@
             <a:buNone/>
           </a:pPr>
           <a:r>
-            <a:rPr lang="en-GB" sz="2200" kern="1200"/>
+            <a:rPr lang="en-GB" sz="2300" kern="1200"/>
             <a:t>Aims</a:t>
           </a:r>
-          <a:endParaRPr lang="en-US" sz="2200" kern="1200"/>
+          <a:endParaRPr lang="en-US" sz="2300" kern="1200"/>
         </a:p>
       </dsp:txBody>
       <dsp:txXfrm>
-        <a:off x="312055" y="2364327"/>
-        <a:ext cx="3861529" cy="586034"/>
+        <a:off x="313496" y="2504706"/>
+        <a:ext cx="3858647" cy="612672"/>
       </dsp:txXfrm>
     </dsp:sp>
   </dsp:spTree>
@@ -11221,8 +11201,12 @@
             <a:buNone/>
           </a:pPr>
           <a:r>
+            <a:rPr lang="en-GB" sz="2400" i="1" kern="1200" dirty="0"/>
+            <a:t>Collection</a:t>
+          </a:r>
+          <a:r>
             <a:rPr lang="en-GB" sz="2400" kern="1200" dirty="0"/>
-            <a:t>Collection: gather data to be used for analysis</a:t>
+            <a:t>: gather data to be used for analysis</a:t>
           </a:r>
           <a:endParaRPr lang="en-US" sz="2400" kern="1200" dirty="0"/>
         </a:p>
@@ -11468,14 +11452,14 @@
             <a:buNone/>
           </a:pPr>
           <a:r>
-            <a:rPr lang="en-GB" sz="2400" i="1" kern="1200"/>
+            <a:rPr lang="en-GB" sz="2400" i="1" kern="1200" dirty="0"/>
             <a:t>Standardisation</a:t>
           </a:r>
           <a:r>
-            <a:rPr lang="en-GB" sz="2400" kern="1200"/>
-            <a:t>: Put variables in the same units and scale</a:t>
+            <a:rPr lang="en-GB" sz="2400" kern="1200" dirty="0"/>
+            <a:t>: put variables in the same units and scale</a:t>
           </a:r>
-          <a:endParaRPr lang="en-US" sz="2400" kern="1200"/>
+          <a:endParaRPr lang="en-US" sz="2400" kern="1200" dirty="0"/>
         </a:p>
       </dsp:txBody>
       <dsp:txXfrm>
@@ -11873,10 +11857,10 @@
             <a:buNone/>
           </a:pPr>
           <a:r>
-            <a:rPr lang="en-GB" sz="2200" kern="1200"/>
-            <a:t>Public transport stops – Department of travel (2014)</a:t>
+            <a:rPr lang="en-GB" sz="2200" kern="1200" dirty="0"/>
+            <a:t>Public transport stops – Department of Transport (2014)</a:t>
           </a:r>
-          <a:endParaRPr lang="en-US" sz="2200" kern="1200"/>
+          <a:endParaRPr lang="en-US" sz="2200" kern="1200" dirty="0"/>
         </a:p>
       </dsp:txBody>
       <dsp:txXfrm>
@@ -13828,31 +13812,7 @@
                 <a:schemeClr val="tx1"/>
               </a:solidFill>
             </a:rPr>
-            <a:t>rain </a:t>
-          </a:r>
-          <a:r>
-            <a:rPr lang="en-US" sz="1900" b="1" kern="1200" dirty="0">
-              <a:solidFill>
-                <a:schemeClr val="tx1"/>
-              </a:solidFill>
-            </a:rPr>
-            <a:t>a</a:t>
-          </a:r>
-          <a:r>
-            <a:rPr lang="en-GB" sz="1900" b="1" kern="1200" dirty="0" err="1">
-              <a:solidFill>
-                <a:schemeClr val="tx1"/>
-              </a:solidFill>
-            </a:rPr>
-            <a:t>ccessibility</a:t>
-          </a:r>
-          <a:r>
-            <a:rPr lang="en-GB" sz="1900" b="1" kern="1200" dirty="0">
-              <a:solidFill>
-                <a:schemeClr val="tx1"/>
-              </a:solidFill>
-            </a:rPr>
-            <a:t> but </a:t>
+            <a:t>rain accessibility but </a:t>
           </a:r>
           <a:r>
             <a:rPr lang="en-US" sz="1900" b="1" kern="1200" dirty="0">
@@ -27980,7 +27940,7 @@
           <a:p>
             <a:fld id="{09D514B4-3185-124C-8E4E-BAD9E5C025E3}" type="datetimeFigureOut">
               <a:rPr lang="en-EG" smtClean="0"/>
-              <a:t>5/21/20</a:t>
+              <a:t>05/21/2020</a:t>
             </a:fld>
             <a:endParaRPr lang="en-EG"/>
           </a:p>
@@ -33234,8 +33194,8 @@
         </p:nvSpPr>
         <p:spPr>
           <a:xfrm>
-            <a:off x="804672" y="1290025"/>
-            <a:ext cx="4475892" cy="1188720"/>
+            <a:off x="690017" y="1307593"/>
+            <a:ext cx="4692879" cy="1188720"/>
           </a:xfrm>
           <a:solidFill>
             <a:srgbClr val="FFFFFF"/>
@@ -33248,13 +33208,13 @@
         </p:spPr>
         <p:txBody>
           <a:bodyPr vert="horz" lIns="182880" tIns="182880" rIns="182880" bIns="182880" rtlCol="0" anchor="ctr">
-            <a:normAutofit/>
+            <a:normAutofit fontScale="90000"/>
           </a:bodyPr>
           <a:lstStyle/>
           <a:p>
             <a:r>
-              <a:rPr lang="en-US" sz="2800"/>
-              <a:t>Transportation analysis of the UK</a:t>
+              <a:rPr lang="en-US" sz="2800" dirty="0"/>
+              <a:t>Identifying transport profiles of England and Wales</a:t>
             </a:r>
           </a:p>
         </p:txBody>
@@ -33320,20 +33280,12 @@
               <a:buChar char="•"/>
             </a:pPr>
             <a:r>
-              <a:rPr lang="en-US" dirty="0" err="1">
-                <a:solidFill>
-                  <a:srgbClr val="FFFFFF"/>
-                </a:solidFill>
-              </a:rPr>
-              <a:t>Alicja</a:t>
-            </a:r>
-            <a:r>
               <a:rPr lang="en-US" dirty="0">
                 <a:solidFill>
                   <a:srgbClr val="FFFFFF"/>
                 </a:solidFill>
               </a:rPr>
-              <a:t> Kotarba</a:t>
+              <a:t>Alicja Kotarba</a:t>
             </a:r>
           </a:p>
           <a:p>
@@ -33855,7 +33807,7 @@
             <p:ph idx="1"/>
             <p:extLst>
               <p:ext uri="{D42A27DB-BD31-4B8C-83A1-F6EECF244321}">
-                <p14:modId xmlns:p14="http://schemas.microsoft.com/office/powerpoint/2010/main" val="1989974610"/>
+                <p14:modId xmlns:p14="http://schemas.microsoft.com/office/powerpoint/2010/main" val="768234525"/>
               </p:ext>
             </p:extLst>
           </p:nvPr>
@@ -34947,7 +34899,7 @@
             <p:ph idx="1"/>
             <p:extLst>
               <p:ext uri="{D42A27DB-BD31-4B8C-83A1-F6EECF244321}">
-                <p14:modId xmlns:p14="http://schemas.microsoft.com/office/powerpoint/2010/main" val="1409400952"/>
+                <p14:modId xmlns:p14="http://schemas.microsoft.com/office/powerpoint/2010/main" val="1139053821"/>
               </p:ext>
             </p:extLst>
           </p:nvPr>
@@ -35051,7 +35003,7 @@
             <p:ph idx="1"/>
             <p:extLst>
               <p:ext uri="{D42A27DB-BD31-4B8C-83A1-F6EECF244321}">
-                <p14:modId xmlns:p14="http://schemas.microsoft.com/office/powerpoint/2010/main" val="3875619342"/>
+                <p14:modId xmlns:p14="http://schemas.microsoft.com/office/powerpoint/2010/main" val="395834412"/>
               </p:ext>
             </p:extLst>
           </p:nvPr>
@@ -35292,7 +35244,7 @@
             <p:ph idx="1"/>
             <p:extLst>
               <p:ext uri="{D42A27DB-BD31-4B8C-83A1-F6EECF244321}">
-                <p14:modId xmlns:p14="http://schemas.microsoft.com/office/powerpoint/2010/main" val="890757593"/>
+                <p14:modId xmlns:p14="http://schemas.microsoft.com/office/powerpoint/2010/main" val="1784111533"/>
               </p:ext>
             </p:extLst>
           </p:nvPr>

--- a/For Report/Presentation.pptx
+++ b/For Report/Presentation.pptx
@@ -8399,8 +8399,8 @@
     <dgm:cxn modelId="{5849D50A-6C4D-4C98-9053-544EE0588558}" type="presOf" srcId="{7F750084-42EA-4577-B90F-847025EB7593}" destId="{BB209859-DC38-40F3-AD2A-AAA91738C07B}" srcOrd="0" destOrd="0" presId="urn:microsoft.com/office/officeart/2018/2/layout/IconVerticalSolidList"/>
     <dgm:cxn modelId="{8740BD46-BBFF-43FE-A6F6-74AC50EB719D}" type="presOf" srcId="{8CF1C6C5-6CD4-4470-B606-AD98465F0A6E}" destId="{10A93BDF-D7A8-4D29-B99D-7CF2EA3DECFF}" srcOrd="0" destOrd="0" presId="urn:microsoft.com/office/officeart/2018/2/layout/IconVerticalSolidList"/>
     <dgm:cxn modelId="{1920BB50-797F-485E-A4AA-6E60095C9D3A}" srcId="{3C5310A5-5DA2-498B-AF63-C559744A8050}" destId="{8CF1C6C5-6CD4-4470-B606-AD98465F0A6E}" srcOrd="2" destOrd="0" parTransId="{FDA866DE-B0D5-4D71-BB51-65CB6E5534DF}" sibTransId="{49A74DEB-30D5-42ED-9CC5-30DC4DAACD92}"/>
+    <dgm:cxn modelId="{F0C03E52-194B-4C0F-9ED5-0752755D91DA}" srcId="{3C5310A5-5DA2-498B-AF63-C559744A8050}" destId="{C53810AD-0D2C-476E-9238-9937B1EFF56B}" srcOrd="3" destOrd="0" parTransId="{B638028B-849B-4A6F-8045-524A342CF68A}" sibTransId="{E90E5BF5-D3E8-40B0-9FAA-680351DEA38E}"/>
     <dgm:cxn modelId="{8F406171-1139-441B-A832-E6AF7C9BCC00}" srcId="{3C5310A5-5DA2-498B-AF63-C559744A8050}" destId="{EFC0DBE2-E4FD-44DE-9CD1-7B43B31AF21F}" srcOrd="0" destOrd="0" parTransId="{841D2595-98F1-4DED-9CF5-EB161BF04FCC}" sibTransId="{9979F5D4-E5E3-4FB9-B1CD-1DC94AD6EB1B}"/>
-    <dgm:cxn modelId="{F0C03E52-194B-4C0F-9ED5-0752755D91DA}" srcId="{3C5310A5-5DA2-498B-AF63-C559744A8050}" destId="{C53810AD-0D2C-476E-9238-9937B1EFF56B}" srcOrd="3" destOrd="0" parTransId="{B638028B-849B-4A6F-8045-524A342CF68A}" sibTransId="{E90E5BF5-D3E8-40B0-9FAA-680351DEA38E}"/>
     <dgm:cxn modelId="{BA53717A-79AC-4647-AD35-D233A94A73B4}" type="presOf" srcId="{C53810AD-0D2C-476E-9238-9937B1EFF56B}" destId="{96CC9E2E-472E-4EF8-A2A8-33EB8E70B8C7}" srcOrd="0" destOrd="0" presId="urn:microsoft.com/office/officeart/2018/2/layout/IconVerticalSolidList"/>
     <dgm:cxn modelId="{FA76CD8B-1D5D-40A4-89EA-2B5581032D5D}" srcId="{3C5310A5-5DA2-498B-AF63-C559744A8050}" destId="{7F750084-42EA-4577-B90F-847025EB7593}" srcOrd="1" destOrd="0" parTransId="{218ECC3E-D3F5-4491-A391-48677F6DA9D4}" sibTransId="{10055B17-ED2E-4C68-956F-00FEDAA89AAA}"/>
     <dgm:cxn modelId="{3FDCADAB-B5E1-4267-8DC4-AA50C4D2435A}" type="presOf" srcId="{3C5310A5-5DA2-498B-AF63-C559744A8050}" destId="{551A8D04-7312-4B5F-8B76-1A94826DAD68}" srcOrd="0" destOrd="0" presId="urn:microsoft.com/office/officeart/2018/2/layout/IconVerticalSolidList"/>
@@ -9092,8 +9092,8 @@
     <dgm:cxn modelId="{7205C41F-E710-054A-A7B3-8B4397E254C3}" type="presOf" srcId="{A5C1B13B-C6BE-4C0F-81EE-A28986259A57}" destId="{385046D1-E92B-DD46-92FC-07E6A1120616}" srcOrd="0" destOrd="0" presId="urn:microsoft.com/office/officeart/2005/8/layout/list1"/>
     <dgm:cxn modelId="{CC06703D-1BA7-D34A-BFAA-FF56819DA506}" type="presOf" srcId="{A5C1B13B-C6BE-4C0F-81EE-A28986259A57}" destId="{BFEA1BDE-E5EF-824E-81DC-DEB0AF9E6425}" srcOrd="1" destOrd="0" presId="urn:microsoft.com/office/officeart/2005/8/layout/list1"/>
     <dgm:cxn modelId="{91F4C940-4C5B-F443-8A3A-826E530EFDDC}" type="presOf" srcId="{7C674C4B-3F03-41E3-893A-AC38ADAFBFF7}" destId="{8248139D-0976-B349-95C9-D61ECFBAB6A2}" srcOrd="0" destOrd="0" presId="urn:microsoft.com/office/officeart/2005/8/layout/list1"/>
+    <dgm:cxn modelId="{DDE3A355-72DC-4DE6-892D-FA542B51232E}" srcId="{A5C1B13B-C6BE-4C0F-81EE-A28986259A57}" destId="{279DE85E-0EF5-40EA-90E4-24868C3C63CF}" srcOrd="1" destOrd="0" parTransId="{A8DECF60-4B80-48E0-91D9-5D3593951FE0}" sibTransId="{515969FD-B579-453F-AA33-C250DECC824D}"/>
     <dgm:cxn modelId="{29CDF86A-37D6-0B40-9F8A-945A9EB665FF}" type="presOf" srcId="{2E97EA98-3AA6-4B30-BCB4-55D84E1BD8B2}" destId="{48AD30DB-9FDE-C140-A591-004BA5B20605}" srcOrd="0" destOrd="0" presId="urn:microsoft.com/office/officeart/2005/8/layout/list1"/>
-    <dgm:cxn modelId="{DDE3A355-72DC-4DE6-892D-FA542B51232E}" srcId="{A5C1B13B-C6BE-4C0F-81EE-A28986259A57}" destId="{279DE85E-0EF5-40EA-90E4-24868C3C63CF}" srcOrd="1" destOrd="0" parTransId="{A8DECF60-4B80-48E0-91D9-5D3593951FE0}" sibTransId="{515969FD-B579-453F-AA33-C250DECC824D}"/>
     <dgm:cxn modelId="{EA86E59A-89E7-D04D-AA72-7353E8431121}" type="presOf" srcId="{C15EE730-7FF1-4676-B132-8C27FC559365}" destId="{4E641AB2-05E7-1E42-A3EF-4E42951554EE}" srcOrd="0" destOrd="0" presId="urn:microsoft.com/office/officeart/2005/8/layout/list1"/>
     <dgm:cxn modelId="{2499C8A4-4BE6-4B9C-8E72-4BC94B9CAAA0}" srcId="{2E97EA98-3AA6-4B30-BCB4-55D84E1BD8B2}" destId="{D7C9BAF3-F6A6-428D-9281-FF7D570CB9BB}" srcOrd="2" destOrd="0" parTransId="{6331D18E-79C4-4A35-9CD5-AFC6E8B80733}" sibTransId="{85248B68-0509-4DC9-A64E-06BF2E70C381}"/>
     <dgm:cxn modelId="{D62F19A6-86C9-45D1-BC50-09061D912484}" type="presOf" srcId="{A0AC8257-5E04-4139-A017-0D5C19B5B699}" destId="{8248139D-0976-B349-95C9-D61ECFBAB6A2}" srcOrd="0" destOrd="1" presId="urn:microsoft.com/office/officeart/2005/8/layout/list1"/>
@@ -10082,9 +10082,9 @@
     <dgm:cxn modelId="{2FA8C10E-5451-3F4A-A285-85DB714E6507}" type="presOf" srcId="{27219D13-BFBA-4AE6-911D-596149A5B84A}" destId="{40ED1348-D01A-4A42-83F7-C5B5343552EB}" srcOrd="0" destOrd="0" presId="urn:microsoft.com/office/officeart/2018/2/layout/IconVerticalSolidList"/>
     <dgm:cxn modelId="{85831A3C-2245-4D81-B036-34040D71B573}" srcId="{BB4CAC3B-F099-486B-9C31-B05446A1524C}" destId="{27219D13-BFBA-4AE6-911D-596149A5B84A}" srcOrd="2" destOrd="0" parTransId="{84B811DD-1543-40E4-B124-05F4102F006D}" sibTransId="{F68A6DDA-00C8-48C2-9807-79D17C450FDF}"/>
     <dgm:cxn modelId="{4E993A3D-F9F4-4377-AD3E-1A89B84DF114}" srcId="{BB4CAC3B-F099-486B-9C31-B05446A1524C}" destId="{0DDA5DF5-FE51-4B5F-9712-BE18FFCADF6D}" srcOrd="0" destOrd="0" parTransId="{A789B275-5EE5-460A-AFF4-F693020EFB38}" sibTransId="{429A6B94-A803-44F1-8CF9-433A2016CA4E}"/>
-    <dgm:cxn modelId="{AFCD3F74-3F3D-2D41-8B02-BF33DB7A0693}" type="presOf" srcId="{0DDA5DF5-FE51-4B5F-9712-BE18FFCADF6D}" destId="{AE1F5567-443E-4F7C-B5A3-94D443D6955F}" srcOrd="0" destOrd="0" presId="urn:microsoft.com/office/officeart/2018/2/layout/IconVerticalSolidList"/>
     <dgm:cxn modelId="{9497A054-91AD-824D-A257-1E282442C14D}" type="presOf" srcId="{A7C5A5A9-AB58-4F41-B2BD-0EF52ACF5831}" destId="{71C17C4E-1629-48AB-836F-90A4B0F47059}" srcOrd="0" destOrd="0" presId="urn:microsoft.com/office/officeart/2018/2/layout/IconVerticalSolidList"/>
     <dgm:cxn modelId="{575AE957-E21A-E441-BC10-4D1BF7687102}" type="presOf" srcId="{DC5972A2-5830-4DAB-B659-D3585E50A11C}" destId="{4116A036-7E54-4B91-9FCF-A8423F0AA2DE}" srcOrd="0" destOrd="0" presId="urn:microsoft.com/office/officeart/2018/2/layout/IconVerticalSolidList"/>
+    <dgm:cxn modelId="{AFCD3F74-3F3D-2D41-8B02-BF33DB7A0693}" type="presOf" srcId="{0DDA5DF5-FE51-4B5F-9712-BE18FFCADF6D}" destId="{AE1F5567-443E-4F7C-B5A3-94D443D6955F}" srcOrd="0" destOrd="0" presId="urn:microsoft.com/office/officeart/2018/2/layout/IconVerticalSolidList"/>
     <dgm:cxn modelId="{649A6B8D-596B-4668-B2A2-142D198B0184}" srcId="{BB4CAC3B-F099-486B-9C31-B05446A1524C}" destId="{A7C5A5A9-AB58-4F41-B2BD-0EF52ACF5831}" srcOrd="1" destOrd="0" parTransId="{7C125992-8252-440D-BF54-372E7DB97AF0}" sibTransId="{351A7FAF-3797-4044-A7FF-661F9774EB3F}"/>
     <dgm:cxn modelId="{881857A1-0D24-48BB-942D-EF78E6E18E81}" srcId="{BB4CAC3B-F099-486B-9C31-B05446A1524C}" destId="{DC5972A2-5830-4DAB-B659-D3585E50A11C}" srcOrd="4" destOrd="0" parTransId="{E47E453A-31E3-4606-A587-2965D6827A4C}" sibTransId="{5E2CDF50-339B-415B-80B3-BE8CCF198DC4}"/>
     <dgm:cxn modelId="{7A467EB7-3E1F-4AE8-9E5D-D6A450DCC5A5}" srcId="{BB4CAC3B-F099-486B-9C31-B05446A1524C}" destId="{82356B97-B3FD-4A43-BFB5-22F1F466C05B}" srcOrd="3" destOrd="0" parTransId="{F7266C86-08AE-4F4F-ACB9-5CC238C66296}" sibTransId="{C2A900EB-2939-4014-A62A-89815EAC44E5}"/>
@@ -10677,10 +10677,10 @@
     <dgm:cxn modelId="{5CFDD631-EAEA-43BD-8EE8-CF5F328FBAF3}" srcId="{3868E049-E2A3-4CAF-865B-2F6F9BDAB382}" destId="{79646247-596E-4F00-91EA-B8BD34166C3B}" srcOrd="1" destOrd="0" parTransId="{6D2D0162-878F-467B-BC3F-9413E2A05D79}" sibTransId="{8A34BA77-7B55-436E-82C3-FC291F70A046}"/>
     <dgm:cxn modelId="{816F4E3A-0742-524D-98EB-7CA4A3F83CCC}" type="presOf" srcId="{062DCA15-74E6-FA46-9C85-978FC47B82BC}" destId="{E3190B73-8D44-7643-9E1C-04FFC4703488}" srcOrd="0" destOrd="1" presId="urn:microsoft.com/office/officeart/2005/8/layout/vList2"/>
     <dgm:cxn modelId="{E4D30A40-BC3F-0341-B43A-5FBF77C99FDC}" type="presOf" srcId="{948CD92F-AC4E-4559-897E-E5F02A63BC1F}" destId="{1C41B893-74B8-3243-AAE4-331E1E2CFA00}" srcOrd="0" destOrd="0" presId="urn:microsoft.com/office/officeart/2005/8/layout/vList2"/>
+    <dgm:cxn modelId="{F1F4944F-D6F8-410C-A681-4902B79499D8}" srcId="{3868E049-E2A3-4CAF-865B-2F6F9BDAB382}" destId="{2414D06E-8C2B-4251-9879-431A327E2D4D}" srcOrd="4" destOrd="0" parTransId="{4EF5C68B-B8D3-424C-B934-BE17915C02F8}" sibTransId="{8E65BF9C-18D9-4684-8582-D31F98F7E101}"/>
+    <dgm:cxn modelId="{1C215D58-A61F-FC49-A8BE-9C2550546183}" type="presOf" srcId="{7D54BC78-5860-4DD6-ACD3-D1102800F20A}" destId="{9527C1E9-9A8B-E847-8ED8-A5A7E6B883C4}" srcOrd="0" destOrd="0" presId="urn:microsoft.com/office/officeart/2005/8/layout/vList2"/>
     <dgm:cxn modelId="{AB7C865B-BE53-CD4B-8054-A628D5D4C0B3}" type="presOf" srcId="{F4767AC8-2D5E-574A-94DA-A2DF7250945D}" destId="{E3190B73-8D44-7643-9E1C-04FFC4703488}" srcOrd="0" destOrd="2" presId="urn:microsoft.com/office/officeart/2005/8/layout/vList2"/>
     <dgm:cxn modelId="{88CB086E-2BA2-2E4C-8F44-50861CD2095D}" type="presOf" srcId="{2414D06E-8C2B-4251-9879-431A327E2D4D}" destId="{72B2D60A-CF7F-9E46-A44C-B15243917451}" srcOrd="0" destOrd="0" presId="urn:microsoft.com/office/officeart/2005/8/layout/vList2"/>
-    <dgm:cxn modelId="{F1F4944F-D6F8-410C-A681-4902B79499D8}" srcId="{3868E049-E2A3-4CAF-865B-2F6F9BDAB382}" destId="{2414D06E-8C2B-4251-9879-431A327E2D4D}" srcOrd="4" destOrd="0" parTransId="{4EF5C68B-B8D3-424C-B934-BE17915C02F8}" sibTransId="{8E65BF9C-18D9-4684-8582-D31F98F7E101}"/>
-    <dgm:cxn modelId="{1C215D58-A61F-FC49-A8BE-9C2550546183}" type="presOf" srcId="{7D54BC78-5860-4DD6-ACD3-D1102800F20A}" destId="{9527C1E9-9A8B-E847-8ED8-A5A7E6B883C4}" srcOrd="0" destOrd="0" presId="urn:microsoft.com/office/officeart/2005/8/layout/vList2"/>
     <dgm:cxn modelId="{0F420B7F-FF43-488D-929E-FC4B48D232C1}" srcId="{3868E049-E2A3-4CAF-865B-2F6F9BDAB382}" destId="{ED207C4C-8ABC-417E-8EA0-10F4EEA4107C}" srcOrd="3" destOrd="0" parTransId="{D0ED32A3-FB22-4A23-A8A7-7354B0763160}" sibTransId="{300A9D04-CABD-46D8-B305-6A72E5F10B91}"/>
     <dgm:cxn modelId="{AC294984-73CD-BE4F-843C-F4832A3BE4C1}" srcId="{A0A542D3-7CB8-8340-9273-B07E2E05A98C}" destId="{062DCA15-74E6-FA46-9C85-978FC47B82BC}" srcOrd="1" destOrd="0" parTransId="{22034C9B-0FFE-B745-A5FD-DB0A408E6714}" sibTransId="{5D4E3E9B-0921-CB48-9DB0-9538D1EFD6A5}"/>
     <dgm:cxn modelId="{07CED791-E927-4D19-BE00-E93A1C5A15B7}" srcId="{3868E049-E2A3-4CAF-865B-2F6F9BDAB382}" destId="{D1454437-8324-41DF-A7D1-FDE6630E366A}" srcOrd="0" destOrd="0" parTransId="{0F41B678-733F-47B2-9A5D-72FD7DEC088D}" sibTransId="{39731C59-A3E6-43FF-A95C-6E5176DC9EF7}"/>
@@ -27940,7 +27940,7 @@
           <a:p>
             <a:fld id="{09D514B4-3185-124C-8E4E-BAD9E5C025E3}" type="datetimeFigureOut">
               <a:rPr lang="en-EG" smtClean="0"/>
-              <a:t>05/21/2020</a:t>
+              <a:t>5/22/20</a:t>
             </a:fld>
             <a:endParaRPr lang="en-EG"/>
           </a:p>
@@ -28254,7 +28254,7 @@
           <a:p>
             <a:r>
               <a:rPr lang="en-GB" dirty="0"/>
-              <a:t>Welcome to our analysis of transportation of the UK. </a:t>
+              <a:t>Good evening, we are the Spider Cartographers, and we’re going to explain how we chose to analyse and visualize transportation in the UK….so buckle up </a:t>
             </a:r>
           </a:p>
           <a:p>
@@ -28263,7 +28263,7 @@
           <a:p>
             <a:r>
               <a:rPr lang="en-GB" dirty="0"/>
-              <a:t>We will first begin with a presentation of the data side by the data team, which will be followed up by an exploration of the website by the website team</a:t>
+              <a:t>We will first begin with a presentation of the data side, which will be followed up by an exploration of the website</a:t>
             </a:r>
           </a:p>
         </p:txBody>
@@ -29211,7 +29211,7 @@
           <a:p>
             <a:r>
               <a:rPr lang="en-GB" dirty="0"/>
-              <a:t>First of all, The purpose of our analysis was to be able to inform both policy and the general public of the differences in transport usage to travel to work across England and Wales. This would therefore allow for the identification of areas that could possible benefit from policies and investment that could shift travel towards more sustainable modes</a:t>
+              <a:t>Ok what was our purpose? We want to gain a better understanding of how transport is experienced throughout the UK. Such an understanding can be used to inform both policy and the general public. </a:t>
             </a:r>
           </a:p>
           <a:p>
@@ -29220,7 +29220,25 @@
           <a:p>
             <a:r>
               <a:rPr lang="en-GB" dirty="0"/>
-              <a:t>Therefore, the aims of our analysis and website was to be able to identify and group different transport profiles across England and Wales at the MSOA level. These groups could then be mapped, along with transport flows, to see the geographic distribution of transport usage. Finally, using these profiles we could see what demographic factors relate to the way in which we may use transport</a:t>
+              <a:t>As the UK shifts towards more sustainable modes of transport, our work aims to improve understanding of the current transportation ecosystem so as to better inform such a shift. </a:t>
+            </a:r>
+          </a:p>
+          <a:p>
+            <a:endParaRPr lang="en-GB" dirty="0"/>
+          </a:p>
+          <a:p>
+            <a:r>
+              <a:rPr lang="en-GB" dirty="0"/>
+              <a:t>Therefore, the aims of our analysis and website was to be able to identify and group different transport profiles across England and Wales at the MSOA level. These groups could then be mapped, along with transport flows, to see the geographic distribution of transport usage. </a:t>
+            </a:r>
+          </a:p>
+          <a:p>
+            <a:endParaRPr lang="en-GB" dirty="0"/>
+          </a:p>
+          <a:p>
+            <a:r>
+              <a:rPr lang="en-GB" dirty="0"/>
+              <a:t>We also demonstrate how we can use the identified profiles to see what demographic factors relate to the way in which we may use transport</a:t>
             </a:r>
           </a:p>
         </p:txBody>
@@ -29305,9 +29323,26 @@
           <a:bodyPr/>
           <a:lstStyle/>
           <a:p>
+            <a:pPr marL="0" marR="0" lvl="0" indent="0" algn="l" defTabSz="914400" rtl="0" eaLnBrk="1" fontAlgn="auto" latinLnBrk="0" hangingPunct="1">
+              <a:lnSpc>
+                <a:spcPct val="100000"/>
+              </a:lnSpc>
+              <a:spcBef>
+                <a:spcPts val="0"/>
+              </a:spcBef>
+              <a:spcAft>
+                <a:spcPts val="0"/>
+              </a:spcAft>
+              <a:buClrTx/>
+              <a:buSzTx/>
+              <a:buFontTx/>
+              <a:buNone/>
+              <a:tabLst/>
+              <a:defRPr/>
+            </a:pPr>
             <a:r>
               <a:rPr lang="en-GB" dirty="0"/>
-              <a:t>In order to be able to run our analysis we had to gather the data, clean it, transform it and perform standardisation</a:t>
+              <a:t>Before identifying these transport profiles, there were a few steps we had to go through: gathering the data, cleaning it, transforming it and standardizing it</a:t>
             </a:r>
           </a:p>
         </p:txBody>
@@ -29394,7 +29429,7 @@
           <a:p>
             <a:r>
               <a:rPr lang="en-GB" dirty="0"/>
-              <a:t>For this to work we required data on transportation usage across England and Wales. This was gathered at the MSOA given that this was the lowest geographical scale for which data was available, and which could subsequently be aggregated up to higher scales if required. The datasets covered transport access nodes, car ownership, commuter flow data between MSOAs and travel time which is a proxy for accessibility. </a:t>
+              <a:t>For this to work we required data on transportation usage across England and Wales. This was gathered at the MSOA  level given that this was the lowest geographical scale for which all data was available. The datasets covered transport access nodes, car ownership, commuter flow data between MSOAs and travel time, the latter being a proxy for accessibility. </a:t>
             </a:r>
           </a:p>
         </p:txBody>
@@ -29481,7 +29516,25 @@
           <a:p>
             <a:r>
               <a:rPr lang="en-GB" dirty="0"/>
-              <a:t>The data that was received was in different formats and not all for our purpose. The first thing we had to do was to group the flows by origin MSOA and turn these into percentages so that they could be readily compared. Secondly, a point in polygon analysis was performed for transport access nodes to see how many transport access nodes were in each MSOA. Finally, we had to turn commuting flows into average travel times and compute an accessibility measure by the time it would take to access all other MSOAs by that transport mode.</a:t>
+              <a:t>The data that was received was in different formats and not all fit for our purpose. Some of the cleaning process we did included</a:t>
+            </a:r>
+          </a:p>
+          <a:p>
+            <a:r>
+              <a:rPr lang="en-GB" dirty="0"/>
+              <a:t>Grouping the flows by origin MSOA and turning them into percentages so that they could be readily compared.</a:t>
+            </a:r>
+          </a:p>
+          <a:p>
+            <a:r>
+              <a:rPr lang="en-GB" dirty="0"/>
+              <a:t>Conducting a point in polygon analysis was for transport access nodes to see how many transport access nodes were in each MSOA. </a:t>
+            </a:r>
+          </a:p>
+          <a:p>
+            <a:r>
+              <a:rPr lang="en-GB" dirty="0"/>
+              <a:t>Weighing travel times between MSOAs by the flows that occur between them. This allowed us to get an average of actual commuting times by mode for each MSOA, which was used as an accessibility metric</a:t>
             </a:r>
           </a:p>
         </p:txBody>
@@ -29568,7 +29621,7 @@
           <a:p>
             <a:r>
               <a:rPr lang="en-GB" dirty="0"/>
-              <a:t>Once the data was cleaned, we had to transform and standardise it. Firstly transformation was used because extremes and outliers will likely influence cluster formation, especially for algorithms using distance-based metrics. Two methods were used because each variable is not skewed in the same degree or necessarily the same direction.</a:t>
+              <a:t>Once the data was cleaned, we had to transform and standardise it. Firstly transformation was used because extremes and outliers are likely influence cluster formation, especially for algorithms using distance-based metrics. Our variables were not skewed in the same degree or necessarily in the same direction, so we used two different transformation techniques</a:t>
             </a:r>
           </a:p>
           <a:p>
@@ -29577,7 +29630,7 @@
           <a:p>
             <a:r>
               <a:rPr lang="en-GB" dirty="0"/>
-              <a:t>Clustering results will also be affected by differences in units, ranges and variations. Therefore the data was standardised. This was done using three different techniques because of the different distribution of each variable even after transformation, so we could compare the results from each.</a:t>
+              <a:t>Clustering results will also be affected by differences in units, ranges and variations. Therefore the data was standardised after transformation. Again due to the different variable distributions, no single standardization technique fit our data best, so we used three in order to compare the result.</a:t>
             </a:r>
           </a:p>
           <a:p>
@@ -30086,7 +30139,7 @@
           <a:p>
             <a:fld id="{7D350A85-E636-47FB-855E-5E507C99E4E4}" type="datetimeFigureOut">
               <a:rPr lang="en-GB" smtClean="0"/>
-              <a:t>21/05/2020</a:t>
+              <a:t>22/05/2020</a:t>
             </a:fld>
             <a:endParaRPr lang="en-GB"/>
           </a:p>
@@ -30256,7 +30309,7 @@
           <a:p>
             <a:fld id="{7D350A85-E636-47FB-855E-5E507C99E4E4}" type="datetimeFigureOut">
               <a:rPr lang="en-GB" smtClean="0"/>
-              <a:t>21/05/2020</a:t>
+              <a:t>22/05/2020</a:t>
             </a:fld>
             <a:endParaRPr lang="en-GB"/>
           </a:p>
@@ -30436,7 +30489,7 @@
           <a:p>
             <a:fld id="{7D350A85-E636-47FB-855E-5E507C99E4E4}" type="datetimeFigureOut">
               <a:rPr lang="en-GB" smtClean="0"/>
-              <a:t>21/05/2020</a:t>
+              <a:t>22/05/2020</a:t>
             </a:fld>
             <a:endParaRPr lang="en-GB"/>
           </a:p>
@@ -30606,7 +30659,7 @@
           <a:p>
             <a:fld id="{7D350A85-E636-47FB-855E-5E507C99E4E4}" type="datetimeFigureOut">
               <a:rPr lang="en-GB" smtClean="0"/>
-              <a:t>21/05/2020</a:t>
+              <a:t>22/05/2020</a:t>
             </a:fld>
             <a:endParaRPr lang="en-GB"/>
           </a:p>
@@ -30874,7 +30927,7 @@
           <a:p>
             <a:fld id="{7D350A85-E636-47FB-855E-5E507C99E4E4}" type="datetimeFigureOut">
               <a:rPr lang="en-GB" smtClean="0"/>
-              <a:t>21/05/2020</a:t>
+              <a:t>22/05/2020</a:t>
             </a:fld>
             <a:endParaRPr lang="en-GB"/>
           </a:p>
@@ -31106,7 +31159,7 @@
           <a:p>
             <a:fld id="{7D350A85-E636-47FB-855E-5E507C99E4E4}" type="datetimeFigureOut">
               <a:rPr lang="en-GB" smtClean="0"/>
-              <a:t>21/05/2020</a:t>
+              <a:t>22/05/2020</a:t>
             </a:fld>
             <a:endParaRPr lang="en-GB"/>
           </a:p>
@@ -31461,7 +31514,7 @@
           <a:p>
             <a:fld id="{7D350A85-E636-47FB-855E-5E507C99E4E4}" type="datetimeFigureOut">
               <a:rPr lang="en-GB" smtClean="0"/>
-              <a:t>21/05/2020</a:t>
+              <a:t>22/05/2020</a:t>
             </a:fld>
             <a:endParaRPr lang="en-GB"/>
           </a:p>
@@ -31602,7 +31655,7 @@
           <a:p>
             <a:fld id="{7D350A85-E636-47FB-855E-5E507C99E4E4}" type="datetimeFigureOut">
               <a:rPr lang="en-GB" smtClean="0"/>
-              <a:t>21/05/2020</a:t>
+              <a:t>22/05/2020</a:t>
             </a:fld>
             <a:endParaRPr lang="en-GB"/>
           </a:p>
@@ -31697,7 +31750,7 @@
           <a:p>
             <a:fld id="{7D350A85-E636-47FB-855E-5E507C99E4E4}" type="datetimeFigureOut">
               <a:rPr lang="en-GB" smtClean="0"/>
-              <a:t>21/05/2020</a:t>
+              <a:t>22/05/2020</a:t>
             </a:fld>
             <a:endParaRPr lang="en-GB"/>
           </a:p>
@@ -32054,7 +32107,7 @@
           <a:p>
             <a:fld id="{7D350A85-E636-47FB-855E-5E507C99E4E4}" type="datetimeFigureOut">
               <a:rPr lang="en-GB" smtClean="0"/>
-              <a:t>21/05/2020</a:t>
+              <a:t>22/05/2020</a:t>
             </a:fld>
             <a:endParaRPr lang="en-GB"/>
           </a:p>
@@ -32410,7 +32463,7 @@
           <a:p>
             <a:fld id="{7D350A85-E636-47FB-855E-5E507C99E4E4}" type="datetimeFigureOut">
               <a:rPr lang="en-GB" smtClean="0"/>
-              <a:t>21/05/2020</a:t>
+              <a:t>22/05/2020</a:t>
             </a:fld>
             <a:endParaRPr lang="en-GB"/>
           </a:p>
@@ -32650,7 +32703,7 @@
           <a:p>
             <a:fld id="{7D350A85-E636-47FB-855E-5E507C99E4E4}" type="datetimeFigureOut">
               <a:rPr lang="en-GB" smtClean="0"/>
-              <a:t>21/05/2020</a:t>
+              <a:t>22/05/2020</a:t>
             </a:fld>
             <a:endParaRPr lang="en-GB"/>
           </a:p>
